--- a/Manuscript/Figures/Graphical_Abstract.pptx
+++ b/Manuscript/Figures/Graphical_Abstract.pptx
@@ -244,7 +244,7 @@
           <a:p>
             <a:fld id="{218315C8-654D-5142-AA3C-0020DF8BD6CE}" type="datetimeFigureOut">
               <a:rPr lang="en-US" smtClean="0"/>
-              <a:t>11/30/22</a:t>
+              <a:t>12/19/22</a:t>
             </a:fld>
             <a:endParaRPr lang="en-US"/>
           </a:p>
@@ -414,7 +414,7 @@
           <a:p>
             <a:fld id="{218315C8-654D-5142-AA3C-0020DF8BD6CE}" type="datetimeFigureOut">
               <a:rPr lang="en-US" smtClean="0"/>
-              <a:t>11/30/22</a:t>
+              <a:t>12/19/22</a:t>
             </a:fld>
             <a:endParaRPr lang="en-US"/>
           </a:p>
@@ -594,7 +594,7 @@
           <a:p>
             <a:fld id="{218315C8-654D-5142-AA3C-0020DF8BD6CE}" type="datetimeFigureOut">
               <a:rPr lang="en-US" smtClean="0"/>
-              <a:t>11/30/22</a:t>
+              <a:t>12/19/22</a:t>
             </a:fld>
             <a:endParaRPr lang="en-US"/>
           </a:p>
@@ -764,7 +764,7 @@
           <a:p>
             <a:fld id="{218315C8-654D-5142-AA3C-0020DF8BD6CE}" type="datetimeFigureOut">
               <a:rPr lang="en-US" smtClean="0"/>
-              <a:t>11/30/22</a:t>
+              <a:t>12/19/22</a:t>
             </a:fld>
             <a:endParaRPr lang="en-US"/>
           </a:p>
@@ -1010,7 +1010,7 @@
           <a:p>
             <a:fld id="{218315C8-654D-5142-AA3C-0020DF8BD6CE}" type="datetimeFigureOut">
               <a:rPr lang="en-US" smtClean="0"/>
-              <a:t>11/30/22</a:t>
+              <a:t>12/19/22</a:t>
             </a:fld>
             <a:endParaRPr lang="en-US"/>
           </a:p>
@@ -1242,7 +1242,7 @@
           <a:p>
             <a:fld id="{218315C8-654D-5142-AA3C-0020DF8BD6CE}" type="datetimeFigureOut">
               <a:rPr lang="en-US" smtClean="0"/>
-              <a:t>11/30/22</a:t>
+              <a:t>12/19/22</a:t>
             </a:fld>
             <a:endParaRPr lang="en-US"/>
           </a:p>
@@ -1609,7 +1609,7 @@
           <a:p>
             <a:fld id="{218315C8-654D-5142-AA3C-0020DF8BD6CE}" type="datetimeFigureOut">
               <a:rPr lang="en-US" smtClean="0"/>
-              <a:t>11/30/22</a:t>
+              <a:t>12/19/22</a:t>
             </a:fld>
             <a:endParaRPr lang="en-US"/>
           </a:p>
@@ -1727,7 +1727,7 @@
           <a:p>
             <a:fld id="{218315C8-654D-5142-AA3C-0020DF8BD6CE}" type="datetimeFigureOut">
               <a:rPr lang="en-US" smtClean="0"/>
-              <a:t>11/30/22</a:t>
+              <a:t>12/19/22</a:t>
             </a:fld>
             <a:endParaRPr lang="en-US"/>
           </a:p>
@@ -1822,7 +1822,7 @@
           <a:p>
             <a:fld id="{218315C8-654D-5142-AA3C-0020DF8BD6CE}" type="datetimeFigureOut">
               <a:rPr lang="en-US" smtClean="0"/>
-              <a:t>11/30/22</a:t>
+              <a:t>12/19/22</a:t>
             </a:fld>
             <a:endParaRPr lang="en-US"/>
           </a:p>
@@ -2099,7 +2099,7 @@
           <a:p>
             <a:fld id="{218315C8-654D-5142-AA3C-0020DF8BD6CE}" type="datetimeFigureOut">
               <a:rPr lang="en-US" smtClean="0"/>
-              <a:t>11/30/22</a:t>
+              <a:t>12/19/22</a:t>
             </a:fld>
             <a:endParaRPr lang="en-US"/>
           </a:p>
@@ -2356,7 +2356,7 @@
           <a:p>
             <a:fld id="{218315C8-654D-5142-AA3C-0020DF8BD6CE}" type="datetimeFigureOut">
               <a:rPr lang="en-US" smtClean="0"/>
-              <a:t>11/30/22</a:t>
+              <a:t>12/19/22</a:t>
             </a:fld>
             <a:endParaRPr lang="en-US"/>
           </a:p>
@@ -2569,7 +2569,7 @@
           <a:p>
             <a:fld id="{218315C8-654D-5142-AA3C-0020DF8BD6CE}" type="datetimeFigureOut">
               <a:rPr lang="en-US" smtClean="0"/>
-              <a:t>11/30/22</a:t>
+              <a:t>12/19/22</a:t>
             </a:fld>
             <a:endParaRPr lang="en-US"/>
           </a:p>
@@ -2974,12 +2974,867 @@
           <a:chExt cx="0" cy="0"/>
         </a:xfrm>
       </p:grpSpPr>
+      <p:sp>
+        <p:nvSpPr>
+          <p:cNvPr id="6" name="Rectangle 5">
+            <a:extLst>
+              <a:ext uri="{FF2B5EF4-FFF2-40B4-BE49-F238E27FC236}">
+                <a16:creationId xmlns:a16="http://schemas.microsoft.com/office/drawing/2014/main" id="{595D5660-5268-5A23-008E-DBC315ACC72B}"/>
+              </a:ext>
+            </a:extLst>
+          </p:cNvPr>
+          <p:cNvSpPr/>
+          <p:nvPr/>
+        </p:nvSpPr>
+        <p:spPr>
+          <a:xfrm>
+            <a:off x="229266" y="175485"/>
+            <a:ext cx="15282584" cy="7414612"/>
+          </a:xfrm>
+          <a:prstGeom prst="rect">
+            <a:avLst/>
+          </a:prstGeom>
+          <a:solidFill>
+            <a:schemeClr val="bg1"/>
+          </a:solidFill>
+          <a:ln>
+            <a:noFill/>
+          </a:ln>
+        </p:spPr>
+        <p:style>
+          <a:lnRef idx="2">
+            <a:schemeClr val="accent1">
+              <a:shade val="50000"/>
+            </a:schemeClr>
+          </a:lnRef>
+          <a:fillRef idx="1">
+            <a:schemeClr val="accent1"/>
+          </a:fillRef>
+          <a:effectRef idx="0">
+            <a:schemeClr val="accent1"/>
+          </a:effectRef>
+          <a:fontRef idx="minor">
+            <a:schemeClr val="lt1"/>
+          </a:fontRef>
+        </p:style>
+        <p:txBody>
+          <a:bodyPr rtlCol="0" anchor="ctr"/>
+          <a:lstStyle/>
+          <a:p>
+            <a:pPr algn="ctr"/>
+            <a:endParaRPr lang="en-US"/>
+          </a:p>
+        </p:txBody>
+      </p:sp>
+      <p:sp>
+        <p:nvSpPr>
+          <p:cNvPr id="1193" name="Rounded Rectangle 1192">
+            <a:extLst>
+              <a:ext uri="{FF2B5EF4-FFF2-40B4-BE49-F238E27FC236}">
+                <a16:creationId xmlns:a16="http://schemas.microsoft.com/office/drawing/2014/main" id="{F5DAC3ED-3E08-C5C8-96CB-59413B42117A}"/>
+              </a:ext>
+            </a:extLst>
+          </p:cNvPr>
+          <p:cNvSpPr/>
+          <p:nvPr/>
+        </p:nvSpPr>
+        <p:spPr>
+          <a:xfrm>
+            <a:off x="4453078" y="2899459"/>
+            <a:ext cx="7115834" cy="1280778"/>
+          </a:xfrm>
+          <a:prstGeom prst="roundRect">
+            <a:avLst>
+              <a:gd name="adj" fmla="val 10038"/>
+            </a:avLst>
+          </a:prstGeom>
+          <a:solidFill>
+            <a:srgbClr val="D95F02"/>
+          </a:solidFill>
+          <a:ln w="19050">
+            <a:solidFill>
+              <a:schemeClr val="tx1"/>
+            </a:solidFill>
+          </a:ln>
+        </p:spPr>
+        <p:style>
+          <a:lnRef idx="2">
+            <a:schemeClr val="accent1">
+              <a:shade val="50000"/>
+            </a:schemeClr>
+          </a:lnRef>
+          <a:fillRef idx="1">
+            <a:schemeClr val="accent1"/>
+          </a:fillRef>
+          <a:effectRef idx="0">
+            <a:schemeClr val="accent1"/>
+          </a:effectRef>
+          <a:fontRef idx="minor">
+            <a:schemeClr val="lt1"/>
+          </a:fontRef>
+        </p:style>
+        <p:txBody>
+          <a:bodyPr rtlCol="0" anchor="ctr"/>
+          <a:lstStyle/>
+          <a:p>
+            <a:r>
+              <a:rPr lang="en-US" sz="2400" b="1" dirty="0">
+                <a:solidFill>
+                  <a:sysClr val="windowText" lastClr="000000"/>
+                </a:solidFill>
+                <a:latin typeface="Arial" panose="020B0604020202020204" pitchFamily="34" charset="0"/>
+                <a:cs typeface="Arial" panose="020B0604020202020204" pitchFamily="34" charset="0"/>
+              </a:rPr>
+              <a:t>Watts</a:t>
+            </a:r>
+          </a:p>
+          <a:p>
+            <a:r>
+              <a:rPr lang="en-US" sz="2400" dirty="0">
+                <a:solidFill>
+                  <a:sysClr val="windowText" lastClr="000000"/>
+                </a:solidFill>
+                <a:latin typeface="Arial" panose="020B0604020202020204" pitchFamily="34" charset="0"/>
+                <a:cs typeface="Arial" panose="020B0604020202020204" pitchFamily="34" charset="0"/>
+              </a:rPr>
+              <a:t>(</a:t>
+            </a:r>
+            <a:r>
+              <a:rPr lang="en-US" sz="2400" b="1" dirty="0">
+                <a:solidFill>
+                  <a:sysClr val="windowText" lastClr="000000"/>
+                </a:solidFill>
+                <a:latin typeface="Arial" panose="020B0604020202020204" pitchFamily="34" charset="0"/>
+                <a:cs typeface="Arial" panose="020B0604020202020204" pitchFamily="34" charset="0"/>
+              </a:rPr>
+              <a:t>n</a:t>
+            </a:r>
+            <a:r>
+              <a:rPr lang="en-US" sz="2400" b="1" baseline="-25000" dirty="0">
+                <a:solidFill>
+                  <a:sysClr val="windowText" lastClr="000000"/>
+                </a:solidFill>
+                <a:latin typeface="Arial" panose="020B0604020202020204" pitchFamily="34" charset="0"/>
+                <a:cs typeface="Arial" panose="020B0604020202020204" pitchFamily="34" charset="0"/>
+              </a:rPr>
+              <a:t>m</a:t>
+            </a:r>
+            <a:r>
+              <a:rPr lang="en-US" sz="2400" dirty="0">
+                <a:solidFill>
+                  <a:sysClr val="windowText" lastClr="000000"/>
+                </a:solidFill>
+                <a:latin typeface="Arial" panose="020B0604020202020204" pitchFamily="34" charset="0"/>
+                <a:cs typeface="Arial" panose="020B0604020202020204" pitchFamily="34" charset="0"/>
+              </a:rPr>
+              <a:t> = 60)</a:t>
+            </a:r>
+          </a:p>
+        </p:txBody>
+      </p:sp>
+      <p:sp>
+        <p:nvSpPr>
+          <p:cNvPr id="1194" name="Rounded Rectangle 1193">
+            <a:extLst>
+              <a:ext uri="{FF2B5EF4-FFF2-40B4-BE49-F238E27FC236}">
+                <a16:creationId xmlns:a16="http://schemas.microsoft.com/office/drawing/2014/main" id="{9845E09E-2DA8-F289-8ECA-6E278AF72347}"/>
+              </a:ext>
+            </a:extLst>
+          </p:cNvPr>
+          <p:cNvSpPr/>
+          <p:nvPr/>
+        </p:nvSpPr>
+        <p:spPr>
+          <a:xfrm>
+            <a:off x="4453078" y="4270080"/>
+            <a:ext cx="7115834" cy="1280778"/>
+          </a:xfrm>
+          <a:prstGeom prst="roundRect">
+            <a:avLst>
+              <a:gd name="adj" fmla="val 10038"/>
+            </a:avLst>
+          </a:prstGeom>
+          <a:solidFill>
+            <a:srgbClr val="7570B3"/>
+          </a:solidFill>
+          <a:ln w="19050">
+            <a:solidFill>
+              <a:schemeClr val="tx1"/>
+            </a:solidFill>
+          </a:ln>
+        </p:spPr>
+        <p:style>
+          <a:lnRef idx="2">
+            <a:schemeClr val="accent1">
+              <a:shade val="50000"/>
+            </a:schemeClr>
+          </a:lnRef>
+          <a:fillRef idx="1">
+            <a:schemeClr val="accent1"/>
+          </a:fillRef>
+          <a:effectRef idx="0">
+            <a:schemeClr val="accent1"/>
+          </a:effectRef>
+          <a:fontRef idx="minor">
+            <a:schemeClr val="lt1"/>
+          </a:fontRef>
+        </p:style>
+        <p:txBody>
+          <a:bodyPr rtlCol="0" anchor="ctr"/>
+          <a:lstStyle/>
+          <a:p>
+            <a:r>
+              <a:rPr lang="en-US" sz="2400" b="1" dirty="0">
+                <a:solidFill>
+                  <a:sysClr val="windowText" lastClr="000000"/>
+                </a:solidFill>
+                <a:latin typeface="Arial" panose="020B0604020202020204" pitchFamily="34" charset="0"/>
+                <a:cs typeface="Arial" panose="020B0604020202020204" pitchFamily="34" charset="0"/>
+              </a:rPr>
+              <a:t>ZIRC</a:t>
+            </a:r>
+          </a:p>
+          <a:p>
+            <a:r>
+              <a:rPr lang="en-US" sz="2400" dirty="0">
+                <a:solidFill>
+                  <a:sysClr val="windowText" lastClr="000000"/>
+                </a:solidFill>
+                <a:latin typeface="Arial" panose="020B0604020202020204" pitchFamily="34" charset="0"/>
+                <a:cs typeface="Arial" panose="020B0604020202020204" pitchFamily="34" charset="0"/>
+              </a:rPr>
+              <a:t>(</a:t>
+            </a:r>
+            <a:r>
+              <a:rPr lang="en-US" sz="2400" b="1" dirty="0">
+                <a:solidFill>
+                  <a:sysClr val="windowText" lastClr="000000"/>
+                </a:solidFill>
+                <a:latin typeface="Arial" panose="020B0604020202020204" pitchFamily="34" charset="0"/>
+                <a:cs typeface="Arial" panose="020B0604020202020204" pitchFamily="34" charset="0"/>
+              </a:rPr>
+              <a:t>n</a:t>
+            </a:r>
+            <a:r>
+              <a:rPr lang="en-US" sz="2400" b="1" baseline="-25000" dirty="0">
+                <a:solidFill>
+                  <a:sysClr val="windowText" lastClr="000000"/>
+                </a:solidFill>
+                <a:latin typeface="Arial" panose="020B0604020202020204" pitchFamily="34" charset="0"/>
+                <a:cs typeface="Arial" panose="020B0604020202020204" pitchFamily="34" charset="0"/>
+              </a:rPr>
+              <a:t>m</a:t>
+            </a:r>
+            <a:r>
+              <a:rPr lang="en-US" sz="2400" dirty="0">
+                <a:solidFill>
+                  <a:sysClr val="windowText" lastClr="000000"/>
+                </a:solidFill>
+                <a:latin typeface="Arial" panose="020B0604020202020204" pitchFamily="34" charset="0"/>
+                <a:cs typeface="Arial" panose="020B0604020202020204" pitchFamily="34" charset="0"/>
+              </a:rPr>
+              <a:t> = 60)</a:t>
+            </a:r>
+          </a:p>
+        </p:txBody>
+      </p:sp>
+      <p:sp>
+        <p:nvSpPr>
+          <p:cNvPr id="232" name="Rounded Rectangle 231">
+            <a:extLst>
+              <a:ext uri="{FF2B5EF4-FFF2-40B4-BE49-F238E27FC236}">
+                <a16:creationId xmlns:a16="http://schemas.microsoft.com/office/drawing/2014/main" id="{250B3897-66D7-B502-30FC-57254CCBA144}"/>
+              </a:ext>
+            </a:extLst>
+          </p:cNvPr>
+          <p:cNvSpPr/>
+          <p:nvPr/>
+        </p:nvSpPr>
+        <p:spPr>
+          <a:xfrm>
+            <a:off x="4445663" y="1540889"/>
+            <a:ext cx="7124192" cy="1280778"/>
+          </a:xfrm>
+          <a:prstGeom prst="roundRect">
+            <a:avLst>
+              <a:gd name="adj" fmla="val 10038"/>
+            </a:avLst>
+          </a:prstGeom>
+          <a:solidFill>
+            <a:srgbClr val="1B9E77"/>
+          </a:solidFill>
+          <a:ln w="19050">
+            <a:solidFill>
+              <a:schemeClr val="tx1"/>
+            </a:solidFill>
+          </a:ln>
+        </p:spPr>
+        <p:style>
+          <a:lnRef idx="2">
+            <a:schemeClr val="accent1">
+              <a:shade val="50000"/>
+            </a:schemeClr>
+          </a:lnRef>
+          <a:fillRef idx="1">
+            <a:schemeClr val="accent1"/>
+          </a:fillRef>
+          <a:effectRef idx="0">
+            <a:schemeClr val="accent1"/>
+          </a:effectRef>
+          <a:fontRef idx="minor">
+            <a:schemeClr val="lt1"/>
+          </a:fontRef>
+        </p:style>
+        <p:txBody>
+          <a:bodyPr rtlCol="0" anchor="ctr"/>
+          <a:lstStyle/>
+          <a:p>
+            <a:r>
+              <a:rPr lang="en-US" sz="2400" b="1" dirty="0">
+                <a:solidFill>
+                  <a:sysClr val="windowText" lastClr="000000"/>
+                </a:solidFill>
+                <a:latin typeface="Arial" panose="020B0604020202020204" pitchFamily="34" charset="0"/>
+                <a:cs typeface="Arial" panose="020B0604020202020204" pitchFamily="34" charset="0"/>
+              </a:rPr>
+              <a:t>Gemma</a:t>
+            </a:r>
+          </a:p>
+          <a:p>
+            <a:r>
+              <a:rPr lang="en-US" sz="2000" dirty="0">
+                <a:solidFill>
+                  <a:sysClr val="windowText" lastClr="000000"/>
+                </a:solidFill>
+                <a:latin typeface="Arial" panose="020B0604020202020204" pitchFamily="34" charset="0"/>
+                <a:cs typeface="Arial" panose="020B0604020202020204" pitchFamily="34" charset="0"/>
+              </a:rPr>
+              <a:t>(</a:t>
+            </a:r>
+            <a:r>
+              <a:rPr lang="en-US" sz="2000" b="1" dirty="0">
+                <a:solidFill>
+                  <a:sysClr val="windowText" lastClr="000000"/>
+                </a:solidFill>
+                <a:latin typeface="Arial" panose="020B0604020202020204" pitchFamily="34" charset="0"/>
+                <a:cs typeface="Arial" panose="020B0604020202020204" pitchFamily="34" charset="0"/>
+              </a:rPr>
+              <a:t>n</a:t>
+            </a:r>
+            <a:r>
+              <a:rPr lang="en-US" sz="2000" b="1" baseline="-25000" dirty="0">
+                <a:solidFill>
+                  <a:sysClr val="windowText" lastClr="000000"/>
+                </a:solidFill>
+                <a:latin typeface="Arial" panose="020B0604020202020204" pitchFamily="34" charset="0"/>
+                <a:cs typeface="Arial" panose="020B0604020202020204" pitchFamily="34" charset="0"/>
+              </a:rPr>
+              <a:t>m</a:t>
+            </a:r>
+            <a:r>
+              <a:rPr lang="en-US" sz="2000" dirty="0">
+                <a:solidFill>
+                  <a:sysClr val="windowText" lastClr="000000"/>
+                </a:solidFill>
+                <a:latin typeface="Arial" panose="020B0604020202020204" pitchFamily="34" charset="0"/>
+                <a:cs typeface="Arial" panose="020B0604020202020204" pitchFamily="34" charset="0"/>
+              </a:rPr>
+              <a:t> = 59)</a:t>
+            </a:r>
+          </a:p>
+        </p:txBody>
+      </p:sp>
+      <p:sp>
+        <p:nvSpPr>
+          <p:cNvPr id="1295" name="Rounded Rectangle 1294">
+            <a:extLst>
+              <a:ext uri="{FF2B5EF4-FFF2-40B4-BE49-F238E27FC236}">
+                <a16:creationId xmlns:a16="http://schemas.microsoft.com/office/drawing/2014/main" id="{B6480FE3-9DC1-40E3-4357-BEFFB795A245}"/>
+              </a:ext>
+            </a:extLst>
+          </p:cNvPr>
+          <p:cNvSpPr/>
+          <p:nvPr/>
+        </p:nvSpPr>
+        <p:spPr>
+          <a:xfrm>
+            <a:off x="1075426" y="1540888"/>
+            <a:ext cx="2926290" cy="4009969"/>
+          </a:xfrm>
+          <a:prstGeom prst="roundRect">
+            <a:avLst>
+              <a:gd name="adj" fmla="val 3560"/>
+            </a:avLst>
+          </a:prstGeom>
+          <a:solidFill>
+            <a:schemeClr val="bg1">
+              <a:lumMod val="85000"/>
+              <a:alpha val="25000"/>
+            </a:schemeClr>
+          </a:solidFill>
+          <a:ln>
+            <a:noFill/>
+          </a:ln>
+        </p:spPr>
+        <p:style>
+          <a:lnRef idx="2">
+            <a:schemeClr val="accent1">
+              <a:shade val="50000"/>
+            </a:schemeClr>
+          </a:lnRef>
+          <a:fillRef idx="1">
+            <a:schemeClr val="accent1"/>
+          </a:fillRef>
+          <a:effectRef idx="0">
+            <a:schemeClr val="accent1"/>
+          </a:effectRef>
+          <a:fontRef idx="minor">
+            <a:schemeClr val="lt1"/>
+          </a:fontRef>
+        </p:style>
+        <p:txBody>
+          <a:bodyPr rtlCol="0" anchor="ctr"/>
+          <a:lstStyle/>
+          <a:p>
+            <a:pPr algn="ctr"/>
+            <a:endParaRPr lang="en-US">
+              <a:solidFill>
+                <a:schemeClr val="tx1"/>
+              </a:solidFill>
+              <a:latin typeface="Arial" panose="020B0604020202020204" pitchFamily="34" charset="0"/>
+              <a:cs typeface="Arial" panose="020B0604020202020204" pitchFamily="34" charset="0"/>
+            </a:endParaRPr>
+          </a:p>
+        </p:txBody>
+      </p:sp>
+      <p:cxnSp>
+        <p:nvCxnSpPr>
+          <p:cNvPr id="1272" name="Straight Connector 1271">
+            <a:extLst>
+              <a:ext uri="{FF2B5EF4-FFF2-40B4-BE49-F238E27FC236}">
+                <a16:creationId xmlns:a16="http://schemas.microsoft.com/office/drawing/2014/main" id="{2222C380-666A-2CB4-9042-EF0A29D47106}"/>
+              </a:ext>
+            </a:extLst>
+          </p:cNvPr>
+          <p:cNvCxnSpPr>
+            <a:cxnSpLocks/>
+          </p:cNvCxnSpPr>
+          <p:nvPr/>
+        </p:nvCxnSpPr>
+        <p:spPr>
+          <a:xfrm>
+            <a:off x="878770" y="1341806"/>
+            <a:ext cx="0" cy="4487670"/>
+          </a:xfrm>
+          <a:prstGeom prst="line">
+            <a:avLst/>
+          </a:prstGeom>
+          <a:ln w="76200">
+            <a:solidFill>
+              <a:schemeClr val="bg1">
+                <a:lumMod val="65000"/>
+              </a:schemeClr>
+            </a:solidFill>
+            <a:prstDash val="dash"/>
+          </a:ln>
+        </p:spPr>
+        <p:style>
+          <a:lnRef idx="1">
+            <a:schemeClr val="accent1"/>
+          </a:lnRef>
+          <a:fillRef idx="0">
+            <a:schemeClr val="accent1"/>
+          </a:fillRef>
+          <a:effectRef idx="0">
+            <a:schemeClr val="accent1"/>
+          </a:effectRef>
+          <a:fontRef idx="minor">
+            <a:schemeClr val="tx1"/>
+          </a:fontRef>
+        </p:style>
+      </p:cxnSp>
+      <p:cxnSp>
+        <p:nvCxnSpPr>
+          <p:cNvPr id="1234" name="Straight Connector 1233">
+            <a:extLst>
+              <a:ext uri="{FF2B5EF4-FFF2-40B4-BE49-F238E27FC236}">
+                <a16:creationId xmlns:a16="http://schemas.microsoft.com/office/drawing/2014/main" id="{22748DCC-8600-8E50-5413-30BBECB3D046}"/>
+              </a:ext>
+            </a:extLst>
+          </p:cNvPr>
+          <p:cNvCxnSpPr>
+            <a:cxnSpLocks/>
+          </p:cNvCxnSpPr>
+          <p:nvPr/>
+        </p:nvCxnSpPr>
+        <p:spPr>
+          <a:xfrm>
+            <a:off x="6268776" y="1341806"/>
+            <a:ext cx="0" cy="4487670"/>
+          </a:xfrm>
+          <a:prstGeom prst="line">
+            <a:avLst/>
+          </a:prstGeom>
+          <a:ln w="76200">
+            <a:solidFill>
+              <a:schemeClr val="bg1">
+                <a:lumMod val="65000"/>
+              </a:schemeClr>
+            </a:solidFill>
+            <a:prstDash val="dash"/>
+          </a:ln>
+        </p:spPr>
+        <p:style>
+          <a:lnRef idx="1">
+            <a:schemeClr val="accent1"/>
+          </a:lnRef>
+          <a:fillRef idx="0">
+            <a:schemeClr val="accent1"/>
+          </a:fillRef>
+          <a:effectRef idx="0">
+            <a:schemeClr val="accent1"/>
+          </a:effectRef>
+          <a:fontRef idx="minor">
+            <a:schemeClr val="tx1"/>
+          </a:fontRef>
+        </p:style>
+      </p:cxnSp>
+      <p:sp>
+        <p:nvSpPr>
+          <p:cNvPr id="245" name="Rectangle 244">
+            <a:extLst>
+              <a:ext uri="{FF2B5EF4-FFF2-40B4-BE49-F238E27FC236}">
+                <a16:creationId xmlns:a16="http://schemas.microsoft.com/office/drawing/2014/main" id="{CC67F634-FCF0-97AD-EDBC-9CE0A7AE148F}"/>
+              </a:ext>
+            </a:extLst>
+          </p:cNvPr>
+          <p:cNvSpPr/>
+          <p:nvPr/>
+        </p:nvSpPr>
+        <p:spPr>
+          <a:xfrm>
+            <a:off x="4244029" y="1083304"/>
+            <a:ext cx="2037142" cy="393192"/>
+          </a:xfrm>
+          <a:prstGeom prst="rect">
+            <a:avLst/>
+          </a:prstGeom>
+          <a:noFill/>
+          <a:ln w="38100">
+            <a:noFill/>
+          </a:ln>
+        </p:spPr>
+        <p:style>
+          <a:lnRef idx="2">
+            <a:schemeClr val="accent1">
+              <a:shade val="50000"/>
+            </a:schemeClr>
+          </a:lnRef>
+          <a:fillRef idx="1">
+            <a:schemeClr val="accent1"/>
+          </a:fillRef>
+          <a:effectRef idx="0">
+            <a:schemeClr val="accent1"/>
+          </a:effectRef>
+          <a:fontRef idx="minor">
+            <a:schemeClr val="lt1"/>
+          </a:fontRef>
+        </p:style>
+        <p:txBody>
+          <a:bodyPr rtlCol="0" anchor="ctr"/>
+          <a:lstStyle/>
+          <a:p>
+            <a:pPr algn="ctr"/>
+            <a:r>
+              <a:rPr lang="en-US" sz="2400" dirty="0">
+                <a:solidFill>
+                  <a:schemeClr val="bg1">
+                    <a:lumMod val="50000"/>
+                  </a:schemeClr>
+                </a:solidFill>
+                <a:latin typeface="Arial" panose="020B0604020202020204" pitchFamily="34" charset="0"/>
+                <a:cs typeface="Arial" panose="020B0604020202020204" pitchFamily="34" charset="0"/>
+              </a:rPr>
+              <a:t>Juvenile</a:t>
+            </a:r>
+          </a:p>
+        </p:txBody>
+      </p:sp>
+      <p:sp>
+        <p:nvSpPr>
+          <p:cNvPr id="246" name="Rectangle 245">
+            <a:extLst>
+              <a:ext uri="{FF2B5EF4-FFF2-40B4-BE49-F238E27FC236}">
+                <a16:creationId xmlns:a16="http://schemas.microsoft.com/office/drawing/2014/main" id="{06FA0125-D4F8-D884-00E8-8C79EA3CFDDF}"/>
+              </a:ext>
+            </a:extLst>
+          </p:cNvPr>
+          <p:cNvSpPr/>
+          <p:nvPr/>
+        </p:nvSpPr>
+        <p:spPr>
+          <a:xfrm>
+            <a:off x="3110317" y="479097"/>
+            <a:ext cx="2257021" cy="393192"/>
+          </a:xfrm>
+          <a:prstGeom prst="rect">
+            <a:avLst/>
+          </a:prstGeom>
+          <a:noFill/>
+          <a:ln w="38100">
+            <a:noFill/>
+          </a:ln>
+        </p:spPr>
+        <p:style>
+          <a:lnRef idx="2">
+            <a:schemeClr val="accent1">
+              <a:shade val="50000"/>
+            </a:schemeClr>
+          </a:lnRef>
+          <a:fillRef idx="1">
+            <a:schemeClr val="accent1"/>
+          </a:fillRef>
+          <a:effectRef idx="0">
+            <a:schemeClr val="accent1"/>
+          </a:effectRef>
+          <a:fontRef idx="minor">
+            <a:schemeClr val="lt1"/>
+          </a:fontRef>
+        </p:style>
+        <p:txBody>
+          <a:bodyPr rtlCol="0" anchor="ctr"/>
+          <a:lstStyle/>
+          <a:p>
+            <a:pPr algn="ctr"/>
+            <a:r>
+              <a:rPr lang="en-US" sz="3200" b="1" dirty="0">
+                <a:solidFill>
+                  <a:schemeClr val="tx1"/>
+                </a:solidFill>
+                <a:latin typeface="Arial" panose="020B0604020202020204" pitchFamily="34" charset="0"/>
+                <a:cs typeface="Arial" panose="020B0604020202020204" pitchFamily="34" charset="0"/>
+              </a:rPr>
+              <a:t>Diet</a:t>
+            </a:r>
+          </a:p>
+        </p:txBody>
+      </p:sp>
+      <p:sp>
+        <p:nvSpPr>
+          <p:cNvPr id="247" name="Rectangle 246">
+            <a:extLst>
+              <a:ext uri="{FF2B5EF4-FFF2-40B4-BE49-F238E27FC236}">
+                <a16:creationId xmlns:a16="http://schemas.microsoft.com/office/drawing/2014/main" id="{918FB5F1-EA2F-832B-1316-2BCC686C17C9}"/>
+              </a:ext>
+            </a:extLst>
+          </p:cNvPr>
+          <p:cNvSpPr/>
+          <p:nvPr/>
+        </p:nvSpPr>
+        <p:spPr>
+          <a:xfrm>
+            <a:off x="8310458" y="479097"/>
+            <a:ext cx="2451507" cy="393192"/>
+          </a:xfrm>
+          <a:prstGeom prst="rect">
+            <a:avLst/>
+          </a:prstGeom>
+          <a:noFill/>
+          <a:ln w="38100">
+            <a:noFill/>
+          </a:ln>
+        </p:spPr>
+        <p:style>
+          <a:lnRef idx="2">
+            <a:schemeClr val="accent1">
+              <a:shade val="50000"/>
+            </a:schemeClr>
+          </a:lnRef>
+          <a:fillRef idx="1">
+            <a:schemeClr val="accent1"/>
+          </a:fillRef>
+          <a:effectRef idx="0">
+            <a:schemeClr val="accent1"/>
+          </a:effectRef>
+          <a:fontRef idx="minor">
+            <a:schemeClr val="lt1"/>
+          </a:fontRef>
+        </p:style>
+        <p:txBody>
+          <a:bodyPr rtlCol="0" anchor="ctr"/>
+          <a:lstStyle/>
+          <a:p>
+            <a:pPr algn="ctr"/>
+            <a:r>
+              <a:rPr lang="en-US" sz="3200" b="1" dirty="0">
+                <a:solidFill>
+                  <a:schemeClr val="tx1"/>
+                </a:solidFill>
+                <a:latin typeface="Arial" panose="020B0604020202020204" pitchFamily="34" charset="0"/>
+                <a:cs typeface="Arial" panose="020B0604020202020204" pitchFamily="34" charset="0"/>
+              </a:rPr>
+              <a:t>Exposure</a:t>
+            </a:r>
+          </a:p>
+        </p:txBody>
+      </p:sp>
+      <p:sp>
+        <p:nvSpPr>
+          <p:cNvPr id="248" name="Rectangle 247">
+            <a:extLst>
+              <a:ext uri="{FF2B5EF4-FFF2-40B4-BE49-F238E27FC236}">
+                <a16:creationId xmlns:a16="http://schemas.microsoft.com/office/drawing/2014/main" id="{C9E9FA4B-AD6C-8E12-55F2-E2F5246D5BDD}"/>
+              </a:ext>
+            </a:extLst>
+          </p:cNvPr>
+          <p:cNvSpPr/>
+          <p:nvPr/>
+        </p:nvSpPr>
+        <p:spPr>
+          <a:xfrm>
+            <a:off x="1489620" y="1083304"/>
+            <a:ext cx="1915897" cy="393192"/>
+          </a:xfrm>
+          <a:prstGeom prst="rect">
+            <a:avLst/>
+          </a:prstGeom>
+          <a:noFill/>
+          <a:ln w="38100">
+            <a:noFill/>
+          </a:ln>
+        </p:spPr>
+        <p:style>
+          <a:lnRef idx="2">
+            <a:schemeClr val="accent1">
+              <a:shade val="50000"/>
+            </a:schemeClr>
+          </a:lnRef>
+          <a:fillRef idx="1">
+            <a:schemeClr val="accent1"/>
+          </a:fillRef>
+          <a:effectRef idx="0">
+            <a:schemeClr val="accent1"/>
+          </a:effectRef>
+          <a:fontRef idx="minor">
+            <a:schemeClr val="lt1"/>
+          </a:fontRef>
+        </p:style>
+        <p:txBody>
+          <a:bodyPr rtlCol="0" anchor="ctr"/>
+          <a:lstStyle/>
+          <a:p>
+            <a:pPr algn="ctr"/>
+            <a:r>
+              <a:rPr lang="en-US" sz="2400" dirty="0">
+                <a:solidFill>
+                  <a:schemeClr val="bg1">
+                    <a:lumMod val="50000"/>
+                  </a:schemeClr>
+                </a:solidFill>
+                <a:latin typeface="Arial" panose="020B0604020202020204" pitchFamily="34" charset="0"/>
+                <a:cs typeface="Arial" panose="020B0604020202020204" pitchFamily="34" charset="0"/>
+              </a:rPr>
+              <a:t>Nursery</a:t>
+            </a:r>
+          </a:p>
+        </p:txBody>
+      </p:sp>
+      <p:cxnSp>
+        <p:nvCxnSpPr>
+          <p:cNvPr id="249" name="Curved Connector 248">
+            <a:extLst>
+              <a:ext uri="{FF2B5EF4-FFF2-40B4-BE49-F238E27FC236}">
+                <a16:creationId xmlns:a16="http://schemas.microsoft.com/office/drawing/2014/main" id="{FAE6CB8C-DA98-6BC3-0046-E3CFA5C1555C}"/>
+              </a:ext>
+            </a:extLst>
+          </p:cNvPr>
+          <p:cNvCxnSpPr>
+            <a:cxnSpLocks/>
+            <a:stCxn id="242" idx="3"/>
+            <a:endCxn id="232" idx="1"/>
+          </p:cNvCxnSpPr>
+          <p:nvPr/>
+        </p:nvCxnSpPr>
+        <p:spPr>
+          <a:xfrm flipV="1">
+            <a:off x="3805287" y="2181278"/>
+            <a:ext cx="640376" cy="1365745"/>
+          </a:xfrm>
+          <a:prstGeom prst="curvedConnector3">
+            <a:avLst/>
+          </a:prstGeom>
+          <a:ln w="76200">
+            <a:solidFill>
+              <a:srgbClr val="1B9E77"/>
+            </a:solidFill>
+          </a:ln>
+        </p:spPr>
+        <p:style>
+          <a:lnRef idx="1">
+            <a:schemeClr val="accent1"/>
+          </a:lnRef>
+          <a:fillRef idx="0">
+            <a:schemeClr val="accent1"/>
+          </a:fillRef>
+          <a:effectRef idx="0">
+            <a:schemeClr val="accent1"/>
+          </a:effectRef>
+          <a:fontRef idx="minor">
+            <a:schemeClr val="tx1"/>
+          </a:fontRef>
+        </p:style>
+      </p:cxnSp>
+      <p:cxnSp>
+        <p:nvCxnSpPr>
+          <p:cNvPr id="250" name="Curved Connector 249">
+            <a:extLst>
+              <a:ext uri="{FF2B5EF4-FFF2-40B4-BE49-F238E27FC236}">
+                <a16:creationId xmlns:a16="http://schemas.microsoft.com/office/drawing/2014/main" id="{8BC2FB5A-9E4A-2128-D830-048EF5D4A5ED}"/>
+              </a:ext>
+            </a:extLst>
+          </p:cNvPr>
+          <p:cNvCxnSpPr>
+            <a:cxnSpLocks/>
+            <a:stCxn id="242" idx="3"/>
+            <a:endCxn id="1194" idx="1"/>
+          </p:cNvCxnSpPr>
+          <p:nvPr/>
+        </p:nvCxnSpPr>
+        <p:spPr>
+          <a:xfrm>
+            <a:off x="3805287" y="3547023"/>
+            <a:ext cx="647791" cy="1363446"/>
+          </a:xfrm>
+          <a:prstGeom prst="curvedConnector3">
+            <a:avLst/>
+          </a:prstGeom>
+          <a:ln w="76200">
+            <a:solidFill>
+              <a:srgbClr val="7570B3"/>
+            </a:solidFill>
+          </a:ln>
+        </p:spPr>
+        <p:style>
+          <a:lnRef idx="1">
+            <a:schemeClr val="accent1"/>
+          </a:lnRef>
+          <a:fillRef idx="0">
+            <a:schemeClr val="accent1"/>
+          </a:fillRef>
+          <a:effectRef idx="0">
+            <a:schemeClr val="accent1"/>
+          </a:effectRef>
+          <a:fontRef idx="minor">
+            <a:schemeClr val="tx1"/>
+          </a:fontRef>
+        </p:style>
+      </p:cxnSp>
       <p:grpSp>
         <p:nvGrpSpPr>
-          <p:cNvPr id="7" name="Group 6">
+          <p:cNvPr id="1203" name="Group 1202">
             <a:extLst>
               <a:ext uri="{FF2B5EF4-FFF2-40B4-BE49-F238E27FC236}">
-                <a16:creationId xmlns:a16="http://schemas.microsoft.com/office/drawing/2014/main" id="{FF300DC5-80A5-26FE-9538-B3DED8C38D03}"/>
+                <a16:creationId xmlns:a16="http://schemas.microsoft.com/office/drawing/2014/main" id="{B44C4921-C056-18E7-3C3B-D2EC5673C14F}"/>
               </a:ext>
             </a:extLst>
           </p:cNvPr>
@@ -2988,18 +3843,18 @@
         </p:nvGrpSpPr>
         <p:grpSpPr>
           <a:xfrm>
-            <a:off x="579863" y="111512"/>
-            <a:ext cx="14697308" cy="8296508"/>
-            <a:chOff x="579863" y="111512"/>
-            <a:chExt cx="14697308" cy="8296508"/>
+            <a:off x="7870663" y="3033953"/>
+            <a:ext cx="3574510" cy="1011790"/>
+            <a:chOff x="9023489" y="2770944"/>
+            <a:chExt cx="1828800" cy="1011790"/>
           </a:xfrm>
         </p:grpSpPr>
         <p:sp>
           <p:nvSpPr>
-            <p:cNvPr id="6" name="Rectangle 5">
+            <p:cNvPr id="281" name="Rounded Rectangle 280">
               <a:extLst>
                 <a:ext uri="{FF2B5EF4-FFF2-40B4-BE49-F238E27FC236}">
-                  <a16:creationId xmlns:a16="http://schemas.microsoft.com/office/drawing/2014/main" id="{595D5660-5268-5A23-008E-DBC315ACC72B}"/>
+                  <a16:creationId xmlns:a16="http://schemas.microsoft.com/office/drawing/2014/main" id="{89A44855-0F2E-C07A-ACBD-3ECC63A1D705}"/>
                 </a:ext>
               </a:extLst>
             </p:cNvPr>
@@ -3008,68 +3863,14 @@
           </p:nvSpPr>
           <p:spPr>
             <a:xfrm>
-              <a:off x="579863" y="111512"/>
-              <a:ext cx="14697308" cy="8296508"/>
+              <a:off x="9023489" y="2770944"/>
+              <a:ext cx="1828800" cy="457200"/>
             </a:xfrm>
-            <a:prstGeom prst="rect">
+            <a:prstGeom prst="roundRect">
               <a:avLst/>
             </a:prstGeom>
             <a:solidFill>
-              <a:schemeClr val="bg1"/>
-            </a:solidFill>
-            <a:ln>
-              <a:noFill/>
-            </a:ln>
-          </p:spPr>
-          <p:style>
-            <a:lnRef idx="2">
-              <a:schemeClr val="accent1">
-                <a:shade val="50000"/>
-              </a:schemeClr>
-            </a:lnRef>
-            <a:fillRef idx="1">
-              <a:schemeClr val="accent1"/>
-            </a:fillRef>
-            <a:effectRef idx="0">
-              <a:schemeClr val="accent1"/>
-            </a:effectRef>
-            <a:fontRef idx="minor">
-              <a:schemeClr val="lt1"/>
-            </a:fontRef>
-          </p:style>
-          <p:txBody>
-            <a:bodyPr rtlCol="0" anchor="ctr"/>
-            <a:lstStyle/>
-            <a:p>
-              <a:pPr algn="ctr"/>
-              <a:endParaRPr lang="en-US"/>
-            </a:p>
-          </p:txBody>
-        </p:sp>
-        <p:sp>
-          <p:nvSpPr>
-            <p:cNvPr id="1193" name="Rounded Rectangle 1192">
-              <a:extLst>
-                <a:ext uri="{FF2B5EF4-FFF2-40B4-BE49-F238E27FC236}">
-                  <a16:creationId xmlns:a16="http://schemas.microsoft.com/office/drawing/2014/main" id="{F5DAC3ED-3E08-C5C8-96CB-59413B42117A}"/>
-                </a:ext>
-              </a:extLst>
-            </p:cNvPr>
-            <p:cNvSpPr/>
-            <p:nvPr/>
-          </p:nvSpPr>
-          <p:spPr>
-            <a:xfrm>
-              <a:off x="5032939" y="2899459"/>
-              <a:ext cx="6312467" cy="1280778"/>
-            </a:xfrm>
-            <a:prstGeom prst="roundRect">
-              <a:avLst>
-                <a:gd name="adj" fmla="val 10038"/>
-              </a:avLst>
-            </a:prstGeom>
-            <a:solidFill>
-              <a:srgbClr val="D95F02"/>
+              <a:srgbClr val="E41A1C"/>
             </a:solidFill>
             <a:ln w="19050">
               <a:solidFill>
@@ -3100,22 +3901,79 @@
               <a:r>
                 <a:rPr lang="en-US" sz="2400" b="1" dirty="0">
                   <a:solidFill>
+                    <a:schemeClr val="tx1"/>
+                  </a:solidFill>
+                  <a:latin typeface="Arial" panose="020B0604020202020204" pitchFamily="34" charset="0"/>
+                  <a:cs typeface="Arial" panose="020B0604020202020204" pitchFamily="34" charset="0"/>
+                </a:rPr>
+                <a:t>+Pathogen</a:t>
+              </a:r>
+              <a:r>
+                <a:rPr lang="en-US" sz="2400" dirty="0">
+                  <a:solidFill>
+                    <a:schemeClr val="tx1"/>
+                  </a:solidFill>
+                  <a:latin typeface="Arial" panose="020B0604020202020204" pitchFamily="34" charset="0"/>
+                  <a:cs typeface="Arial" panose="020B0604020202020204" pitchFamily="34" charset="0"/>
+                </a:rPr>
+                <a:t> (</a:t>
+              </a:r>
+              <a:r>
+                <a:rPr lang="en-US" sz="2400" dirty="0">
+                  <a:solidFill>
                     <a:sysClr val="windowText" lastClr="000000"/>
                   </a:solidFill>
                   <a:latin typeface="Arial" panose="020B0604020202020204" pitchFamily="34" charset="0"/>
                   <a:cs typeface="Arial" panose="020B0604020202020204" pitchFamily="34" charset="0"/>
                 </a:rPr>
-                <a:t>   Watts</a:t>
+                <a:t>n</a:t>
               </a:r>
+              <a:r>
+                <a:rPr lang="en-US" sz="2400" baseline="-25000" dirty="0">
+                  <a:solidFill>
+                    <a:sysClr val="windowText" lastClr="000000"/>
+                  </a:solidFill>
+                  <a:latin typeface="Arial" panose="020B0604020202020204" pitchFamily="34" charset="0"/>
+                  <a:cs typeface="Arial" panose="020B0604020202020204" pitchFamily="34" charset="0"/>
+                </a:rPr>
+                <a:t>m</a:t>
+              </a:r>
+              <a:r>
+                <a:rPr lang="en-US" sz="2400" dirty="0">
+                  <a:solidFill>
+                    <a:sysClr val="windowText" lastClr="000000"/>
+                  </a:solidFill>
+                  <a:latin typeface="Arial" panose="020B0604020202020204" pitchFamily="34" charset="0"/>
+                  <a:cs typeface="Arial" panose="020B0604020202020204" pitchFamily="34" charset="0"/>
+                </a:rPr>
+                <a:t> = 15</a:t>
+              </a:r>
+              <a:r>
+                <a:rPr lang="en-US" sz="2400" dirty="0">
+                  <a:solidFill>
+                    <a:schemeClr val="tx1"/>
+                  </a:solidFill>
+                  <a:latin typeface="Arial" panose="020B0604020202020204" pitchFamily="34" charset="0"/>
+                  <a:cs typeface="Arial" panose="020B0604020202020204" pitchFamily="34" charset="0"/>
+                </a:rPr>
+                <a:t>)</a:t>
+              </a:r>
+              <a:endParaRPr lang="en-US" sz="2400" b="1" dirty="0">
+                <a:solidFill>
+                  <a:schemeClr val="tx1"/>
+                </a:solidFill>
+                <a:latin typeface="Arial" panose="020B0604020202020204" pitchFamily="34" charset="0"/>
+                <a:cs typeface="Arial" panose="020B0604020202020204" pitchFamily="34" charset="0"/>
+              </a:endParaRPr>
             </a:p>
           </p:txBody>
         </p:sp>
         <p:sp>
           <p:nvSpPr>
-            <p:cNvPr id="1194" name="Rounded Rectangle 1193">
+            <p:cNvPr id="282" name="Rounded Rectangle 281">
               <a:extLst>
                 <a:ext uri="{FF2B5EF4-FFF2-40B4-BE49-F238E27FC236}">
-                  <a16:creationId xmlns:a16="http://schemas.microsoft.com/office/drawing/2014/main" id="{9845E09E-2DA8-F289-8ECA-6E278AF72347}"/>
+                  <a16:creationId xmlns:a16="http://schemas.microsoft.com/office/drawing/2014/main" id="{F8856538-903D-5315-8A2C-7D7C406C7526}"/>
                 </a:ext>
               </a:extLst>
             </p:cNvPr>
@@ -3124,16 +3982,14 @@
           </p:nvSpPr>
           <p:spPr>
             <a:xfrm>
-              <a:off x="5032939" y="4270080"/>
-              <a:ext cx="6312467" cy="1280778"/>
+              <a:off x="9023489" y="3325534"/>
+              <a:ext cx="1828800" cy="457200"/>
             </a:xfrm>
             <a:prstGeom prst="roundRect">
-              <a:avLst>
-                <a:gd name="adj" fmla="val 10038"/>
-              </a:avLst>
+              <a:avLst/>
             </a:prstGeom>
             <a:solidFill>
-              <a:srgbClr val="7570B3"/>
+              <a:srgbClr val="377EB8"/>
             </a:solidFill>
             <a:ln w="19050">
               <a:solidFill>
@@ -3164,22 +4020,100 @@
               <a:r>
                 <a:rPr lang="en-US" sz="2400" b="1" dirty="0">
                   <a:solidFill>
+                    <a:schemeClr val="tx1"/>
+                  </a:solidFill>
+                  <a:latin typeface="Arial" panose="020B0604020202020204" pitchFamily="34" charset="0"/>
+                  <a:cs typeface="Arial" panose="020B0604020202020204" pitchFamily="34" charset="0"/>
+                </a:rPr>
+                <a:t>Control</a:t>
+              </a:r>
+              <a:r>
+                <a:rPr lang="en-US" sz="2400" dirty="0">
+                  <a:solidFill>
+                    <a:schemeClr val="tx1"/>
+                  </a:solidFill>
+                  <a:latin typeface="Arial" panose="020B0604020202020204" pitchFamily="34" charset="0"/>
+                  <a:cs typeface="Arial" panose="020B0604020202020204" pitchFamily="34" charset="0"/>
+                </a:rPr>
+                <a:t> (</a:t>
+              </a:r>
+              <a:r>
+                <a:rPr lang="en-US" sz="2400" dirty="0">
+                  <a:solidFill>
                     <a:sysClr val="windowText" lastClr="000000"/>
                   </a:solidFill>
                   <a:latin typeface="Arial" panose="020B0604020202020204" pitchFamily="34" charset="0"/>
                   <a:cs typeface="Arial" panose="020B0604020202020204" pitchFamily="34" charset="0"/>
                 </a:rPr>
-                <a:t>   ZIRC</a:t>
+                <a:t>n</a:t>
               </a:r>
+              <a:r>
+                <a:rPr lang="en-US" sz="2400" baseline="-25000" dirty="0">
+                  <a:solidFill>
+                    <a:sysClr val="windowText" lastClr="000000"/>
+                  </a:solidFill>
+                  <a:latin typeface="Arial" panose="020B0604020202020204" pitchFamily="34" charset="0"/>
+                  <a:cs typeface="Arial" panose="020B0604020202020204" pitchFamily="34" charset="0"/>
+                </a:rPr>
+                <a:t>m</a:t>
+              </a:r>
+              <a:r>
+                <a:rPr lang="en-US" sz="2400" dirty="0">
+                  <a:solidFill>
+                    <a:sysClr val="windowText" lastClr="000000"/>
+                  </a:solidFill>
+                  <a:latin typeface="Arial" panose="020B0604020202020204" pitchFamily="34" charset="0"/>
+                  <a:cs typeface="Arial" panose="020B0604020202020204" pitchFamily="34" charset="0"/>
+                </a:rPr>
+                <a:t> = 15</a:t>
+              </a:r>
+              <a:r>
+                <a:rPr lang="en-US" sz="2400" dirty="0">
+                  <a:solidFill>
+                    <a:schemeClr val="tx1"/>
+                  </a:solidFill>
+                  <a:latin typeface="Arial" panose="020B0604020202020204" pitchFamily="34" charset="0"/>
+                  <a:cs typeface="Arial" panose="020B0604020202020204" pitchFamily="34" charset="0"/>
+                </a:rPr>
+                <a:t>)</a:t>
+              </a:r>
+              <a:endParaRPr lang="en-US" sz="2400" b="1" dirty="0">
+                <a:solidFill>
+                  <a:schemeClr val="tx1"/>
+                </a:solidFill>
+                <a:latin typeface="Arial" panose="020B0604020202020204" pitchFamily="34" charset="0"/>
+                <a:cs typeface="Arial" panose="020B0604020202020204" pitchFamily="34" charset="0"/>
+              </a:endParaRPr>
             </a:p>
           </p:txBody>
         </p:sp>
+      </p:grpSp>
+      <p:grpSp>
+        <p:nvGrpSpPr>
+          <p:cNvPr id="1204" name="Group 1203">
+            <a:extLst>
+              <a:ext uri="{FF2B5EF4-FFF2-40B4-BE49-F238E27FC236}">
+                <a16:creationId xmlns:a16="http://schemas.microsoft.com/office/drawing/2014/main" id="{24FB3E97-276A-577C-FD2A-DD368C0DD6A9}"/>
+              </a:ext>
+            </a:extLst>
+          </p:cNvPr>
+          <p:cNvGrpSpPr/>
+          <p:nvPr/>
+        </p:nvGrpSpPr>
+        <p:grpSpPr>
+          <a:xfrm>
+            <a:off x="7870663" y="4406342"/>
+            <a:ext cx="3574510" cy="1008254"/>
+            <a:chOff x="9023489" y="4234414"/>
+            <a:chExt cx="1828800" cy="1008254"/>
+          </a:xfrm>
+        </p:grpSpPr>
         <p:sp>
           <p:nvSpPr>
-            <p:cNvPr id="232" name="Rounded Rectangle 231">
+            <p:cNvPr id="283" name="Rounded Rectangle 282">
               <a:extLst>
                 <a:ext uri="{FF2B5EF4-FFF2-40B4-BE49-F238E27FC236}">
-                  <a16:creationId xmlns:a16="http://schemas.microsoft.com/office/drawing/2014/main" id="{250B3897-66D7-B502-30FC-57254CCBA144}"/>
+                  <a16:creationId xmlns:a16="http://schemas.microsoft.com/office/drawing/2014/main" id="{35F6B80B-3187-EFA6-0417-20C83B033C92}"/>
                 </a:ext>
               </a:extLst>
             </p:cNvPr>
@@ -3188,16 +4122,14 @@
           </p:nvSpPr>
           <p:spPr>
             <a:xfrm>
-              <a:off x="5025525" y="1540889"/>
-              <a:ext cx="6319881" cy="1280778"/>
+              <a:off x="9023489" y="4234414"/>
+              <a:ext cx="1828800" cy="457200"/>
             </a:xfrm>
             <a:prstGeom prst="roundRect">
-              <a:avLst>
-                <a:gd name="adj" fmla="val 10038"/>
-              </a:avLst>
+              <a:avLst/>
             </a:prstGeom>
             <a:solidFill>
-              <a:srgbClr val="1B9E77"/>
+              <a:srgbClr val="E41A1C"/>
             </a:solidFill>
             <a:ln w="19050">
               <a:solidFill>
@@ -3228,22 +4160,79 @@
               <a:r>
                 <a:rPr lang="en-US" sz="2400" b="1" dirty="0">
                   <a:solidFill>
+                    <a:schemeClr val="tx1"/>
+                  </a:solidFill>
+                  <a:latin typeface="Arial" panose="020B0604020202020204" pitchFamily="34" charset="0"/>
+                  <a:cs typeface="Arial" panose="020B0604020202020204" pitchFamily="34" charset="0"/>
+                </a:rPr>
+                <a:t>+Pathogen</a:t>
+              </a:r>
+              <a:r>
+                <a:rPr lang="en-US" sz="2400" dirty="0">
+                  <a:solidFill>
+                    <a:schemeClr val="tx1"/>
+                  </a:solidFill>
+                  <a:latin typeface="Arial" panose="020B0604020202020204" pitchFamily="34" charset="0"/>
+                  <a:cs typeface="Arial" panose="020B0604020202020204" pitchFamily="34" charset="0"/>
+                </a:rPr>
+                <a:t> (</a:t>
+              </a:r>
+              <a:r>
+                <a:rPr lang="en-US" sz="2400" dirty="0">
+                  <a:solidFill>
                     <a:sysClr val="windowText" lastClr="000000"/>
                   </a:solidFill>
                   <a:latin typeface="Arial" panose="020B0604020202020204" pitchFamily="34" charset="0"/>
                   <a:cs typeface="Arial" panose="020B0604020202020204" pitchFamily="34" charset="0"/>
                 </a:rPr>
-                <a:t>   Gemma</a:t>
+                <a:t>n</a:t>
               </a:r>
+              <a:r>
+                <a:rPr lang="en-US" sz="2400" baseline="-25000" dirty="0">
+                  <a:solidFill>
+                    <a:sysClr val="windowText" lastClr="000000"/>
+                  </a:solidFill>
+                  <a:latin typeface="Arial" panose="020B0604020202020204" pitchFamily="34" charset="0"/>
+                  <a:cs typeface="Arial" panose="020B0604020202020204" pitchFamily="34" charset="0"/>
+                </a:rPr>
+                <a:t>m</a:t>
+              </a:r>
+              <a:r>
+                <a:rPr lang="en-US" sz="2400" dirty="0">
+                  <a:solidFill>
+                    <a:sysClr val="windowText" lastClr="000000"/>
+                  </a:solidFill>
+                  <a:latin typeface="Arial" panose="020B0604020202020204" pitchFamily="34" charset="0"/>
+                  <a:cs typeface="Arial" panose="020B0604020202020204" pitchFamily="34" charset="0"/>
+                </a:rPr>
+                <a:t> = 15</a:t>
+              </a:r>
+              <a:r>
+                <a:rPr lang="en-US" sz="2400" dirty="0">
+                  <a:solidFill>
+                    <a:schemeClr val="tx1"/>
+                  </a:solidFill>
+                  <a:latin typeface="Arial" panose="020B0604020202020204" pitchFamily="34" charset="0"/>
+                  <a:cs typeface="Arial" panose="020B0604020202020204" pitchFamily="34" charset="0"/>
+                </a:rPr>
+                <a:t>)</a:t>
+              </a:r>
+              <a:endParaRPr lang="en-US" sz="2400" b="1" dirty="0">
+                <a:solidFill>
+                  <a:schemeClr val="tx1"/>
+                </a:solidFill>
+                <a:latin typeface="Arial" panose="020B0604020202020204" pitchFamily="34" charset="0"/>
+                <a:cs typeface="Arial" panose="020B0604020202020204" pitchFamily="34" charset="0"/>
+              </a:endParaRPr>
             </a:p>
           </p:txBody>
         </p:sp>
         <p:sp>
           <p:nvSpPr>
-            <p:cNvPr id="1295" name="Rounded Rectangle 1294">
+            <p:cNvPr id="284" name="Rounded Rectangle 283">
               <a:extLst>
                 <a:ext uri="{FF2B5EF4-FFF2-40B4-BE49-F238E27FC236}">
-                  <a16:creationId xmlns:a16="http://schemas.microsoft.com/office/drawing/2014/main" id="{B6480FE3-9DC1-40E3-4357-BEFFB795A245}"/>
+                  <a16:creationId xmlns:a16="http://schemas.microsoft.com/office/drawing/2014/main" id="{487CC62E-9E7B-8B11-CD56-6378D9F777C6}"/>
                 </a:ext>
               </a:extLst>
             </p:cNvPr>
@@ -3252,19 +4241,954 @@
           </p:nvSpPr>
           <p:spPr>
             <a:xfrm>
-              <a:off x="1655288" y="1540888"/>
-              <a:ext cx="2926290" cy="4009969"/>
+              <a:off x="9023489" y="4785468"/>
+              <a:ext cx="1828800" cy="457200"/>
             </a:xfrm>
             <a:prstGeom prst="roundRect">
-              <a:avLst>
-                <a:gd name="adj" fmla="val 3560"/>
-              </a:avLst>
+              <a:avLst/>
             </a:prstGeom>
             <a:solidFill>
+              <a:srgbClr val="377EB8"/>
+            </a:solidFill>
+            <a:ln w="19050">
+              <a:solidFill>
+                <a:schemeClr val="tx1"/>
+              </a:solidFill>
+            </a:ln>
+          </p:spPr>
+          <p:style>
+            <a:lnRef idx="2">
+              <a:schemeClr val="accent1">
+                <a:shade val="50000"/>
+              </a:schemeClr>
+            </a:lnRef>
+            <a:fillRef idx="1">
+              <a:schemeClr val="accent1"/>
+            </a:fillRef>
+            <a:effectRef idx="0">
+              <a:schemeClr val="accent1"/>
+            </a:effectRef>
+            <a:fontRef idx="minor">
+              <a:schemeClr val="lt1"/>
+            </a:fontRef>
+          </p:style>
+          <p:txBody>
+            <a:bodyPr rtlCol="0" anchor="ctr"/>
+            <a:lstStyle/>
+            <a:p>
+              <a:r>
+                <a:rPr lang="en-US" sz="2400" b="1" dirty="0">
+                  <a:solidFill>
+                    <a:schemeClr val="tx1"/>
+                  </a:solidFill>
+                  <a:latin typeface="Arial" panose="020B0604020202020204" pitchFamily="34" charset="0"/>
+                  <a:cs typeface="Arial" panose="020B0604020202020204" pitchFamily="34" charset="0"/>
+                </a:rPr>
+                <a:t>Control</a:t>
+              </a:r>
+              <a:r>
+                <a:rPr lang="en-US" sz="2400" dirty="0">
+                  <a:solidFill>
+                    <a:schemeClr val="tx1"/>
+                  </a:solidFill>
+                  <a:latin typeface="Arial" panose="020B0604020202020204" pitchFamily="34" charset="0"/>
+                  <a:cs typeface="Arial" panose="020B0604020202020204" pitchFamily="34" charset="0"/>
+                </a:rPr>
+                <a:t> (</a:t>
+              </a:r>
+              <a:r>
+                <a:rPr lang="en-US" sz="2400" dirty="0">
+                  <a:solidFill>
+                    <a:sysClr val="windowText" lastClr="000000"/>
+                  </a:solidFill>
+                  <a:latin typeface="Arial" panose="020B0604020202020204" pitchFamily="34" charset="0"/>
+                  <a:cs typeface="Arial" panose="020B0604020202020204" pitchFamily="34" charset="0"/>
+                </a:rPr>
+                <a:t>n</a:t>
+              </a:r>
+              <a:r>
+                <a:rPr lang="en-US" sz="2400" baseline="-25000" dirty="0">
+                  <a:solidFill>
+                    <a:sysClr val="windowText" lastClr="000000"/>
+                  </a:solidFill>
+                  <a:latin typeface="Arial" panose="020B0604020202020204" pitchFamily="34" charset="0"/>
+                  <a:cs typeface="Arial" panose="020B0604020202020204" pitchFamily="34" charset="0"/>
+                </a:rPr>
+                <a:t>m</a:t>
+              </a:r>
+              <a:r>
+                <a:rPr lang="en-US" sz="2400" dirty="0">
+                  <a:solidFill>
+                    <a:sysClr val="windowText" lastClr="000000"/>
+                  </a:solidFill>
+                  <a:latin typeface="Arial" panose="020B0604020202020204" pitchFamily="34" charset="0"/>
+                  <a:cs typeface="Arial" panose="020B0604020202020204" pitchFamily="34" charset="0"/>
+                </a:rPr>
+                <a:t> = 15</a:t>
+              </a:r>
+              <a:r>
+                <a:rPr lang="en-US" sz="2400" dirty="0">
+                  <a:solidFill>
+                    <a:schemeClr val="tx1"/>
+                  </a:solidFill>
+                  <a:latin typeface="Arial" panose="020B0604020202020204" pitchFamily="34" charset="0"/>
+                  <a:cs typeface="Arial" panose="020B0604020202020204" pitchFamily="34" charset="0"/>
+                </a:rPr>
+                <a:t>)</a:t>
+              </a:r>
+              <a:endParaRPr lang="en-US" sz="2400" b="1" dirty="0">
+                <a:solidFill>
+                  <a:schemeClr val="tx1"/>
+                </a:solidFill>
+                <a:latin typeface="Arial" panose="020B0604020202020204" pitchFamily="34" charset="0"/>
+                <a:cs typeface="Arial" panose="020B0604020202020204" pitchFamily="34" charset="0"/>
+              </a:endParaRPr>
+            </a:p>
+          </p:txBody>
+        </p:sp>
+      </p:grpSp>
+      <p:sp>
+        <p:nvSpPr>
+          <p:cNvPr id="292" name="Rounded Rectangle 291">
+            <a:extLst>
+              <a:ext uri="{FF2B5EF4-FFF2-40B4-BE49-F238E27FC236}">
+                <a16:creationId xmlns:a16="http://schemas.microsoft.com/office/drawing/2014/main" id="{CB605A59-A501-DC18-F2EB-D47986CCC36C}"/>
+              </a:ext>
+            </a:extLst>
+          </p:cNvPr>
+          <p:cNvSpPr/>
+          <p:nvPr/>
+        </p:nvSpPr>
+        <p:spPr>
+          <a:xfrm>
+            <a:off x="490150" y="5748921"/>
+            <a:ext cx="777240" cy="457200"/>
+          </a:xfrm>
+          <a:prstGeom prst="roundRect">
+            <a:avLst/>
+          </a:prstGeom>
+          <a:solidFill>
+            <a:schemeClr val="bg1">
+              <a:lumMod val="95000"/>
+            </a:schemeClr>
+          </a:solidFill>
+          <a:ln w="19050">
+            <a:solidFill>
+              <a:schemeClr val="tx1"/>
+            </a:solidFill>
+          </a:ln>
+        </p:spPr>
+        <p:style>
+          <a:lnRef idx="2">
+            <a:schemeClr val="accent1">
+              <a:shade val="50000"/>
+            </a:schemeClr>
+          </a:lnRef>
+          <a:fillRef idx="1">
+            <a:schemeClr val="accent1"/>
+          </a:fillRef>
+          <a:effectRef idx="0">
+            <a:schemeClr val="accent1"/>
+          </a:effectRef>
+          <a:fontRef idx="minor">
+            <a:schemeClr val="lt1"/>
+          </a:fontRef>
+        </p:style>
+        <p:txBody>
+          <a:bodyPr rtlCol="0" anchor="ctr"/>
+          <a:lstStyle/>
+          <a:p>
+            <a:pPr algn="ctr"/>
+            <a:r>
+              <a:rPr lang="en-US" b="1" dirty="0">
+                <a:solidFill>
+                  <a:sysClr val="windowText" lastClr="000000"/>
+                </a:solidFill>
+                <a:latin typeface="Arial" panose="020B0604020202020204" pitchFamily="34" charset="0"/>
+                <a:cs typeface="Arial" panose="020B0604020202020204" pitchFamily="34" charset="0"/>
+              </a:rPr>
+              <a:t>0</a:t>
+            </a:r>
+            <a:endParaRPr lang="en-US" b="1" baseline="-25000" dirty="0">
+              <a:solidFill>
+                <a:sysClr val="windowText" lastClr="000000"/>
+              </a:solidFill>
+              <a:latin typeface="Arial" panose="020B0604020202020204" pitchFamily="34" charset="0"/>
+              <a:cs typeface="Arial" panose="020B0604020202020204" pitchFamily="34" charset="0"/>
+            </a:endParaRPr>
+          </a:p>
+        </p:txBody>
+      </p:sp>
+      <p:sp>
+        <p:nvSpPr>
+          <p:cNvPr id="300" name="Oval 299">
+            <a:extLst>
+              <a:ext uri="{FF2B5EF4-FFF2-40B4-BE49-F238E27FC236}">
+                <a16:creationId xmlns:a16="http://schemas.microsoft.com/office/drawing/2014/main" id="{E97AC0A6-B8B4-6E81-F735-8A62EF00245C}"/>
+              </a:ext>
+            </a:extLst>
+          </p:cNvPr>
+          <p:cNvSpPr/>
+          <p:nvPr/>
+        </p:nvSpPr>
+        <p:spPr>
+          <a:xfrm>
+            <a:off x="692663" y="1087403"/>
+            <a:ext cx="384995" cy="384995"/>
+          </a:xfrm>
+          <a:prstGeom prst="ellipse">
+            <a:avLst/>
+          </a:prstGeom>
+          <a:solidFill>
+            <a:schemeClr val="bg1"/>
+          </a:solidFill>
+          <a:ln w="25400">
+            <a:solidFill>
+              <a:schemeClr val="tx1">
+                <a:lumMod val="85000"/>
+                <a:lumOff val="15000"/>
+              </a:schemeClr>
+            </a:solidFill>
+          </a:ln>
+        </p:spPr>
+        <p:style>
+          <a:lnRef idx="2">
+            <a:schemeClr val="accent1">
+              <a:shade val="50000"/>
+            </a:schemeClr>
+          </a:lnRef>
+          <a:fillRef idx="1">
+            <a:schemeClr val="accent1"/>
+          </a:fillRef>
+          <a:effectRef idx="0">
+            <a:schemeClr val="accent1"/>
+          </a:effectRef>
+          <a:fontRef idx="minor">
+            <a:schemeClr val="lt1"/>
+          </a:fontRef>
+        </p:style>
+        <p:txBody>
+          <a:bodyPr rtlCol="0" anchor="ctr"/>
+          <a:lstStyle/>
+          <a:p>
+            <a:pPr algn="ctr"/>
+            <a:r>
+              <a:rPr lang="en-US" sz="2400" b="1" dirty="0">
+                <a:solidFill>
+                  <a:schemeClr val="tx1"/>
+                </a:solidFill>
+                <a:latin typeface="Arial" panose="020B0604020202020204" pitchFamily="34" charset="0"/>
+                <a:cs typeface="Arial" panose="020B0604020202020204" pitchFamily="34" charset="0"/>
+              </a:rPr>
+              <a:t>1</a:t>
+            </a:r>
+          </a:p>
+        </p:txBody>
+      </p:sp>
+      <p:sp>
+        <p:nvSpPr>
+          <p:cNvPr id="302" name="Oval 301">
+            <a:extLst>
+              <a:ext uri="{FF2B5EF4-FFF2-40B4-BE49-F238E27FC236}">
+                <a16:creationId xmlns:a16="http://schemas.microsoft.com/office/drawing/2014/main" id="{79227C22-5EE0-C2D1-2E56-70C9CC2C764C}"/>
+              </a:ext>
+            </a:extLst>
+          </p:cNvPr>
+          <p:cNvSpPr/>
+          <p:nvPr/>
+        </p:nvSpPr>
+        <p:spPr>
+          <a:xfrm>
+            <a:off x="6074568" y="1087403"/>
+            <a:ext cx="384995" cy="384995"/>
+          </a:xfrm>
+          <a:prstGeom prst="ellipse">
+            <a:avLst/>
+          </a:prstGeom>
+          <a:solidFill>
+            <a:schemeClr val="bg1"/>
+          </a:solidFill>
+          <a:ln w="25400">
+            <a:solidFill>
+              <a:schemeClr val="tx1">
+                <a:lumMod val="85000"/>
+                <a:lumOff val="15000"/>
+              </a:schemeClr>
+            </a:solidFill>
+          </a:ln>
+        </p:spPr>
+        <p:style>
+          <a:lnRef idx="2">
+            <a:schemeClr val="accent1">
+              <a:shade val="50000"/>
+            </a:schemeClr>
+          </a:lnRef>
+          <a:fillRef idx="1">
+            <a:schemeClr val="accent1"/>
+          </a:fillRef>
+          <a:effectRef idx="0">
+            <a:schemeClr val="accent1"/>
+          </a:effectRef>
+          <a:fontRef idx="minor">
+            <a:schemeClr val="lt1"/>
+          </a:fontRef>
+        </p:style>
+        <p:txBody>
+          <a:bodyPr rtlCol="0" anchor="ctr"/>
+          <a:lstStyle/>
+          <a:p>
+            <a:pPr algn="ctr"/>
+            <a:r>
+              <a:rPr lang="en-US" sz="2400" b="1" dirty="0">
+                <a:solidFill>
+                  <a:schemeClr val="tx1"/>
+                </a:solidFill>
+                <a:latin typeface="Arial" panose="020B0604020202020204" pitchFamily="34" charset="0"/>
+                <a:cs typeface="Arial" panose="020B0604020202020204" pitchFamily="34" charset="0"/>
+              </a:rPr>
+              <a:t>3</a:t>
+            </a:r>
+          </a:p>
+        </p:txBody>
+      </p:sp>
+      <p:cxnSp>
+        <p:nvCxnSpPr>
+          <p:cNvPr id="312" name="Straight Connector 311">
+            <a:extLst>
+              <a:ext uri="{FF2B5EF4-FFF2-40B4-BE49-F238E27FC236}">
+                <a16:creationId xmlns:a16="http://schemas.microsoft.com/office/drawing/2014/main" id="{89AC7D9D-5922-24D5-40CA-6452E45458FC}"/>
+              </a:ext>
+            </a:extLst>
+          </p:cNvPr>
+          <p:cNvCxnSpPr>
+            <a:cxnSpLocks/>
+            <a:stCxn id="242" idx="3"/>
+            <a:endCxn id="1193" idx="1"/>
+          </p:cNvCxnSpPr>
+          <p:nvPr/>
+        </p:nvCxnSpPr>
+        <p:spPr>
+          <a:xfrm flipV="1">
+            <a:off x="3805287" y="3539848"/>
+            <a:ext cx="647791" cy="7175"/>
+          </a:xfrm>
+          <a:prstGeom prst="line">
+            <a:avLst/>
+          </a:prstGeom>
+          <a:ln w="76200">
+            <a:solidFill>
+              <a:srgbClr val="D95F02"/>
+            </a:solidFill>
+          </a:ln>
+        </p:spPr>
+        <p:style>
+          <a:lnRef idx="1">
+            <a:schemeClr val="accent1"/>
+          </a:lnRef>
+          <a:fillRef idx="0">
+            <a:schemeClr val="accent1"/>
+          </a:fillRef>
+          <a:effectRef idx="0">
+            <a:schemeClr val="accent1"/>
+          </a:effectRef>
+          <a:fontRef idx="minor">
+            <a:schemeClr val="tx1"/>
+          </a:fontRef>
+        </p:style>
+      </p:cxnSp>
+      <p:grpSp>
+        <p:nvGrpSpPr>
+          <p:cNvPr id="1202" name="Group 1201">
+            <a:extLst>
+              <a:ext uri="{FF2B5EF4-FFF2-40B4-BE49-F238E27FC236}">
+                <a16:creationId xmlns:a16="http://schemas.microsoft.com/office/drawing/2014/main" id="{013B8EEF-482A-8793-F14C-B8B09C886BBC}"/>
+              </a:ext>
+            </a:extLst>
+          </p:cNvPr>
+          <p:cNvGrpSpPr/>
+          <p:nvPr/>
+        </p:nvGrpSpPr>
+        <p:grpSpPr>
+          <a:xfrm>
+            <a:off x="7870663" y="1677151"/>
+            <a:ext cx="3574510" cy="1008254"/>
+            <a:chOff x="9023489" y="1453353"/>
+            <a:chExt cx="1828800" cy="1008254"/>
+          </a:xfrm>
+        </p:grpSpPr>
+        <p:sp>
+          <p:nvSpPr>
+            <p:cNvPr id="280" name="Rounded Rectangle 279">
+              <a:extLst>
+                <a:ext uri="{FF2B5EF4-FFF2-40B4-BE49-F238E27FC236}">
+                  <a16:creationId xmlns:a16="http://schemas.microsoft.com/office/drawing/2014/main" id="{57412380-74E9-B09F-50FF-437AB05062CB}"/>
+                </a:ext>
+              </a:extLst>
+            </p:cNvPr>
+            <p:cNvSpPr/>
+            <p:nvPr/>
+          </p:nvSpPr>
+          <p:spPr>
+            <a:xfrm>
+              <a:off x="9023489" y="2004407"/>
+              <a:ext cx="1828800" cy="457200"/>
+            </a:xfrm>
+            <a:prstGeom prst="roundRect">
+              <a:avLst/>
+            </a:prstGeom>
+            <a:solidFill>
+              <a:srgbClr val="377EB8"/>
+            </a:solidFill>
+            <a:ln w="19050">
+              <a:solidFill>
+                <a:schemeClr val="tx1"/>
+              </a:solidFill>
+            </a:ln>
+          </p:spPr>
+          <p:style>
+            <a:lnRef idx="2">
+              <a:schemeClr val="accent1">
+                <a:shade val="50000"/>
+              </a:schemeClr>
+            </a:lnRef>
+            <a:fillRef idx="1">
+              <a:schemeClr val="accent1"/>
+            </a:fillRef>
+            <a:effectRef idx="0">
+              <a:schemeClr val="accent1"/>
+            </a:effectRef>
+            <a:fontRef idx="minor">
+              <a:schemeClr val="lt1"/>
+            </a:fontRef>
+          </p:style>
+          <p:txBody>
+            <a:bodyPr rtlCol="0" anchor="ctr"/>
+            <a:lstStyle/>
+            <a:p>
+              <a:r>
+                <a:rPr lang="en-US" sz="2400" b="1" dirty="0">
+                  <a:solidFill>
+                    <a:schemeClr val="tx1"/>
+                  </a:solidFill>
+                  <a:latin typeface="Arial" panose="020B0604020202020204" pitchFamily="34" charset="0"/>
+                  <a:cs typeface="Arial" panose="020B0604020202020204" pitchFamily="34" charset="0"/>
+                </a:rPr>
+                <a:t>Control</a:t>
+              </a:r>
+              <a:r>
+                <a:rPr lang="en-US" sz="2400" dirty="0">
+                  <a:solidFill>
+                    <a:schemeClr val="tx1"/>
+                  </a:solidFill>
+                  <a:latin typeface="Arial" panose="020B0604020202020204" pitchFamily="34" charset="0"/>
+                  <a:cs typeface="Arial" panose="020B0604020202020204" pitchFamily="34" charset="0"/>
+                </a:rPr>
+                <a:t> (</a:t>
+              </a:r>
+              <a:r>
+                <a:rPr lang="en-US" sz="2400" dirty="0">
+                  <a:solidFill>
+                    <a:sysClr val="windowText" lastClr="000000"/>
+                  </a:solidFill>
+                  <a:latin typeface="Arial" panose="020B0604020202020204" pitchFamily="34" charset="0"/>
+                  <a:cs typeface="Arial" panose="020B0604020202020204" pitchFamily="34" charset="0"/>
+                </a:rPr>
+                <a:t>n</a:t>
+              </a:r>
+              <a:r>
+                <a:rPr lang="en-US" sz="2400" baseline="-25000" dirty="0">
+                  <a:solidFill>
+                    <a:sysClr val="windowText" lastClr="000000"/>
+                  </a:solidFill>
+                  <a:latin typeface="Arial" panose="020B0604020202020204" pitchFamily="34" charset="0"/>
+                  <a:cs typeface="Arial" panose="020B0604020202020204" pitchFamily="34" charset="0"/>
+                </a:rPr>
+                <a:t>m</a:t>
+              </a:r>
+              <a:r>
+                <a:rPr lang="en-US" sz="2400" dirty="0">
+                  <a:solidFill>
+                    <a:sysClr val="windowText" lastClr="000000"/>
+                  </a:solidFill>
+                  <a:latin typeface="Arial" panose="020B0604020202020204" pitchFamily="34" charset="0"/>
+                  <a:cs typeface="Arial" panose="020B0604020202020204" pitchFamily="34" charset="0"/>
+                </a:rPr>
+                <a:t> = 15</a:t>
+              </a:r>
+              <a:r>
+                <a:rPr lang="en-US" sz="2400" dirty="0">
+                  <a:solidFill>
+                    <a:schemeClr val="tx1"/>
+                  </a:solidFill>
+                  <a:latin typeface="Arial" panose="020B0604020202020204" pitchFamily="34" charset="0"/>
+                  <a:cs typeface="Arial" panose="020B0604020202020204" pitchFamily="34" charset="0"/>
+                </a:rPr>
+                <a:t>)</a:t>
+              </a:r>
+              <a:endParaRPr lang="en-US" sz="2400" b="1" dirty="0">
+                <a:solidFill>
+                  <a:schemeClr val="tx1"/>
+                </a:solidFill>
+                <a:latin typeface="Arial" panose="020B0604020202020204" pitchFamily="34" charset="0"/>
+                <a:cs typeface="Arial" panose="020B0604020202020204" pitchFamily="34" charset="0"/>
+              </a:endParaRPr>
+            </a:p>
+          </p:txBody>
+        </p:sp>
+        <p:sp>
+          <p:nvSpPr>
+            <p:cNvPr id="1117" name="Rounded Rectangle 1116">
+              <a:extLst>
+                <a:ext uri="{FF2B5EF4-FFF2-40B4-BE49-F238E27FC236}">
+                  <a16:creationId xmlns:a16="http://schemas.microsoft.com/office/drawing/2014/main" id="{FB296DB2-013B-000C-E0C0-E819F285D95A}"/>
+                </a:ext>
+              </a:extLst>
+            </p:cNvPr>
+            <p:cNvSpPr/>
+            <p:nvPr/>
+          </p:nvSpPr>
+          <p:spPr>
+            <a:xfrm>
+              <a:off x="9023489" y="1453353"/>
+              <a:ext cx="1828800" cy="457200"/>
+            </a:xfrm>
+            <a:prstGeom prst="roundRect">
+              <a:avLst/>
+            </a:prstGeom>
+            <a:solidFill>
+              <a:srgbClr val="E41A1C"/>
+            </a:solidFill>
+            <a:ln w="19050">
+              <a:solidFill>
+                <a:schemeClr val="tx1"/>
+              </a:solidFill>
+            </a:ln>
+          </p:spPr>
+          <p:style>
+            <a:lnRef idx="2">
+              <a:schemeClr val="accent1">
+                <a:shade val="50000"/>
+              </a:schemeClr>
+            </a:lnRef>
+            <a:fillRef idx="1">
+              <a:schemeClr val="accent1"/>
+            </a:fillRef>
+            <a:effectRef idx="0">
+              <a:schemeClr val="accent1"/>
+            </a:effectRef>
+            <a:fontRef idx="minor">
+              <a:schemeClr val="lt1"/>
+            </a:fontRef>
+          </p:style>
+          <p:txBody>
+            <a:bodyPr rtlCol="0" anchor="ctr"/>
+            <a:lstStyle/>
+            <a:p>
+              <a:r>
+                <a:rPr lang="en-US" sz="2400" b="1" dirty="0">
+                  <a:solidFill>
+                    <a:schemeClr val="tx1"/>
+                  </a:solidFill>
+                  <a:latin typeface="Arial" panose="020B0604020202020204" pitchFamily="34" charset="0"/>
+                  <a:cs typeface="Arial" panose="020B0604020202020204" pitchFamily="34" charset="0"/>
+                </a:rPr>
+                <a:t>+Pathogen</a:t>
+              </a:r>
+              <a:r>
+                <a:rPr lang="en-US" sz="2000" dirty="0">
+                  <a:solidFill>
+                    <a:schemeClr val="tx1"/>
+                  </a:solidFill>
+                  <a:latin typeface="Arial" panose="020B0604020202020204" pitchFamily="34" charset="0"/>
+                  <a:cs typeface="Arial" panose="020B0604020202020204" pitchFamily="34" charset="0"/>
+                </a:rPr>
+                <a:t> (</a:t>
+              </a:r>
+              <a:r>
+                <a:rPr lang="en-US" sz="2000" dirty="0">
+                  <a:solidFill>
+                    <a:sysClr val="windowText" lastClr="000000"/>
+                  </a:solidFill>
+                  <a:latin typeface="Arial" panose="020B0604020202020204" pitchFamily="34" charset="0"/>
+                  <a:cs typeface="Arial" panose="020B0604020202020204" pitchFamily="34" charset="0"/>
+                </a:rPr>
+                <a:t>n</a:t>
+              </a:r>
+              <a:r>
+                <a:rPr lang="en-US" sz="2000" baseline="-25000" dirty="0">
+                  <a:solidFill>
+                    <a:sysClr val="windowText" lastClr="000000"/>
+                  </a:solidFill>
+                  <a:latin typeface="Arial" panose="020B0604020202020204" pitchFamily="34" charset="0"/>
+                  <a:cs typeface="Arial" panose="020B0604020202020204" pitchFamily="34" charset="0"/>
+                </a:rPr>
+                <a:t>m</a:t>
+              </a:r>
+              <a:r>
+                <a:rPr lang="en-US" sz="2000" dirty="0">
+                  <a:solidFill>
+                    <a:sysClr val="windowText" lastClr="000000"/>
+                  </a:solidFill>
+                  <a:latin typeface="Arial" panose="020B0604020202020204" pitchFamily="34" charset="0"/>
+                  <a:cs typeface="Arial" panose="020B0604020202020204" pitchFamily="34" charset="0"/>
+                </a:rPr>
+                <a:t> = 14</a:t>
+              </a:r>
+              <a:r>
+                <a:rPr lang="en-US" sz="2000" dirty="0">
+                  <a:solidFill>
+                    <a:schemeClr val="tx1"/>
+                  </a:solidFill>
+                  <a:latin typeface="Arial" panose="020B0604020202020204" pitchFamily="34" charset="0"/>
+                  <a:cs typeface="Arial" panose="020B0604020202020204" pitchFamily="34" charset="0"/>
+                </a:rPr>
+                <a:t>)</a:t>
+              </a:r>
+              <a:endParaRPr lang="en-US" sz="2400" dirty="0">
+                <a:solidFill>
+                  <a:schemeClr val="tx1"/>
+                </a:solidFill>
+                <a:latin typeface="Arial" panose="020B0604020202020204" pitchFamily="34" charset="0"/>
+                <a:cs typeface="Arial" panose="020B0604020202020204" pitchFamily="34" charset="0"/>
+              </a:endParaRPr>
+            </a:p>
+          </p:txBody>
+        </p:sp>
+      </p:grpSp>
+      <p:sp>
+        <p:nvSpPr>
+          <p:cNvPr id="1126" name="Rectangle 1125">
+            <a:extLst>
+              <a:ext uri="{FF2B5EF4-FFF2-40B4-BE49-F238E27FC236}">
+                <a16:creationId xmlns:a16="http://schemas.microsoft.com/office/drawing/2014/main" id="{3B8712FB-B15E-918C-0AFA-F0E4706ADE0A}"/>
+              </a:ext>
+            </a:extLst>
+          </p:cNvPr>
+          <p:cNvSpPr/>
+          <p:nvPr/>
+        </p:nvSpPr>
+        <p:spPr>
+          <a:xfrm>
+            <a:off x="6281172" y="1083304"/>
+            <a:ext cx="1436470" cy="393192"/>
+          </a:xfrm>
+          <a:prstGeom prst="rect">
+            <a:avLst/>
+          </a:prstGeom>
+          <a:noFill/>
+          <a:ln w="38100">
+            <a:noFill/>
+          </a:ln>
+        </p:spPr>
+        <p:style>
+          <a:lnRef idx="2">
+            <a:schemeClr val="accent1">
+              <a:shade val="50000"/>
+            </a:schemeClr>
+          </a:lnRef>
+          <a:fillRef idx="1">
+            <a:schemeClr val="accent1"/>
+          </a:fillRef>
+          <a:effectRef idx="0">
+            <a:schemeClr val="accent1"/>
+          </a:effectRef>
+          <a:fontRef idx="minor">
+            <a:schemeClr val="lt1"/>
+          </a:fontRef>
+        </p:style>
+        <p:txBody>
+          <a:bodyPr rtlCol="0" anchor="ctr"/>
+          <a:lstStyle/>
+          <a:p>
+            <a:pPr algn="ctr"/>
+            <a:r>
+              <a:rPr lang="en-US" sz="2400" dirty="0">
+                <a:solidFill>
+                  <a:schemeClr val="bg1">
+                    <a:lumMod val="50000"/>
+                  </a:schemeClr>
+                </a:solidFill>
+                <a:latin typeface="Arial" panose="020B0604020202020204" pitchFamily="34" charset="0"/>
+                <a:cs typeface="Arial" panose="020B0604020202020204" pitchFamily="34" charset="0"/>
+              </a:rPr>
+              <a:t>Adult</a:t>
+            </a:r>
+          </a:p>
+        </p:txBody>
+      </p:sp>
+      <p:sp>
+        <p:nvSpPr>
+          <p:cNvPr id="1217" name="Rounded Rectangle 1216">
+            <a:extLst>
+              <a:ext uri="{FF2B5EF4-FFF2-40B4-BE49-F238E27FC236}">
+                <a16:creationId xmlns:a16="http://schemas.microsoft.com/office/drawing/2014/main" id="{5B8A8F6C-4074-57C9-1CFD-A271F3DAA695}"/>
+              </a:ext>
+            </a:extLst>
+          </p:cNvPr>
+          <p:cNvSpPr/>
+          <p:nvPr/>
+        </p:nvSpPr>
+        <p:spPr>
+          <a:xfrm>
+            <a:off x="5896196" y="5748921"/>
+            <a:ext cx="777240" cy="457200"/>
+          </a:xfrm>
+          <a:prstGeom prst="roundRect">
+            <a:avLst/>
+          </a:prstGeom>
+          <a:solidFill>
+            <a:schemeClr val="bg1">
+              <a:lumMod val="95000"/>
+            </a:schemeClr>
+          </a:solidFill>
+          <a:ln w="19050">
+            <a:solidFill>
+              <a:schemeClr val="tx1">
+                <a:lumMod val="65000"/>
+                <a:lumOff val="35000"/>
+              </a:schemeClr>
+            </a:solidFill>
+          </a:ln>
+        </p:spPr>
+        <p:style>
+          <a:lnRef idx="2">
+            <a:schemeClr val="accent1">
+              <a:shade val="50000"/>
+            </a:schemeClr>
+          </a:lnRef>
+          <a:fillRef idx="1">
+            <a:schemeClr val="accent1"/>
+          </a:fillRef>
+          <a:effectRef idx="0">
+            <a:schemeClr val="accent1"/>
+          </a:effectRef>
+          <a:fontRef idx="minor">
+            <a:schemeClr val="lt1"/>
+          </a:fontRef>
+        </p:style>
+        <p:txBody>
+          <a:bodyPr rtlCol="0" anchor="ctr"/>
+          <a:lstStyle/>
+          <a:p>
+            <a:pPr algn="ctr"/>
+            <a:r>
+              <a:rPr lang="en-US" b="1" dirty="0">
+                <a:solidFill>
+                  <a:sysClr val="windowText" lastClr="000000"/>
+                </a:solidFill>
+                <a:latin typeface="Arial" panose="020B0604020202020204" pitchFamily="34" charset="0"/>
+                <a:cs typeface="Arial" panose="020B0604020202020204" pitchFamily="34" charset="0"/>
+              </a:rPr>
+              <a:t>129</a:t>
+            </a:r>
+            <a:endParaRPr lang="en-US" b="1" baseline="-25000" dirty="0">
+              <a:solidFill>
+                <a:sysClr val="windowText" lastClr="000000"/>
+              </a:solidFill>
+              <a:latin typeface="Arial" panose="020B0604020202020204" pitchFamily="34" charset="0"/>
+              <a:cs typeface="Arial" panose="020B0604020202020204" pitchFamily="34" charset="0"/>
+            </a:endParaRPr>
+          </a:p>
+        </p:txBody>
+      </p:sp>
+      <p:cxnSp>
+        <p:nvCxnSpPr>
+          <p:cNvPr id="1218" name="Straight Connector 1217">
+            <a:extLst>
+              <a:ext uri="{FF2B5EF4-FFF2-40B4-BE49-F238E27FC236}">
+                <a16:creationId xmlns:a16="http://schemas.microsoft.com/office/drawing/2014/main" id="{F178C832-88BA-01C2-82CE-E01E7D994B96}"/>
+              </a:ext>
+            </a:extLst>
+          </p:cNvPr>
+          <p:cNvCxnSpPr>
+            <a:cxnSpLocks/>
+          </p:cNvCxnSpPr>
+          <p:nvPr/>
+        </p:nvCxnSpPr>
+        <p:spPr>
+          <a:xfrm>
+            <a:off x="6673436" y="5977521"/>
+            <a:ext cx="1155842" cy="0"/>
+          </a:xfrm>
+          <a:prstGeom prst="line">
+            <a:avLst/>
+          </a:prstGeom>
+          <a:ln w="57150">
+            <a:solidFill>
               <a:schemeClr val="bg1">
-                <a:lumMod val="85000"/>
-                <a:alpha val="25000"/>
+                <a:lumMod val="50000"/>
               </a:schemeClr>
+            </a:solidFill>
+            <a:prstDash val="sysDot"/>
+          </a:ln>
+        </p:spPr>
+        <p:style>
+          <a:lnRef idx="1">
+            <a:schemeClr val="accent1"/>
+          </a:lnRef>
+          <a:fillRef idx="0">
+            <a:schemeClr val="accent1"/>
+          </a:fillRef>
+          <a:effectRef idx="0">
+            <a:schemeClr val="accent1"/>
+          </a:effectRef>
+          <a:fontRef idx="minor">
+            <a:schemeClr val="tx1"/>
+          </a:fontRef>
+        </p:style>
+      </p:cxnSp>
+      <p:cxnSp>
+        <p:nvCxnSpPr>
+          <p:cNvPr id="1221" name="Straight Connector 1220">
+            <a:extLst>
+              <a:ext uri="{FF2B5EF4-FFF2-40B4-BE49-F238E27FC236}">
+                <a16:creationId xmlns:a16="http://schemas.microsoft.com/office/drawing/2014/main" id="{7BC52127-0B92-30D9-58B5-2147E34CF236}"/>
+              </a:ext>
+            </a:extLst>
+          </p:cNvPr>
+          <p:cNvCxnSpPr>
+            <a:cxnSpLocks/>
+            <a:stCxn id="1057" idx="3"/>
+            <a:endCxn id="1059" idx="1"/>
+          </p:cNvCxnSpPr>
+          <p:nvPr/>
+        </p:nvCxnSpPr>
+        <p:spPr>
+          <a:xfrm>
+            <a:off x="8093562" y="5977521"/>
+            <a:ext cx="3198776" cy="0"/>
+          </a:xfrm>
+          <a:prstGeom prst="line">
+            <a:avLst/>
+          </a:prstGeom>
+          <a:ln w="57150">
+            <a:solidFill>
+              <a:schemeClr val="bg1">
+                <a:lumMod val="50000"/>
+              </a:schemeClr>
+            </a:solidFill>
+            <a:prstDash val="solid"/>
+            <a:tailEnd type="triangle" w="lg" len="med"/>
+          </a:ln>
+        </p:spPr>
+        <p:style>
+          <a:lnRef idx="1">
+            <a:schemeClr val="accent1"/>
+          </a:lnRef>
+          <a:fillRef idx="0">
+            <a:schemeClr val="accent1"/>
+          </a:fillRef>
+          <a:effectRef idx="0">
+            <a:schemeClr val="accent1"/>
+          </a:effectRef>
+          <a:fontRef idx="minor">
+            <a:schemeClr val="tx1"/>
+          </a:fontRef>
+        </p:style>
+      </p:cxnSp>
+      <p:sp>
+        <p:nvSpPr>
+          <p:cNvPr id="1239" name="Rounded Rectangle 1238">
+            <a:extLst>
+              <a:ext uri="{FF2B5EF4-FFF2-40B4-BE49-F238E27FC236}">
+                <a16:creationId xmlns:a16="http://schemas.microsoft.com/office/drawing/2014/main" id="{8C96D0F7-37D1-879D-3DF1-F08A489BB40E}"/>
+              </a:ext>
+            </a:extLst>
+          </p:cNvPr>
+          <p:cNvSpPr/>
+          <p:nvPr/>
+        </p:nvSpPr>
+        <p:spPr>
+          <a:xfrm>
+            <a:off x="12366849" y="379141"/>
+            <a:ext cx="2883783" cy="5826980"/>
+          </a:xfrm>
+          <a:prstGeom prst="roundRect">
+            <a:avLst>
+              <a:gd name="adj" fmla="val 7693"/>
+            </a:avLst>
+          </a:prstGeom>
+          <a:solidFill>
+            <a:schemeClr val="bg1">
+              <a:lumMod val="95000"/>
+            </a:schemeClr>
+          </a:solidFill>
+          <a:ln w="28575">
+            <a:solidFill>
+              <a:schemeClr val="tx1"/>
+            </a:solidFill>
+          </a:ln>
+        </p:spPr>
+        <p:style>
+          <a:lnRef idx="2">
+            <a:schemeClr val="accent1">
+              <a:shade val="50000"/>
+            </a:schemeClr>
+          </a:lnRef>
+          <a:fillRef idx="1">
+            <a:schemeClr val="accent1"/>
+          </a:fillRef>
+          <a:effectRef idx="0">
+            <a:schemeClr val="accent1"/>
+          </a:effectRef>
+          <a:fontRef idx="minor">
+            <a:schemeClr val="lt1"/>
+          </a:fontRef>
+        </p:style>
+        <p:txBody>
+          <a:bodyPr rtlCol="0" anchor="ctr"/>
+          <a:lstStyle/>
+          <a:p>
+            <a:pPr algn="ctr"/>
+            <a:endParaRPr lang="en-US" sz="1100">
+              <a:latin typeface="Arial" panose="020B0604020202020204" pitchFamily="34" charset="0"/>
+              <a:cs typeface="Arial" panose="020B0604020202020204" pitchFamily="34" charset="0"/>
+            </a:endParaRPr>
+          </a:p>
+        </p:txBody>
+      </p:sp>
+      <p:grpSp>
+        <p:nvGrpSpPr>
+          <p:cNvPr id="1302" name="Group 1301">
+            <a:extLst>
+              <a:ext uri="{FF2B5EF4-FFF2-40B4-BE49-F238E27FC236}">
+                <a16:creationId xmlns:a16="http://schemas.microsoft.com/office/drawing/2014/main" id="{C58D6B4E-091D-8BC4-7978-0ADAC6441E0D}"/>
+              </a:ext>
+            </a:extLst>
+          </p:cNvPr>
+          <p:cNvGrpSpPr/>
+          <p:nvPr/>
+        </p:nvGrpSpPr>
+        <p:grpSpPr>
+          <a:xfrm>
+            <a:off x="12573100" y="3492501"/>
+            <a:ext cx="1485625" cy="372042"/>
+            <a:chOff x="12433500" y="3597733"/>
+            <a:chExt cx="1485625" cy="372042"/>
+          </a:xfrm>
+        </p:grpSpPr>
+        <p:sp>
+          <p:nvSpPr>
+            <p:cNvPr id="1241" name="Oval 1240">
+              <a:extLst>
+                <a:ext uri="{FF2B5EF4-FFF2-40B4-BE49-F238E27FC236}">
+                  <a16:creationId xmlns:a16="http://schemas.microsoft.com/office/drawing/2014/main" id="{1409839D-FB70-9F97-84DA-BE1ACEB4E29C}"/>
+                </a:ext>
+              </a:extLst>
+            </p:cNvPr>
+            <p:cNvSpPr/>
+            <p:nvPr/>
+          </p:nvSpPr>
+          <p:spPr>
+            <a:xfrm>
+              <a:off x="12433500" y="3604015"/>
+              <a:ext cx="365760" cy="365760"/>
+            </a:xfrm>
+            <a:prstGeom prst="ellipse">
+              <a:avLst/>
+            </a:prstGeom>
+            <a:solidFill>
+              <a:srgbClr val="A6761D"/>
             </a:solidFill>
             <a:ln>
               <a:noFill/>
@@ -3291,160 +5215,81 @@
             <a:lstStyle/>
             <a:p>
               <a:pPr algn="ctr"/>
-              <a:endParaRPr lang="en-US">
-                <a:solidFill>
-                  <a:schemeClr val="tx1"/>
-                </a:solidFill>
-                <a:latin typeface="Arial" panose="020B0604020202020204" pitchFamily="34" charset="0"/>
-                <a:cs typeface="Arial" panose="020B0604020202020204" pitchFamily="34" charset="0"/>
-              </a:endParaRPr>
+              <a:r>
+                <a:rPr lang="en-US" sz="1600" b="1" dirty="0">
+                  <a:latin typeface="Arial" panose="020B0604020202020204" pitchFamily="34" charset="0"/>
+                  <a:cs typeface="Arial" panose="020B0604020202020204" pitchFamily="34" charset="0"/>
+                </a:rPr>
+                <a:t>F</a:t>
+              </a:r>
             </a:p>
           </p:txBody>
         </p:sp>
-        <p:cxnSp>
-          <p:nvCxnSpPr>
-            <p:cNvPr id="1272" name="Straight Connector 1271">
+        <p:sp>
+          <p:nvSpPr>
+            <p:cNvPr id="1242" name="TextBox 1241">
               <a:extLst>
                 <a:ext uri="{FF2B5EF4-FFF2-40B4-BE49-F238E27FC236}">
-                  <a16:creationId xmlns:a16="http://schemas.microsoft.com/office/drawing/2014/main" id="{2222C380-666A-2CB4-9042-EF0A29D47106}"/>
+                  <a16:creationId xmlns:a16="http://schemas.microsoft.com/office/drawing/2014/main" id="{1C3CFCDA-F0D8-AD81-62C8-B85A202222CE}"/>
                 </a:ext>
               </a:extLst>
             </p:cNvPr>
-            <p:cNvCxnSpPr>
-              <a:cxnSpLocks/>
-            </p:cNvCxnSpPr>
+            <p:cNvSpPr txBox="1"/>
             <p:nvPr/>
-          </p:nvCxnSpPr>
+          </p:nvSpPr>
           <p:spPr>
             <a:xfrm>
-              <a:off x="1458632" y="1341806"/>
-              <a:ext cx="0" cy="4487670"/>
+              <a:off x="12811539" y="3597733"/>
+              <a:ext cx="1107586" cy="338554"/>
             </a:xfrm>
-            <a:prstGeom prst="line">
+            <a:prstGeom prst="rect">
               <a:avLst/>
             </a:prstGeom>
-            <a:ln w="76200">
-              <a:solidFill>
-                <a:schemeClr val="bg1">
-                  <a:lumMod val="65000"/>
-                </a:schemeClr>
-              </a:solidFill>
-              <a:prstDash val="dash"/>
-            </a:ln>
+            <a:noFill/>
           </p:spPr>
-          <p:style>
-            <a:lnRef idx="1">
-              <a:schemeClr val="accent1"/>
-            </a:lnRef>
-            <a:fillRef idx="0">
-              <a:schemeClr val="accent1"/>
-            </a:fillRef>
-            <a:effectRef idx="0">
-              <a:schemeClr val="accent1"/>
-            </a:effectRef>
-            <a:fontRef idx="minor">
-              <a:schemeClr val="tx1"/>
-            </a:fontRef>
-          </p:style>
-        </p:cxnSp>
-        <p:cxnSp>
-          <p:nvCxnSpPr>
-            <p:cNvPr id="1234" name="Straight Connector 1233">
+          <p:txBody>
+            <a:bodyPr wrap="square" rtlCol="0">
+              <a:spAutoFit/>
+            </a:bodyPr>
+            <a:lstStyle/>
+            <a:p>
+              <a:r>
+                <a:rPr lang="en-US" sz="1600" dirty="0">
+                  <a:latin typeface="Arial" panose="020B0604020202020204" pitchFamily="34" charset="0"/>
+                  <a:cs typeface="Arial" panose="020B0604020202020204" pitchFamily="34" charset="0"/>
+                </a:rPr>
+                <a:t>Fecal</a:t>
+              </a:r>
+            </a:p>
+          </p:txBody>
+        </p:sp>
+      </p:grpSp>
+      <p:grpSp>
+        <p:nvGrpSpPr>
+          <p:cNvPr id="1300" name="Group 1299">
+            <a:extLst>
+              <a:ext uri="{FF2B5EF4-FFF2-40B4-BE49-F238E27FC236}">
+                <a16:creationId xmlns:a16="http://schemas.microsoft.com/office/drawing/2014/main" id="{0A0BDC21-F750-56D4-304E-119033ED0555}"/>
+              </a:ext>
+            </a:extLst>
+          </p:cNvPr>
+          <p:cNvGrpSpPr/>
+          <p:nvPr/>
+        </p:nvGrpSpPr>
+        <p:grpSpPr>
+          <a:xfrm>
+            <a:off x="12573100" y="4325495"/>
+            <a:ext cx="2336290" cy="584775"/>
+            <a:chOff x="12444685" y="4298283"/>
+            <a:chExt cx="2336290" cy="584775"/>
+          </a:xfrm>
+        </p:grpSpPr>
+        <p:sp>
+          <p:nvSpPr>
+            <p:cNvPr id="1244" name="Oval 1243">
               <a:extLst>
                 <a:ext uri="{FF2B5EF4-FFF2-40B4-BE49-F238E27FC236}">
-                  <a16:creationId xmlns:a16="http://schemas.microsoft.com/office/drawing/2014/main" id="{22748DCC-8600-8E50-5413-30BBECB3D046}"/>
-                </a:ext>
-              </a:extLst>
-            </p:cNvPr>
-            <p:cNvCxnSpPr>
-              <a:cxnSpLocks/>
-            </p:cNvCxnSpPr>
-            <p:nvPr/>
-          </p:nvCxnSpPr>
-          <p:spPr>
-            <a:xfrm>
-              <a:off x="6848638" y="1341806"/>
-              <a:ext cx="0" cy="4487670"/>
-            </a:xfrm>
-            <a:prstGeom prst="line">
-              <a:avLst/>
-            </a:prstGeom>
-            <a:ln w="76200">
-              <a:solidFill>
-                <a:schemeClr val="bg1">
-                  <a:lumMod val="65000"/>
-                </a:schemeClr>
-              </a:solidFill>
-              <a:prstDash val="dash"/>
-            </a:ln>
-          </p:spPr>
-          <p:style>
-            <a:lnRef idx="1">
-              <a:schemeClr val="accent1"/>
-            </a:lnRef>
-            <a:fillRef idx="0">
-              <a:schemeClr val="accent1"/>
-            </a:fillRef>
-            <a:effectRef idx="0">
-              <a:schemeClr val="accent1"/>
-            </a:effectRef>
-            <a:fontRef idx="minor">
-              <a:schemeClr val="tx1"/>
-            </a:fontRef>
-          </p:style>
-        </p:cxnSp>
-        <p:cxnSp>
-          <p:nvCxnSpPr>
-            <p:cNvPr id="236" name="Straight Connector 235">
-              <a:extLst>
-                <a:ext uri="{FF2B5EF4-FFF2-40B4-BE49-F238E27FC236}">
-                  <a16:creationId xmlns:a16="http://schemas.microsoft.com/office/drawing/2014/main" id="{D8768F93-9031-CD26-0848-C03C9FC8C2C7}"/>
-                </a:ext>
-              </a:extLst>
-            </p:cNvPr>
-            <p:cNvCxnSpPr>
-              <a:cxnSpLocks/>
-            </p:cNvCxnSpPr>
-            <p:nvPr/>
-          </p:nvCxnSpPr>
-          <p:spPr>
-            <a:xfrm>
-              <a:off x="11585244" y="800276"/>
-              <a:ext cx="0" cy="5029200"/>
-            </a:xfrm>
-            <a:prstGeom prst="line">
-              <a:avLst/>
-            </a:prstGeom>
-            <a:ln w="76200">
-              <a:solidFill>
-                <a:schemeClr val="bg1">
-                  <a:lumMod val="65000"/>
-                </a:schemeClr>
-              </a:solidFill>
-              <a:prstDash val="dash"/>
-            </a:ln>
-          </p:spPr>
-          <p:style>
-            <a:lnRef idx="1">
-              <a:schemeClr val="accent1"/>
-            </a:lnRef>
-            <a:fillRef idx="0">
-              <a:schemeClr val="accent1"/>
-            </a:fillRef>
-            <a:effectRef idx="0">
-              <a:schemeClr val="accent1"/>
-            </a:effectRef>
-            <a:fontRef idx="minor">
-              <a:schemeClr val="tx1"/>
-            </a:fontRef>
-          </p:style>
-        </p:cxnSp>
-        <p:sp>
-          <p:nvSpPr>
-            <p:cNvPr id="245" name="Rectangle 244">
-              <a:extLst>
-                <a:ext uri="{FF2B5EF4-FFF2-40B4-BE49-F238E27FC236}">
-                  <a16:creationId xmlns:a16="http://schemas.microsoft.com/office/drawing/2014/main" id="{CC67F634-FCF0-97AD-EDBC-9CE0A7AE148F}"/>
+                  <a16:creationId xmlns:a16="http://schemas.microsoft.com/office/drawing/2014/main" id="{DAFCA0D2-5E80-184D-3191-9B7FAE3048E4}"/>
                 </a:ext>
               </a:extLst>
             </p:cNvPr>
@@ -3453,14 +5298,16 @@
           </p:nvSpPr>
           <p:spPr>
             <a:xfrm>
-              <a:off x="4823891" y="1083304"/>
-              <a:ext cx="2037142" cy="393192"/>
+              <a:off x="12444685" y="4427675"/>
+              <a:ext cx="365760" cy="365760"/>
             </a:xfrm>
-            <a:prstGeom prst="rect">
+            <a:prstGeom prst="ellipse">
               <a:avLst/>
             </a:prstGeom>
-            <a:noFill/>
-            <a:ln w="38100">
+            <a:solidFill>
+              <a:srgbClr val="E6AB02"/>
+            </a:solidFill>
+            <a:ln>
               <a:noFill/>
             </a:ln>
           </p:spPr>
@@ -3486,26 +5333,89 @@
             <a:p>
               <a:pPr algn="ctr"/>
               <a:r>
-                <a:rPr lang="en-US" sz="2400" dirty="0">
-                  <a:solidFill>
-                    <a:schemeClr val="bg1">
-                      <a:lumMod val="50000"/>
-                    </a:schemeClr>
-                  </a:solidFill>
+                <a:rPr lang="en-US" sz="1600" b="1" dirty="0">
                   <a:latin typeface="Arial" panose="020B0604020202020204" pitchFamily="34" charset="0"/>
                   <a:cs typeface="Arial" panose="020B0604020202020204" pitchFamily="34" charset="0"/>
                 </a:rPr>
-                <a:t>Juvenile</a:t>
+                <a:t>H</a:t>
               </a:r>
             </a:p>
           </p:txBody>
         </p:sp>
         <p:sp>
           <p:nvSpPr>
-            <p:cNvPr id="246" name="Rectangle 245">
+            <p:cNvPr id="1245" name="TextBox 1244">
               <a:extLst>
                 <a:ext uri="{FF2B5EF4-FFF2-40B4-BE49-F238E27FC236}">
-                  <a16:creationId xmlns:a16="http://schemas.microsoft.com/office/drawing/2014/main" id="{06FA0125-D4F8-D884-00E8-8C79EA3CFDDF}"/>
+                  <a16:creationId xmlns:a16="http://schemas.microsoft.com/office/drawing/2014/main" id="{4D27BCE1-BEB4-1636-AF84-07048D0E8E37}"/>
+                </a:ext>
+              </a:extLst>
+            </p:cNvPr>
+            <p:cNvSpPr txBox="1"/>
+            <p:nvPr/>
+          </p:nvSpPr>
+          <p:spPr>
+            <a:xfrm>
+              <a:off x="12822723" y="4298283"/>
+              <a:ext cx="1958252" cy="584775"/>
+            </a:xfrm>
+            <a:prstGeom prst="rect">
+              <a:avLst/>
+            </a:prstGeom>
+            <a:noFill/>
+          </p:spPr>
+          <p:txBody>
+            <a:bodyPr wrap="square" rtlCol="0">
+              <a:spAutoFit/>
+            </a:bodyPr>
+            <a:lstStyle/>
+            <a:p>
+              <a:r>
+                <a:rPr lang="en-US" sz="1600" dirty="0">
+                  <a:latin typeface="Arial" panose="020B0604020202020204" pitchFamily="34" charset="0"/>
+                  <a:cs typeface="Arial" panose="020B0604020202020204" pitchFamily="34" charset="0"/>
+                </a:rPr>
+                <a:t>Histopathology</a:t>
+              </a:r>
+            </a:p>
+            <a:p>
+              <a:r>
+                <a:rPr lang="en-US" sz="1600" dirty="0">
+                  <a:latin typeface="Arial" panose="020B0604020202020204" pitchFamily="34" charset="0"/>
+                  <a:cs typeface="Arial" panose="020B0604020202020204" pitchFamily="34" charset="0"/>
+                </a:rPr>
+                <a:t>check</a:t>
+              </a:r>
+            </a:p>
+          </p:txBody>
+        </p:sp>
+      </p:grpSp>
+      <p:grpSp>
+        <p:nvGrpSpPr>
+          <p:cNvPr id="1299" name="Group 1298">
+            <a:extLst>
+              <a:ext uri="{FF2B5EF4-FFF2-40B4-BE49-F238E27FC236}">
+                <a16:creationId xmlns:a16="http://schemas.microsoft.com/office/drawing/2014/main" id="{CA7DBC4E-D3DD-19A5-4028-1BA440B71B49}"/>
+              </a:ext>
+            </a:extLst>
+          </p:cNvPr>
+          <p:cNvGrpSpPr/>
+          <p:nvPr/>
+        </p:nvGrpSpPr>
+        <p:grpSpPr>
+          <a:xfrm>
+            <a:off x="12573100" y="3957979"/>
+            <a:ext cx="1911029" cy="365760"/>
+            <a:chOff x="12426155" y="3981567"/>
+            <a:chExt cx="1911029" cy="365760"/>
+          </a:xfrm>
+        </p:grpSpPr>
+        <p:sp>
+          <p:nvSpPr>
+            <p:cNvPr id="1253" name="Oval 1252">
+              <a:extLst>
+                <a:ext uri="{FF2B5EF4-FFF2-40B4-BE49-F238E27FC236}">
+                  <a16:creationId xmlns:a16="http://schemas.microsoft.com/office/drawing/2014/main" id="{9D5ED11F-D3B7-F367-D829-07CA719415CA}"/>
                 </a:ext>
               </a:extLst>
             </p:cNvPr>
@@ -3514,14 +5424,16 @@
           </p:nvSpPr>
           <p:spPr>
             <a:xfrm>
-              <a:off x="3690179" y="479097"/>
-              <a:ext cx="2257021" cy="393192"/>
+              <a:off x="12426155" y="3981567"/>
+              <a:ext cx="365760" cy="365760"/>
             </a:xfrm>
-            <a:prstGeom prst="rect">
+            <a:prstGeom prst="ellipse">
               <a:avLst/>
             </a:prstGeom>
-            <a:noFill/>
-            <a:ln w="38100">
+            <a:solidFill>
+              <a:srgbClr val="E7298A"/>
+            </a:solidFill>
+            <a:ln>
               <a:noFill/>
             </a:ln>
           </p:spPr>
@@ -3547,24 +5459,141 @@
             <a:p>
               <a:pPr algn="ctr"/>
               <a:r>
-                <a:rPr lang="en-US" sz="3200" b="1" dirty="0">
-                  <a:solidFill>
-                    <a:schemeClr val="tx1"/>
-                  </a:solidFill>
+                <a:rPr lang="en-US" sz="1600" b="1" dirty="0">
                   <a:latin typeface="Arial" panose="020B0604020202020204" pitchFamily="34" charset="0"/>
                   <a:cs typeface="Arial" panose="020B0604020202020204" pitchFamily="34" charset="0"/>
                 </a:rPr>
-                <a:t>Diet</a:t>
+                <a:t>B</a:t>
               </a:r>
             </a:p>
           </p:txBody>
         </p:sp>
         <p:sp>
           <p:nvSpPr>
-            <p:cNvPr id="247" name="Rectangle 246">
+            <p:cNvPr id="1254" name="TextBox 1253">
               <a:extLst>
                 <a:ext uri="{FF2B5EF4-FFF2-40B4-BE49-F238E27FC236}">
-                  <a16:creationId xmlns:a16="http://schemas.microsoft.com/office/drawing/2014/main" id="{918FB5F1-EA2F-832B-1316-2BCC686C17C9}"/>
+                  <a16:creationId xmlns:a16="http://schemas.microsoft.com/office/drawing/2014/main" id="{CFA21C14-5C10-FCC7-4700-DEA5710D8825}"/>
+                </a:ext>
+              </a:extLst>
+            </p:cNvPr>
+            <p:cNvSpPr txBox="1"/>
+            <p:nvPr/>
+          </p:nvSpPr>
+          <p:spPr>
+            <a:xfrm>
+              <a:off x="12827905" y="3991744"/>
+              <a:ext cx="1509279" cy="338554"/>
+            </a:xfrm>
+            <a:prstGeom prst="rect">
+              <a:avLst/>
+            </a:prstGeom>
+            <a:noFill/>
+          </p:spPr>
+          <p:txBody>
+            <a:bodyPr wrap="square" rtlCol="0">
+              <a:spAutoFit/>
+            </a:bodyPr>
+            <a:lstStyle/>
+            <a:p>
+              <a:r>
+                <a:rPr lang="en-US" sz="1600" dirty="0">
+                  <a:latin typeface="Arial" panose="020B0604020202020204" pitchFamily="34" charset="0"/>
+                  <a:cs typeface="Arial" panose="020B0604020202020204" pitchFamily="34" charset="0"/>
+                </a:rPr>
+                <a:t>Body size</a:t>
+              </a:r>
+            </a:p>
+          </p:txBody>
+        </p:sp>
+      </p:grpSp>
+      <p:sp>
+        <p:nvSpPr>
+          <p:cNvPr id="1255" name="TextBox 1254">
+            <a:extLst>
+              <a:ext uri="{FF2B5EF4-FFF2-40B4-BE49-F238E27FC236}">
+                <a16:creationId xmlns:a16="http://schemas.microsoft.com/office/drawing/2014/main" id="{97DC7822-8F52-ADD1-406D-41B34290C2BE}"/>
+              </a:ext>
+            </a:extLst>
+          </p:cNvPr>
+          <p:cNvSpPr txBox="1"/>
+          <p:nvPr/>
+        </p:nvSpPr>
+        <p:spPr>
+          <a:xfrm>
+            <a:off x="12380118" y="518572"/>
+            <a:ext cx="2883783" cy="707886"/>
+          </a:xfrm>
+          <a:prstGeom prst="rect">
+            <a:avLst/>
+          </a:prstGeom>
+          <a:noFill/>
+        </p:spPr>
+        <p:txBody>
+          <a:bodyPr wrap="square" rtlCol="0">
+            <a:spAutoFit/>
+          </a:bodyPr>
+          <a:lstStyle/>
+          <a:p>
+            <a:pPr algn="ctr"/>
+            <a:r>
+              <a:rPr lang="en-US" sz="2000" b="1" dirty="0">
+                <a:solidFill>
+                  <a:schemeClr val="tx1">
+                    <a:lumMod val="75000"/>
+                    <a:lumOff val="25000"/>
+                  </a:schemeClr>
+                </a:solidFill>
+                <a:latin typeface="Arial" panose="020B0604020202020204" pitchFamily="34" charset="0"/>
+                <a:cs typeface="Arial" panose="020B0604020202020204" pitchFamily="34" charset="0"/>
+              </a:rPr>
+              <a:t>Sampling </a:t>
+            </a:r>
+          </a:p>
+          <a:p>
+            <a:pPr algn="ctr"/>
+            <a:r>
+              <a:rPr lang="en-US" sz="2000" b="1" dirty="0">
+                <a:solidFill>
+                  <a:schemeClr val="tx1">
+                    <a:lumMod val="75000"/>
+                    <a:lumOff val="25000"/>
+                  </a:schemeClr>
+                </a:solidFill>
+                <a:latin typeface="Arial" panose="020B0604020202020204" pitchFamily="34" charset="0"/>
+                <a:cs typeface="Arial" panose="020B0604020202020204" pitchFamily="34" charset="0"/>
+              </a:rPr>
+              <a:t>Endpoints</a:t>
+            </a:r>
+          </a:p>
+        </p:txBody>
+      </p:sp>
+      <p:grpSp>
+        <p:nvGrpSpPr>
+          <p:cNvPr id="1303" name="Group 1302">
+            <a:extLst>
+              <a:ext uri="{FF2B5EF4-FFF2-40B4-BE49-F238E27FC236}">
+                <a16:creationId xmlns:a16="http://schemas.microsoft.com/office/drawing/2014/main" id="{8BCC9212-4E43-0C31-AA85-E0A9888F427E}"/>
+              </a:ext>
+            </a:extLst>
+          </p:cNvPr>
+          <p:cNvGrpSpPr/>
+          <p:nvPr/>
+        </p:nvGrpSpPr>
+        <p:grpSpPr>
+          <a:xfrm>
+            <a:off x="12552702" y="3080358"/>
+            <a:ext cx="1639363" cy="338554"/>
+            <a:chOff x="12443845" y="3210990"/>
+            <a:chExt cx="1639363" cy="338554"/>
+          </a:xfrm>
+        </p:grpSpPr>
+        <p:sp>
+          <p:nvSpPr>
+            <p:cNvPr id="1262" name="Rounded Rectangle 1261">
+              <a:extLst>
+                <a:ext uri="{FF2B5EF4-FFF2-40B4-BE49-F238E27FC236}">
+                  <a16:creationId xmlns:a16="http://schemas.microsoft.com/office/drawing/2014/main" id="{07AA7538-9043-BBCE-1C13-D09C7F6CF766}"/>
                 </a:ext>
               </a:extLst>
             </p:cNvPr>
@@ -3573,512 +5602,8 @@
           </p:nvSpPr>
           <p:spPr>
             <a:xfrm>
-              <a:off x="8890320" y="479097"/>
-              <a:ext cx="2451507" cy="393192"/>
-            </a:xfrm>
-            <a:prstGeom prst="rect">
-              <a:avLst/>
-            </a:prstGeom>
-            <a:noFill/>
-            <a:ln w="38100">
-              <a:noFill/>
-            </a:ln>
-          </p:spPr>
-          <p:style>
-            <a:lnRef idx="2">
-              <a:schemeClr val="accent1">
-                <a:shade val="50000"/>
-              </a:schemeClr>
-            </a:lnRef>
-            <a:fillRef idx="1">
-              <a:schemeClr val="accent1"/>
-            </a:fillRef>
-            <a:effectRef idx="0">
-              <a:schemeClr val="accent1"/>
-            </a:effectRef>
-            <a:fontRef idx="minor">
-              <a:schemeClr val="lt1"/>
-            </a:fontRef>
-          </p:style>
-          <p:txBody>
-            <a:bodyPr rtlCol="0" anchor="ctr"/>
-            <a:lstStyle/>
-            <a:p>
-              <a:pPr algn="ctr"/>
-              <a:r>
-                <a:rPr lang="en-US" sz="3200" b="1" dirty="0">
-                  <a:solidFill>
-                    <a:schemeClr val="tx1"/>
-                  </a:solidFill>
-                  <a:latin typeface="Arial" panose="020B0604020202020204" pitchFamily="34" charset="0"/>
-                  <a:cs typeface="Arial" panose="020B0604020202020204" pitchFamily="34" charset="0"/>
-                </a:rPr>
-                <a:t>Exposure</a:t>
-              </a:r>
-            </a:p>
-          </p:txBody>
-        </p:sp>
-        <p:sp>
-          <p:nvSpPr>
-            <p:cNvPr id="248" name="Rectangle 247">
-              <a:extLst>
-                <a:ext uri="{FF2B5EF4-FFF2-40B4-BE49-F238E27FC236}">
-                  <a16:creationId xmlns:a16="http://schemas.microsoft.com/office/drawing/2014/main" id="{C9E9FA4B-AD6C-8E12-55F2-E2F5246D5BDD}"/>
-                </a:ext>
-              </a:extLst>
-            </p:cNvPr>
-            <p:cNvSpPr/>
-            <p:nvPr/>
-          </p:nvSpPr>
-          <p:spPr>
-            <a:xfrm>
-              <a:off x="2069482" y="1083304"/>
-              <a:ext cx="1915897" cy="393192"/>
-            </a:xfrm>
-            <a:prstGeom prst="rect">
-              <a:avLst/>
-            </a:prstGeom>
-            <a:noFill/>
-            <a:ln w="38100">
-              <a:noFill/>
-            </a:ln>
-          </p:spPr>
-          <p:style>
-            <a:lnRef idx="2">
-              <a:schemeClr val="accent1">
-                <a:shade val="50000"/>
-              </a:schemeClr>
-            </a:lnRef>
-            <a:fillRef idx="1">
-              <a:schemeClr val="accent1"/>
-            </a:fillRef>
-            <a:effectRef idx="0">
-              <a:schemeClr val="accent1"/>
-            </a:effectRef>
-            <a:fontRef idx="minor">
-              <a:schemeClr val="lt1"/>
-            </a:fontRef>
-          </p:style>
-          <p:txBody>
-            <a:bodyPr rtlCol="0" anchor="ctr"/>
-            <a:lstStyle/>
-            <a:p>
-              <a:pPr algn="ctr"/>
-              <a:r>
-                <a:rPr lang="en-US" sz="2400" dirty="0">
-                  <a:solidFill>
-                    <a:schemeClr val="bg1">
-                      <a:lumMod val="50000"/>
-                    </a:schemeClr>
-                  </a:solidFill>
-                  <a:latin typeface="Arial" panose="020B0604020202020204" pitchFamily="34" charset="0"/>
-                  <a:cs typeface="Arial" panose="020B0604020202020204" pitchFamily="34" charset="0"/>
-                </a:rPr>
-                <a:t>Nursery</a:t>
-              </a:r>
-            </a:p>
-          </p:txBody>
-        </p:sp>
-        <p:cxnSp>
-          <p:nvCxnSpPr>
-            <p:cNvPr id="249" name="Curved Connector 248">
-              <a:extLst>
-                <a:ext uri="{FF2B5EF4-FFF2-40B4-BE49-F238E27FC236}">
-                  <a16:creationId xmlns:a16="http://schemas.microsoft.com/office/drawing/2014/main" id="{FAE6CB8C-DA98-6BC3-0046-E3CFA5C1555C}"/>
-                </a:ext>
-              </a:extLst>
-            </p:cNvPr>
-            <p:cNvCxnSpPr>
-              <a:cxnSpLocks/>
-              <a:stCxn id="242" idx="3"/>
-              <a:endCxn id="232" idx="1"/>
-            </p:cNvCxnSpPr>
-            <p:nvPr/>
-          </p:nvCxnSpPr>
-          <p:spPr>
-            <a:xfrm flipV="1">
-              <a:off x="4162486" y="2181278"/>
-              <a:ext cx="863039" cy="1358570"/>
-            </a:xfrm>
-            <a:prstGeom prst="curvedConnector3">
-              <a:avLst/>
-            </a:prstGeom>
-            <a:ln w="76200">
-              <a:solidFill>
-                <a:srgbClr val="1B9E77"/>
-              </a:solidFill>
-            </a:ln>
-          </p:spPr>
-          <p:style>
-            <a:lnRef idx="1">
-              <a:schemeClr val="accent1"/>
-            </a:lnRef>
-            <a:fillRef idx="0">
-              <a:schemeClr val="accent1"/>
-            </a:fillRef>
-            <a:effectRef idx="0">
-              <a:schemeClr val="accent1"/>
-            </a:effectRef>
-            <a:fontRef idx="minor">
-              <a:schemeClr val="tx1"/>
-            </a:fontRef>
-          </p:style>
-        </p:cxnSp>
-        <p:cxnSp>
-          <p:nvCxnSpPr>
-            <p:cNvPr id="250" name="Curved Connector 249">
-              <a:extLst>
-                <a:ext uri="{FF2B5EF4-FFF2-40B4-BE49-F238E27FC236}">
-                  <a16:creationId xmlns:a16="http://schemas.microsoft.com/office/drawing/2014/main" id="{8BC2FB5A-9E4A-2128-D830-048EF5D4A5ED}"/>
-                </a:ext>
-              </a:extLst>
-            </p:cNvPr>
-            <p:cNvCxnSpPr>
-              <a:cxnSpLocks/>
-              <a:stCxn id="242" idx="3"/>
-              <a:endCxn id="1194" idx="1"/>
-            </p:cNvCxnSpPr>
-            <p:nvPr/>
-          </p:nvCxnSpPr>
-          <p:spPr>
-            <a:xfrm>
-              <a:off x="4162486" y="3539848"/>
-              <a:ext cx="870453" cy="1370621"/>
-            </a:xfrm>
-            <a:prstGeom prst="curvedConnector3">
-              <a:avLst/>
-            </a:prstGeom>
-            <a:ln w="76200">
-              <a:solidFill>
-                <a:srgbClr val="7570B3"/>
-              </a:solidFill>
-            </a:ln>
-          </p:spPr>
-          <p:style>
-            <a:lnRef idx="1">
-              <a:schemeClr val="accent1"/>
-            </a:lnRef>
-            <a:fillRef idx="0">
-              <a:schemeClr val="accent1"/>
-            </a:fillRef>
-            <a:effectRef idx="0">
-              <a:schemeClr val="accent1"/>
-            </a:effectRef>
-            <a:fontRef idx="minor">
-              <a:schemeClr val="tx1"/>
-            </a:fontRef>
-          </p:style>
-        </p:cxnSp>
-        <p:grpSp>
-          <p:nvGrpSpPr>
-            <p:cNvPr id="1203" name="Group 1202">
-              <a:extLst>
-                <a:ext uri="{FF2B5EF4-FFF2-40B4-BE49-F238E27FC236}">
-                  <a16:creationId xmlns:a16="http://schemas.microsoft.com/office/drawing/2014/main" id="{B44C4921-C056-18E7-3C3B-D2EC5673C14F}"/>
-                </a:ext>
-              </a:extLst>
-            </p:cNvPr>
-            <p:cNvGrpSpPr/>
-            <p:nvPr/>
-          </p:nvGrpSpPr>
-          <p:grpSpPr>
-            <a:xfrm>
-              <a:off x="9201673" y="3033953"/>
-              <a:ext cx="1828800" cy="1011790"/>
-              <a:chOff x="9023489" y="2770944"/>
-              <a:chExt cx="1828800" cy="1011790"/>
-            </a:xfrm>
-          </p:grpSpPr>
-          <p:sp>
-            <p:nvSpPr>
-              <p:cNvPr id="281" name="Rounded Rectangle 280">
-                <a:extLst>
-                  <a:ext uri="{FF2B5EF4-FFF2-40B4-BE49-F238E27FC236}">
-                    <a16:creationId xmlns:a16="http://schemas.microsoft.com/office/drawing/2014/main" id="{89A44855-0F2E-C07A-ACBD-3ECC63A1D705}"/>
-                  </a:ext>
-                </a:extLst>
-              </p:cNvPr>
-              <p:cNvSpPr/>
-              <p:nvPr/>
-            </p:nvSpPr>
-            <p:spPr>
-              <a:xfrm>
-                <a:off x="9023489" y="2770944"/>
-                <a:ext cx="1828800" cy="457200"/>
-              </a:xfrm>
-              <a:prstGeom prst="roundRect">
-                <a:avLst/>
-              </a:prstGeom>
-              <a:solidFill>
-                <a:srgbClr val="E41A1C"/>
-              </a:solidFill>
-              <a:ln w="19050">
-                <a:solidFill>
-                  <a:schemeClr val="tx1"/>
-                </a:solidFill>
-              </a:ln>
-            </p:spPr>
-            <p:style>
-              <a:lnRef idx="2">
-                <a:schemeClr val="accent1">
-                  <a:shade val="50000"/>
-                </a:schemeClr>
-              </a:lnRef>
-              <a:fillRef idx="1">
-                <a:schemeClr val="accent1"/>
-              </a:fillRef>
-              <a:effectRef idx="0">
-                <a:schemeClr val="accent1"/>
-              </a:effectRef>
-              <a:fontRef idx="minor">
-                <a:schemeClr val="lt1"/>
-              </a:fontRef>
-            </p:style>
-            <p:txBody>
-              <a:bodyPr rtlCol="0" anchor="ctr"/>
-              <a:lstStyle/>
-              <a:p>
-                <a:pPr algn="ctr"/>
-                <a:r>
-                  <a:rPr lang="en-US" sz="2400" b="1" dirty="0">
-                    <a:solidFill>
-                      <a:schemeClr val="tx1"/>
-                    </a:solidFill>
-                    <a:latin typeface="Arial" panose="020B0604020202020204" pitchFamily="34" charset="0"/>
-                    <a:cs typeface="Arial" panose="020B0604020202020204" pitchFamily="34" charset="0"/>
-                  </a:rPr>
-                  <a:t>+Pathogen</a:t>
-                </a:r>
-              </a:p>
-            </p:txBody>
-          </p:sp>
-          <p:sp>
-            <p:nvSpPr>
-              <p:cNvPr id="282" name="Rounded Rectangle 281">
-                <a:extLst>
-                  <a:ext uri="{FF2B5EF4-FFF2-40B4-BE49-F238E27FC236}">
-                    <a16:creationId xmlns:a16="http://schemas.microsoft.com/office/drawing/2014/main" id="{F8856538-903D-5315-8A2C-7D7C406C7526}"/>
-                  </a:ext>
-                </a:extLst>
-              </p:cNvPr>
-              <p:cNvSpPr/>
-              <p:nvPr/>
-            </p:nvSpPr>
-            <p:spPr>
-              <a:xfrm>
-                <a:off x="9023489" y="3325534"/>
-                <a:ext cx="1828800" cy="457200"/>
-              </a:xfrm>
-              <a:prstGeom prst="roundRect">
-                <a:avLst/>
-              </a:prstGeom>
-              <a:solidFill>
-                <a:srgbClr val="377EB8"/>
-              </a:solidFill>
-              <a:ln w="19050">
-                <a:solidFill>
-                  <a:schemeClr val="tx1"/>
-                </a:solidFill>
-              </a:ln>
-            </p:spPr>
-            <p:style>
-              <a:lnRef idx="2">
-                <a:schemeClr val="accent1">
-                  <a:shade val="50000"/>
-                </a:schemeClr>
-              </a:lnRef>
-              <a:fillRef idx="1">
-                <a:schemeClr val="accent1"/>
-              </a:fillRef>
-              <a:effectRef idx="0">
-                <a:schemeClr val="accent1"/>
-              </a:effectRef>
-              <a:fontRef idx="minor">
-                <a:schemeClr val="lt1"/>
-              </a:fontRef>
-            </p:style>
-            <p:txBody>
-              <a:bodyPr rtlCol="0" anchor="ctr"/>
-              <a:lstStyle/>
-              <a:p>
-                <a:pPr algn="ctr"/>
-                <a:r>
-                  <a:rPr lang="en-US" sz="2400" b="1" dirty="0">
-                    <a:solidFill>
-                      <a:schemeClr val="tx1"/>
-                    </a:solidFill>
-                    <a:latin typeface="Arial" panose="020B0604020202020204" pitchFamily="34" charset="0"/>
-                    <a:cs typeface="Arial" panose="020B0604020202020204" pitchFamily="34" charset="0"/>
-                  </a:rPr>
-                  <a:t>Control</a:t>
-                </a:r>
-              </a:p>
-            </p:txBody>
-          </p:sp>
-        </p:grpSp>
-        <p:grpSp>
-          <p:nvGrpSpPr>
-            <p:cNvPr id="1204" name="Group 1203">
-              <a:extLst>
-                <a:ext uri="{FF2B5EF4-FFF2-40B4-BE49-F238E27FC236}">
-                  <a16:creationId xmlns:a16="http://schemas.microsoft.com/office/drawing/2014/main" id="{24FB3E97-276A-577C-FD2A-DD368C0DD6A9}"/>
-                </a:ext>
-              </a:extLst>
-            </p:cNvPr>
-            <p:cNvGrpSpPr/>
-            <p:nvPr/>
-          </p:nvGrpSpPr>
-          <p:grpSpPr>
-            <a:xfrm>
-              <a:off x="9201673" y="4406342"/>
-              <a:ext cx="1828800" cy="1008254"/>
-              <a:chOff x="9023489" y="4234414"/>
-              <a:chExt cx="1828800" cy="1008254"/>
-            </a:xfrm>
-          </p:grpSpPr>
-          <p:sp>
-            <p:nvSpPr>
-              <p:cNvPr id="283" name="Rounded Rectangle 282">
-                <a:extLst>
-                  <a:ext uri="{FF2B5EF4-FFF2-40B4-BE49-F238E27FC236}">
-                    <a16:creationId xmlns:a16="http://schemas.microsoft.com/office/drawing/2014/main" id="{35F6B80B-3187-EFA6-0417-20C83B033C92}"/>
-                  </a:ext>
-                </a:extLst>
-              </p:cNvPr>
-              <p:cNvSpPr/>
-              <p:nvPr/>
-            </p:nvSpPr>
-            <p:spPr>
-              <a:xfrm>
-                <a:off x="9023489" y="4234414"/>
-                <a:ext cx="1828800" cy="457200"/>
-              </a:xfrm>
-              <a:prstGeom prst="roundRect">
-                <a:avLst/>
-              </a:prstGeom>
-              <a:solidFill>
-                <a:srgbClr val="E41A1C"/>
-              </a:solidFill>
-              <a:ln w="19050">
-                <a:solidFill>
-                  <a:schemeClr val="tx1"/>
-                </a:solidFill>
-              </a:ln>
-            </p:spPr>
-            <p:style>
-              <a:lnRef idx="2">
-                <a:schemeClr val="accent1">
-                  <a:shade val="50000"/>
-                </a:schemeClr>
-              </a:lnRef>
-              <a:fillRef idx="1">
-                <a:schemeClr val="accent1"/>
-              </a:fillRef>
-              <a:effectRef idx="0">
-                <a:schemeClr val="accent1"/>
-              </a:effectRef>
-              <a:fontRef idx="minor">
-                <a:schemeClr val="lt1"/>
-              </a:fontRef>
-            </p:style>
-            <p:txBody>
-              <a:bodyPr rtlCol="0" anchor="ctr"/>
-              <a:lstStyle/>
-              <a:p>
-                <a:pPr algn="ctr"/>
-                <a:r>
-                  <a:rPr lang="en-US" sz="2400" b="1" dirty="0">
-                    <a:solidFill>
-                      <a:schemeClr val="tx1"/>
-                    </a:solidFill>
-                    <a:latin typeface="Arial" panose="020B0604020202020204" pitchFamily="34" charset="0"/>
-                    <a:cs typeface="Arial" panose="020B0604020202020204" pitchFamily="34" charset="0"/>
-                  </a:rPr>
-                  <a:t>+Pathogen</a:t>
-                </a:r>
-              </a:p>
-            </p:txBody>
-          </p:sp>
-          <p:sp>
-            <p:nvSpPr>
-              <p:cNvPr id="284" name="Rounded Rectangle 283">
-                <a:extLst>
-                  <a:ext uri="{FF2B5EF4-FFF2-40B4-BE49-F238E27FC236}">
-                    <a16:creationId xmlns:a16="http://schemas.microsoft.com/office/drawing/2014/main" id="{487CC62E-9E7B-8B11-CD56-6378D9F777C6}"/>
-                  </a:ext>
-                </a:extLst>
-              </p:cNvPr>
-              <p:cNvSpPr/>
-              <p:nvPr/>
-            </p:nvSpPr>
-            <p:spPr>
-              <a:xfrm>
-                <a:off x="9023489" y="4785468"/>
-                <a:ext cx="1828800" cy="457200"/>
-              </a:xfrm>
-              <a:prstGeom prst="roundRect">
-                <a:avLst/>
-              </a:prstGeom>
-              <a:solidFill>
-                <a:srgbClr val="377EB8"/>
-              </a:solidFill>
-              <a:ln w="19050">
-                <a:solidFill>
-                  <a:schemeClr val="tx1"/>
-                </a:solidFill>
-              </a:ln>
-            </p:spPr>
-            <p:style>
-              <a:lnRef idx="2">
-                <a:schemeClr val="accent1">
-                  <a:shade val="50000"/>
-                </a:schemeClr>
-              </a:lnRef>
-              <a:fillRef idx="1">
-                <a:schemeClr val="accent1"/>
-              </a:fillRef>
-              <a:effectRef idx="0">
-                <a:schemeClr val="accent1"/>
-              </a:effectRef>
-              <a:fontRef idx="minor">
-                <a:schemeClr val="lt1"/>
-              </a:fontRef>
-            </p:style>
-            <p:txBody>
-              <a:bodyPr rtlCol="0" anchor="ctr"/>
-              <a:lstStyle/>
-              <a:p>
-                <a:pPr algn="ctr"/>
-                <a:r>
-                  <a:rPr lang="en-US" sz="2400" b="1" dirty="0">
-                    <a:solidFill>
-                      <a:schemeClr val="tx1"/>
-                    </a:solidFill>
-                    <a:latin typeface="Arial" panose="020B0604020202020204" pitchFamily="34" charset="0"/>
-                    <a:cs typeface="Arial" panose="020B0604020202020204" pitchFamily="34" charset="0"/>
-                  </a:rPr>
-                  <a:t>Control</a:t>
-                </a:r>
-              </a:p>
-            </p:txBody>
-          </p:sp>
-        </p:grpSp>
-        <p:sp>
-          <p:nvSpPr>
-            <p:cNvPr id="292" name="Rounded Rectangle 291">
-              <a:extLst>
-                <a:ext uri="{FF2B5EF4-FFF2-40B4-BE49-F238E27FC236}">
-                  <a16:creationId xmlns:a16="http://schemas.microsoft.com/office/drawing/2014/main" id="{CB605A59-A501-DC18-F2EB-D47986CCC36C}"/>
-                </a:ext>
-              </a:extLst>
-            </p:cNvPr>
-            <p:cNvSpPr/>
-            <p:nvPr/>
-          </p:nvSpPr>
-          <p:spPr>
-            <a:xfrm>
-              <a:off x="1070012" y="5748921"/>
-              <a:ext cx="777240" cy="457200"/>
+              <a:off x="12443845" y="3232090"/>
+              <a:ext cx="358730" cy="296354"/>
             </a:xfrm>
             <a:prstGeom prst="roundRect">
               <a:avLst/>
@@ -4116,31 +5641,24 @@
             <a:p>
               <a:pPr algn="ctr"/>
               <a:r>
-                <a:rPr lang="en-US" b="1" dirty="0">
+                <a:rPr lang="en-US" sz="1400" b="1" dirty="0">
                   <a:solidFill>
                     <a:sysClr val="windowText" lastClr="000000"/>
                   </a:solidFill>
                   <a:latin typeface="Arial" panose="020B0604020202020204" pitchFamily="34" charset="0"/>
                   <a:cs typeface="Arial" panose="020B0604020202020204" pitchFamily="34" charset="0"/>
                 </a:rPr>
-                <a:t>0</a:t>
+                <a:t>#</a:t>
               </a:r>
-              <a:endParaRPr lang="en-US" b="1" baseline="-25000" dirty="0">
-                <a:solidFill>
-                  <a:sysClr val="windowText" lastClr="000000"/>
-                </a:solidFill>
-                <a:latin typeface="Arial" panose="020B0604020202020204" pitchFamily="34" charset="0"/>
-                <a:cs typeface="Arial" panose="020B0604020202020204" pitchFamily="34" charset="0"/>
-              </a:endParaRPr>
             </a:p>
           </p:txBody>
         </p:sp>
         <p:sp>
           <p:nvSpPr>
-            <p:cNvPr id="294" name="TextBox 293">
+            <p:cNvPr id="1263" name="TextBox 1262">
               <a:extLst>
                 <a:ext uri="{FF2B5EF4-FFF2-40B4-BE49-F238E27FC236}">
-                  <a16:creationId xmlns:a16="http://schemas.microsoft.com/office/drawing/2014/main" id="{197926EB-A851-4D6C-8193-8CC2D3438CFF}"/>
+                  <a16:creationId xmlns:a16="http://schemas.microsoft.com/office/drawing/2014/main" id="{3A11E022-3113-3AA8-7C62-A09CB92554AD}"/>
                 </a:ext>
               </a:extLst>
             </p:cNvPr>
@@ -4149,8 +5667,8 @@
           </p:nvSpPr>
           <p:spPr>
             <a:xfrm>
-              <a:off x="6367771" y="6207901"/>
-              <a:ext cx="1054553" cy="461665"/>
+              <a:off x="12827905" y="3210990"/>
+              <a:ext cx="1255303" cy="338554"/>
             </a:xfrm>
             <a:prstGeom prst="rect">
               <a:avLst/>
@@ -4158,28 +5676,48 @@
             <a:noFill/>
           </p:spPr>
           <p:txBody>
-            <a:bodyPr wrap="square" rtlCol="0" anchor="ctr">
+            <a:bodyPr wrap="square" rtlCol="0">
               <a:spAutoFit/>
             </a:bodyPr>
             <a:lstStyle/>
             <a:p>
-              <a:pPr algn="ctr"/>
               <a:r>
-                <a:rPr lang="en-US" sz="2400" b="1" dirty="0">
+                <a:rPr lang="en-US" sz="1600" dirty="0">
                   <a:latin typeface="Arial" panose="020B0604020202020204" pitchFamily="34" charset="0"/>
                   <a:cs typeface="Arial" panose="020B0604020202020204" pitchFamily="34" charset="0"/>
                 </a:rPr>
-                <a:t>n = 89</a:t>
+                <a:t>Days old</a:t>
               </a:r>
             </a:p>
           </p:txBody>
         </p:sp>
+      </p:grpSp>
+      <p:grpSp>
+        <p:nvGrpSpPr>
+          <p:cNvPr id="1264" name="Group 1263">
+            <a:extLst>
+              <a:ext uri="{FF2B5EF4-FFF2-40B4-BE49-F238E27FC236}">
+                <a16:creationId xmlns:a16="http://schemas.microsoft.com/office/drawing/2014/main" id="{0B513FF4-0C55-DACE-D8E1-63856D0FF932}"/>
+              </a:ext>
+            </a:extLst>
+          </p:cNvPr>
+          <p:cNvGrpSpPr/>
+          <p:nvPr/>
+        </p:nvGrpSpPr>
+        <p:grpSpPr>
+          <a:xfrm>
+            <a:off x="12558306" y="1326109"/>
+            <a:ext cx="421514" cy="410670"/>
+            <a:chOff x="129946" y="2901874"/>
+            <a:chExt cx="413415" cy="411360"/>
+          </a:xfrm>
+        </p:grpSpPr>
         <p:sp>
           <p:nvSpPr>
-            <p:cNvPr id="300" name="Oval 299">
+            <p:cNvPr id="1265" name="Rounded Rectangle 1264">
               <a:extLst>
                 <a:ext uri="{FF2B5EF4-FFF2-40B4-BE49-F238E27FC236}">
-                  <a16:creationId xmlns:a16="http://schemas.microsoft.com/office/drawing/2014/main" id="{E97AC0A6-B8B4-6E81-F735-8A62EF00245C}"/>
+                  <a16:creationId xmlns:a16="http://schemas.microsoft.com/office/drawing/2014/main" id="{D737EAD0-E461-E64A-8A96-D6235DE9866D}"/>
                 </a:ext>
               </a:extLst>
             </p:cNvPr>
@@ -4188,714 +5726,16 @@
           </p:nvSpPr>
           <p:spPr>
             <a:xfrm>
-              <a:off x="1272525" y="1087403"/>
-              <a:ext cx="384995" cy="384995"/>
-            </a:xfrm>
-            <a:prstGeom prst="ellipse">
-              <a:avLst/>
-            </a:prstGeom>
-            <a:solidFill>
-              <a:schemeClr val="bg1"/>
-            </a:solidFill>
-            <a:ln w="25400">
-              <a:solidFill>
-                <a:schemeClr val="tx1">
-                  <a:lumMod val="85000"/>
-                  <a:lumOff val="15000"/>
-                </a:schemeClr>
-              </a:solidFill>
-            </a:ln>
-          </p:spPr>
-          <p:style>
-            <a:lnRef idx="2">
-              <a:schemeClr val="accent1">
-                <a:shade val="50000"/>
-              </a:schemeClr>
-            </a:lnRef>
-            <a:fillRef idx="1">
-              <a:schemeClr val="accent1"/>
-            </a:fillRef>
-            <a:effectRef idx="0">
-              <a:schemeClr val="accent1"/>
-            </a:effectRef>
-            <a:fontRef idx="minor">
-              <a:schemeClr val="lt1"/>
-            </a:fontRef>
-          </p:style>
-          <p:txBody>
-            <a:bodyPr rtlCol="0" anchor="ctr"/>
-            <a:lstStyle/>
-            <a:p>
-              <a:pPr algn="ctr"/>
-              <a:r>
-                <a:rPr lang="en-US" sz="2400" b="1" dirty="0">
-                  <a:solidFill>
-                    <a:schemeClr val="tx1"/>
-                  </a:solidFill>
-                  <a:latin typeface="Arial" panose="020B0604020202020204" pitchFamily="34" charset="0"/>
-                  <a:cs typeface="Arial" panose="020B0604020202020204" pitchFamily="34" charset="0"/>
-                </a:rPr>
-                <a:t>1</a:t>
-              </a:r>
-            </a:p>
-          </p:txBody>
-        </p:sp>
-        <p:sp>
-          <p:nvSpPr>
-            <p:cNvPr id="302" name="Oval 301">
-              <a:extLst>
-                <a:ext uri="{FF2B5EF4-FFF2-40B4-BE49-F238E27FC236}">
-                  <a16:creationId xmlns:a16="http://schemas.microsoft.com/office/drawing/2014/main" id="{79227C22-5EE0-C2D1-2E56-70C9CC2C764C}"/>
-                </a:ext>
-              </a:extLst>
-            </p:cNvPr>
-            <p:cNvSpPr/>
-            <p:nvPr/>
-          </p:nvSpPr>
-          <p:spPr>
-            <a:xfrm>
-              <a:off x="6654430" y="1087403"/>
-              <a:ext cx="384995" cy="384995"/>
-            </a:xfrm>
-            <a:prstGeom prst="ellipse">
-              <a:avLst/>
-            </a:prstGeom>
-            <a:solidFill>
-              <a:schemeClr val="bg1"/>
-            </a:solidFill>
-            <a:ln w="25400">
-              <a:solidFill>
-                <a:schemeClr val="tx1">
-                  <a:lumMod val="85000"/>
-                  <a:lumOff val="15000"/>
-                </a:schemeClr>
-              </a:solidFill>
-            </a:ln>
-          </p:spPr>
-          <p:style>
-            <a:lnRef idx="2">
-              <a:schemeClr val="accent1">
-                <a:shade val="50000"/>
-              </a:schemeClr>
-            </a:lnRef>
-            <a:fillRef idx="1">
-              <a:schemeClr val="accent1"/>
-            </a:fillRef>
-            <a:effectRef idx="0">
-              <a:schemeClr val="accent1"/>
-            </a:effectRef>
-            <a:fontRef idx="minor">
-              <a:schemeClr val="lt1"/>
-            </a:fontRef>
-          </p:style>
-          <p:txBody>
-            <a:bodyPr rtlCol="0" anchor="ctr"/>
-            <a:lstStyle/>
-            <a:p>
-              <a:pPr algn="ctr"/>
-              <a:r>
-                <a:rPr lang="en-US" sz="2400" b="1" dirty="0">
-                  <a:solidFill>
-                    <a:schemeClr val="tx1"/>
-                  </a:solidFill>
-                  <a:latin typeface="Arial" panose="020B0604020202020204" pitchFamily="34" charset="0"/>
-                  <a:cs typeface="Arial" panose="020B0604020202020204" pitchFamily="34" charset="0"/>
-                </a:rPr>
-                <a:t>3</a:t>
-              </a:r>
-            </a:p>
-          </p:txBody>
-        </p:sp>
-        <p:sp>
-          <p:nvSpPr>
-            <p:cNvPr id="304" name="Oval 303">
-              <a:extLst>
-                <a:ext uri="{FF2B5EF4-FFF2-40B4-BE49-F238E27FC236}">
-                  <a16:creationId xmlns:a16="http://schemas.microsoft.com/office/drawing/2014/main" id="{58106683-8AD5-C02D-3E8E-8C7C031B202A}"/>
-                </a:ext>
-              </a:extLst>
-            </p:cNvPr>
-            <p:cNvSpPr/>
-            <p:nvPr/>
-          </p:nvSpPr>
-          <p:spPr>
-            <a:xfrm>
-              <a:off x="11402163" y="483196"/>
-              <a:ext cx="384995" cy="384995"/>
-            </a:xfrm>
-            <a:prstGeom prst="ellipse">
-              <a:avLst/>
-            </a:prstGeom>
-            <a:solidFill>
-              <a:schemeClr val="bg1"/>
-            </a:solidFill>
-            <a:ln w="25400">
-              <a:solidFill>
-                <a:schemeClr val="tx1">
-                  <a:lumMod val="85000"/>
-                  <a:lumOff val="15000"/>
-                </a:schemeClr>
-              </a:solidFill>
-            </a:ln>
-          </p:spPr>
-          <p:style>
-            <a:lnRef idx="2">
-              <a:schemeClr val="accent1">
-                <a:shade val="50000"/>
-              </a:schemeClr>
-            </a:lnRef>
-            <a:fillRef idx="1">
-              <a:schemeClr val="accent1"/>
-            </a:fillRef>
-            <a:effectRef idx="0">
-              <a:schemeClr val="accent1"/>
-            </a:effectRef>
-            <a:fontRef idx="minor">
-              <a:schemeClr val="lt1"/>
-            </a:fontRef>
-          </p:style>
-          <p:txBody>
-            <a:bodyPr rtlCol="0" anchor="ctr"/>
-            <a:lstStyle/>
-            <a:p>
-              <a:pPr algn="ctr"/>
-              <a:r>
-                <a:rPr lang="en-US" sz="2400" b="1" dirty="0">
-                  <a:solidFill>
-                    <a:schemeClr val="tx1"/>
-                  </a:solidFill>
-                  <a:latin typeface="Arial" panose="020B0604020202020204" pitchFamily="34" charset="0"/>
-                  <a:cs typeface="Arial" panose="020B0604020202020204" pitchFamily="34" charset="0"/>
-                </a:rPr>
-                <a:t>5</a:t>
-              </a:r>
-            </a:p>
-          </p:txBody>
-        </p:sp>
-        <p:cxnSp>
-          <p:nvCxnSpPr>
-            <p:cNvPr id="312" name="Straight Connector 311">
-              <a:extLst>
-                <a:ext uri="{FF2B5EF4-FFF2-40B4-BE49-F238E27FC236}">
-                  <a16:creationId xmlns:a16="http://schemas.microsoft.com/office/drawing/2014/main" id="{89AC7D9D-5922-24D5-40CA-6452E45458FC}"/>
-                </a:ext>
-              </a:extLst>
-            </p:cNvPr>
-            <p:cNvCxnSpPr>
-              <a:cxnSpLocks/>
-              <a:stCxn id="242" idx="3"/>
-              <a:endCxn id="1193" idx="1"/>
-            </p:cNvCxnSpPr>
-            <p:nvPr/>
-          </p:nvCxnSpPr>
-          <p:spPr>
-            <a:xfrm>
-              <a:off x="4162486" y="3539848"/>
-              <a:ext cx="870453" cy="0"/>
-            </a:xfrm>
-            <a:prstGeom prst="line">
-              <a:avLst/>
-            </a:prstGeom>
-            <a:ln w="76200">
-              <a:solidFill>
-                <a:srgbClr val="D95F02"/>
-              </a:solidFill>
-            </a:ln>
-          </p:spPr>
-          <p:style>
-            <a:lnRef idx="1">
-              <a:schemeClr val="accent1"/>
-            </a:lnRef>
-            <a:fillRef idx="0">
-              <a:schemeClr val="accent1"/>
-            </a:fillRef>
-            <a:effectRef idx="0">
-              <a:schemeClr val="accent1"/>
-            </a:effectRef>
-            <a:fontRef idx="minor">
-              <a:schemeClr val="tx1"/>
-            </a:fontRef>
-          </p:style>
-        </p:cxnSp>
-        <p:sp>
-          <p:nvSpPr>
-            <p:cNvPr id="1059" name="Rounded Rectangle 1058">
-              <a:extLst>
-                <a:ext uri="{FF2B5EF4-FFF2-40B4-BE49-F238E27FC236}">
-                  <a16:creationId xmlns:a16="http://schemas.microsoft.com/office/drawing/2014/main" id="{AD3336FC-EA1C-51CF-768A-FD78DBD95A18}"/>
-                </a:ext>
-              </a:extLst>
-            </p:cNvPr>
-            <p:cNvSpPr/>
-            <p:nvPr/>
-          </p:nvSpPr>
-          <p:spPr>
-            <a:xfrm>
-              <a:off x="11158524" y="5748921"/>
-              <a:ext cx="777240" cy="457200"/>
+              <a:off x="129946" y="2901879"/>
+              <a:ext cx="182880" cy="182880"/>
             </a:xfrm>
             <a:prstGeom prst="roundRect">
               <a:avLst/>
             </a:prstGeom>
             <a:solidFill>
-              <a:schemeClr val="bg1">
-                <a:lumMod val="95000"/>
-              </a:schemeClr>
+              <a:srgbClr val="1B9E77"/>
             </a:solidFill>
             <a:ln w="19050">
-              <a:solidFill>
-                <a:schemeClr val="tx1">
-                  <a:lumMod val="65000"/>
-                  <a:lumOff val="35000"/>
-                </a:schemeClr>
-              </a:solidFill>
-            </a:ln>
-          </p:spPr>
-          <p:style>
-            <a:lnRef idx="2">
-              <a:schemeClr val="accent1">
-                <a:shade val="50000"/>
-              </a:schemeClr>
-            </a:lnRef>
-            <a:fillRef idx="1">
-              <a:schemeClr val="accent1"/>
-            </a:fillRef>
-            <a:effectRef idx="0">
-              <a:schemeClr val="accent1"/>
-            </a:effectRef>
-            <a:fontRef idx="minor">
-              <a:schemeClr val="lt1"/>
-            </a:fontRef>
-          </p:style>
-          <p:txBody>
-            <a:bodyPr rtlCol="0" anchor="ctr"/>
-            <a:lstStyle/>
-            <a:p>
-              <a:pPr algn="ctr"/>
-              <a:r>
-                <a:rPr lang="en-US" b="1" dirty="0">
-                  <a:solidFill>
-                    <a:sysClr val="windowText" lastClr="000000"/>
-                  </a:solidFill>
-                  <a:latin typeface="Arial" panose="020B0604020202020204" pitchFamily="34" charset="0"/>
-                  <a:cs typeface="Arial" panose="020B0604020202020204" pitchFamily="34" charset="0"/>
-                </a:rPr>
-                <a:t>214</a:t>
-              </a:r>
-              <a:endParaRPr lang="en-US" b="1" baseline="-25000" dirty="0">
-                <a:solidFill>
-                  <a:sysClr val="windowText" lastClr="000000"/>
-                </a:solidFill>
-                <a:latin typeface="Arial" panose="020B0604020202020204" pitchFamily="34" charset="0"/>
-                <a:cs typeface="Arial" panose="020B0604020202020204" pitchFamily="34" charset="0"/>
-              </a:endParaRPr>
-            </a:p>
-          </p:txBody>
-        </p:sp>
-        <p:grpSp>
-          <p:nvGrpSpPr>
-            <p:cNvPr id="1202" name="Group 1201">
-              <a:extLst>
-                <a:ext uri="{FF2B5EF4-FFF2-40B4-BE49-F238E27FC236}">
-                  <a16:creationId xmlns:a16="http://schemas.microsoft.com/office/drawing/2014/main" id="{013B8EEF-482A-8793-F14C-B8B09C886BBC}"/>
-                </a:ext>
-              </a:extLst>
-            </p:cNvPr>
-            <p:cNvGrpSpPr/>
-            <p:nvPr/>
-          </p:nvGrpSpPr>
-          <p:grpSpPr>
-            <a:xfrm>
-              <a:off x="9201673" y="1677151"/>
-              <a:ext cx="1828800" cy="1008254"/>
-              <a:chOff x="9023489" y="1453353"/>
-              <a:chExt cx="1828800" cy="1008254"/>
-            </a:xfrm>
-          </p:grpSpPr>
-          <p:sp>
-            <p:nvSpPr>
-              <p:cNvPr id="280" name="Rounded Rectangle 279">
-                <a:extLst>
-                  <a:ext uri="{FF2B5EF4-FFF2-40B4-BE49-F238E27FC236}">
-                    <a16:creationId xmlns:a16="http://schemas.microsoft.com/office/drawing/2014/main" id="{57412380-74E9-B09F-50FF-437AB05062CB}"/>
-                  </a:ext>
-                </a:extLst>
-              </p:cNvPr>
-              <p:cNvSpPr/>
-              <p:nvPr/>
-            </p:nvSpPr>
-            <p:spPr>
-              <a:xfrm>
-                <a:off x="9023489" y="2004407"/>
-                <a:ext cx="1828800" cy="457200"/>
-              </a:xfrm>
-              <a:prstGeom prst="roundRect">
-                <a:avLst/>
-              </a:prstGeom>
-              <a:solidFill>
-                <a:srgbClr val="377EB8"/>
-              </a:solidFill>
-              <a:ln w="19050">
-                <a:solidFill>
-                  <a:schemeClr val="tx1"/>
-                </a:solidFill>
-              </a:ln>
-            </p:spPr>
-            <p:style>
-              <a:lnRef idx="2">
-                <a:schemeClr val="accent1">
-                  <a:shade val="50000"/>
-                </a:schemeClr>
-              </a:lnRef>
-              <a:fillRef idx="1">
-                <a:schemeClr val="accent1"/>
-              </a:fillRef>
-              <a:effectRef idx="0">
-                <a:schemeClr val="accent1"/>
-              </a:effectRef>
-              <a:fontRef idx="minor">
-                <a:schemeClr val="lt1"/>
-              </a:fontRef>
-            </p:style>
-            <p:txBody>
-              <a:bodyPr rtlCol="0" anchor="ctr"/>
-              <a:lstStyle/>
-              <a:p>
-                <a:pPr algn="ctr"/>
-                <a:r>
-                  <a:rPr lang="en-US" sz="2400" b="1" dirty="0">
-                    <a:solidFill>
-                      <a:schemeClr val="tx1"/>
-                    </a:solidFill>
-                    <a:latin typeface="Arial" panose="020B0604020202020204" pitchFamily="34" charset="0"/>
-                    <a:cs typeface="Arial" panose="020B0604020202020204" pitchFamily="34" charset="0"/>
-                  </a:rPr>
-                  <a:t>Control</a:t>
-                </a:r>
-              </a:p>
-            </p:txBody>
-          </p:sp>
-          <p:sp>
-            <p:nvSpPr>
-              <p:cNvPr id="1117" name="Rounded Rectangle 1116">
-                <a:extLst>
-                  <a:ext uri="{FF2B5EF4-FFF2-40B4-BE49-F238E27FC236}">
-                    <a16:creationId xmlns:a16="http://schemas.microsoft.com/office/drawing/2014/main" id="{FB296DB2-013B-000C-E0C0-E819F285D95A}"/>
-                  </a:ext>
-                </a:extLst>
-              </p:cNvPr>
-              <p:cNvSpPr/>
-              <p:nvPr/>
-            </p:nvSpPr>
-            <p:spPr>
-              <a:xfrm>
-                <a:off x="9023489" y="1453353"/>
-                <a:ext cx="1828800" cy="457200"/>
-              </a:xfrm>
-              <a:prstGeom prst="roundRect">
-                <a:avLst/>
-              </a:prstGeom>
-              <a:solidFill>
-                <a:srgbClr val="E41A1C"/>
-              </a:solidFill>
-              <a:ln w="19050">
-                <a:solidFill>
-                  <a:schemeClr val="tx1"/>
-                </a:solidFill>
-              </a:ln>
-            </p:spPr>
-            <p:style>
-              <a:lnRef idx="2">
-                <a:schemeClr val="accent1">
-                  <a:shade val="50000"/>
-                </a:schemeClr>
-              </a:lnRef>
-              <a:fillRef idx="1">
-                <a:schemeClr val="accent1"/>
-              </a:fillRef>
-              <a:effectRef idx="0">
-                <a:schemeClr val="accent1"/>
-              </a:effectRef>
-              <a:fontRef idx="minor">
-                <a:schemeClr val="lt1"/>
-              </a:fontRef>
-            </p:style>
-            <p:txBody>
-              <a:bodyPr rtlCol="0" anchor="ctr"/>
-              <a:lstStyle/>
-              <a:p>
-                <a:pPr algn="ctr"/>
-                <a:r>
-                  <a:rPr lang="en-US" sz="2400" b="1" dirty="0">
-                    <a:solidFill>
-                      <a:schemeClr val="tx1"/>
-                    </a:solidFill>
-                    <a:latin typeface="Arial" panose="020B0604020202020204" pitchFamily="34" charset="0"/>
-                    <a:cs typeface="Arial" panose="020B0604020202020204" pitchFamily="34" charset="0"/>
-                  </a:rPr>
-                  <a:t>+Pathogen</a:t>
-                </a:r>
-              </a:p>
-            </p:txBody>
-          </p:sp>
-        </p:grpSp>
-        <p:sp>
-          <p:nvSpPr>
-            <p:cNvPr id="1126" name="Rectangle 1125">
-              <a:extLst>
-                <a:ext uri="{FF2B5EF4-FFF2-40B4-BE49-F238E27FC236}">
-                  <a16:creationId xmlns:a16="http://schemas.microsoft.com/office/drawing/2014/main" id="{3B8712FB-B15E-918C-0AFA-F0E4706ADE0A}"/>
-                </a:ext>
-              </a:extLst>
-            </p:cNvPr>
-            <p:cNvSpPr/>
-            <p:nvPr/>
-          </p:nvSpPr>
-          <p:spPr>
-            <a:xfrm>
-              <a:off x="6861033" y="1083304"/>
-              <a:ext cx="1949425" cy="393192"/>
-            </a:xfrm>
-            <a:prstGeom prst="rect">
-              <a:avLst/>
-            </a:prstGeom>
-            <a:noFill/>
-            <a:ln w="38100">
-              <a:noFill/>
-            </a:ln>
-          </p:spPr>
-          <p:style>
-            <a:lnRef idx="2">
-              <a:schemeClr val="accent1">
-                <a:shade val="50000"/>
-              </a:schemeClr>
-            </a:lnRef>
-            <a:fillRef idx="1">
-              <a:schemeClr val="accent1"/>
-            </a:fillRef>
-            <a:effectRef idx="0">
-              <a:schemeClr val="accent1"/>
-            </a:effectRef>
-            <a:fontRef idx="minor">
-              <a:schemeClr val="lt1"/>
-            </a:fontRef>
-          </p:style>
-          <p:txBody>
-            <a:bodyPr rtlCol="0" anchor="ctr"/>
-            <a:lstStyle/>
-            <a:p>
-              <a:pPr algn="ctr"/>
-              <a:r>
-                <a:rPr lang="en-US" sz="2400" dirty="0">
-                  <a:solidFill>
-                    <a:schemeClr val="bg1">
-                      <a:lumMod val="50000"/>
-                    </a:schemeClr>
-                  </a:solidFill>
-                  <a:latin typeface="Arial" panose="020B0604020202020204" pitchFamily="34" charset="0"/>
-                  <a:cs typeface="Arial" panose="020B0604020202020204" pitchFamily="34" charset="0"/>
-                </a:rPr>
-                <a:t>Adult</a:t>
-              </a:r>
-            </a:p>
-          </p:txBody>
-        </p:sp>
-        <p:sp>
-          <p:nvSpPr>
-            <p:cNvPr id="1217" name="Rounded Rectangle 1216">
-              <a:extLst>
-                <a:ext uri="{FF2B5EF4-FFF2-40B4-BE49-F238E27FC236}">
-                  <a16:creationId xmlns:a16="http://schemas.microsoft.com/office/drawing/2014/main" id="{5B8A8F6C-4074-57C9-1CFD-A271F3DAA695}"/>
-                </a:ext>
-              </a:extLst>
-            </p:cNvPr>
-            <p:cNvSpPr/>
-            <p:nvPr/>
-          </p:nvSpPr>
-          <p:spPr>
-            <a:xfrm>
-              <a:off x="6476058" y="5748921"/>
-              <a:ext cx="777240" cy="457200"/>
-            </a:xfrm>
-            <a:prstGeom prst="roundRect">
-              <a:avLst/>
-            </a:prstGeom>
-            <a:solidFill>
-              <a:schemeClr val="bg1">
-                <a:lumMod val="95000"/>
-              </a:schemeClr>
-            </a:solidFill>
-            <a:ln w="19050">
-              <a:solidFill>
-                <a:schemeClr val="tx1">
-                  <a:lumMod val="65000"/>
-                  <a:lumOff val="35000"/>
-                </a:schemeClr>
-              </a:solidFill>
-            </a:ln>
-          </p:spPr>
-          <p:style>
-            <a:lnRef idx="2">
-              <a:schemeClr val="accent1">
-                <a:shade val="50000"/>
-              </a:schemeClr>
-            </a:lnRef>
-            <a:fillRef idx="1">
-              <a:schemeClr val="accent1"/>
-            </a:fillRef>
-            <a:effectRef idx="0">
-              <a:schemeClr val="accent1"/>
-            </a:effectRef>
-            <a:fontRef idx="minor">
-              <a:schemeClr val="lt1"/>
-            </a:fontRef>
-          </p:style>
-          <p:txBody>
-            <a:bodyPr rtlCol="0" anchor="ctr"/>
-            <a:lstStyle/>
-            <a:p>
-              <a:pPr algn="ctr"/>
-              <a:r>
-                <a:rPr lang="en-US" b="1" dirty="0">
-                  <a:solidFill>
-                    <a:sysClr val="windowText" lastClr="000000"/>
-                  </a:solidFill>
-                  <a:latin typeface="Arial" panose="020B0604020202020204" pitchFamily="34" charset="0"/>
-                  <a:cs typeface="Arial" panose="020B0604020202020204" pitchFamily="34" charset="0"/>
-                </a:rPr>
-                <a:t>129</a:t>
-              </a:r>
-              <a:endParaRPr lang="en-US" b="1" baseline="-25000" dirty="0">
-                <a:solidFill>
-                  <a:sysClr val="windowText" lastClr="000000"/>
-                </a:solidFill>
-                <a:latin typeface="Arial" panose="020B0604020202020204" pitchFamily="34" charset="0"/>
-                <a:cs typeface="Arial" panose="020B0604020202020204" pitchFamily="34" charset="0"/>
-              </a:endParaRPr>
-            </a:p>
-          </p:txBody>
-        </p:sp>
-        <p:cxnSp>
-          <p:nvCxnSpPr>
-            <p:cNvPr id="1218" name="Straight Connector 1217">
-              <a:extLst>
-                <a:ext uri="{FF2B5EF4-FFF2-40B4-BE49-F238E27FC236}">
-                  <a16:creationId xmlns:a16="http://schemas.microsoft.com/office/drawing/2014/main" id="{F178C832-88BA-01C2-82CE-E01E7D994B96}"/>
-                </a:ext>
-              </a:extLst>
-            </p:cNvPr>
-            <p:cNvCxnSpPr>
-              <a:cxnSpLocks/>
-            </p:cNvCxnSpPr>
-            <p:nvPr/>
-          </p:nvCxnSpPr>
-          <p:spPr>
-            <a:xfrm>
-              <a:off x="7253298" y="5977521"/>
-              <a:ext cx="1155842" cy="0"/>
-            </a:xfrm>
-            <a:prstGeom prst="line">
-              <a:avLst/>
-            </a:prstGeom>
-            <a:ln w="57150">
-              <a:solidFill>
-                <a:schemeClr val="bg1">
-                  <a:lumMod val="50000"/>
-                </a:schemeClr>
-              </a:solidFill>
-              <a:prstDash val="sysDot"/>
-            </a:ln>
-          </p:spPr>
-          <p:style>
-            <a:lnRef idx="1">
-              <a:schemeClr val="accent1"/>
-            </a:lnRef>
-            <a:fillRef idx="0">
-              <a:schemeClr val="accent1"/>
-            </a:fillRef>
-            <a:effectRef idx="0">
-              <a:schemeClr val="accent1"/>
-            </a:effectRef>
-            <a:fontRef idx="minor">
-              <a:schemeClr val="tx1"/>
-            </a:fontRef>
-          </p:style>
-        </p:cxnSp>
-        <p:cxnSp>
-          <p:nvCxnSpPr>
-            <p:cNvPr id="1221" name="Straight Connector 1220">
-              <a:extLst>
-                <a:ext uri="{FF2B5EF4-FFF2-40B4-BE49-F238E27FC236}">
-                  <a16:creationId xmlns:a16="http://schemas.microsoft.com/office/drawing/2014/main" id="{7BC52127-0B92-30D9-58B5-2147E34CF236}"/>
-                </a:ext>
-              </a:extLst>
-            </p:cNvPr>
-            <p:cNvCxnSpPr>
-              <a:cxnSpLocks/>
-            </p:cNvCxnSpPr>
-            <p:nvPr/>
-          </p:nvCxnSpPr>
-          <p:spPr>
-            <a:xfrm>
-              <a:off x="9186380" y="5977521"/>
-              <a:ext cx="1972144" cy="0"/>
-            </a:xfrm>
-            <a:prstGeom prst="line">
-              <a:avLst/>
-            </a:prstGeom>
-            <a:ln w="57150">
-              <a:solidFill>
-                <a:schemeClr val="bg1">
-                  <a:lumMod val="50000"/>
-                </a:schemeClr>
-              </a:solidFill>
-              <a:prstDash val="solid"/>
-              <a:tailEnd type="triangle" w="lg" len="med"/>
-            </a:ln>
-          </p:spPr>
-          <p:style>
-            <a:lnRef idx="1">
-              <a:schemeClr val="accent1"/>
-            </a:lnRef>
-            <a:fillRef idx="0">
-              <a:schemeClr val="accent1"/>
-            </a:fillRef>
-            <a:effectRef idx="0">
-              <a:schemeClr val="accent1"/>
-            </a:effectRef>
-            <a:fontRef idx="minor">
-              <a:schemeClr val="tx1"/>
-            </a:fontRef>
-          </p:style>
-        </p:cxnSp>
-        <p:sp>
-          <p:nvSpPr>
-            <p:cNvPr id="1239" name="Rounded Rectangle 1238">
-              <a:extLst>
-                <a:ext uri="{FF2B5EF4-FFF2-40B4-BE49-F238E27FC236}">
-                  <a16:creationId xmlns:a16="http://schemas.microsoft.com/office/drawing/2014/main" id="{8C96D0F7-37D1-879D-3DF1-F08A489BB40E}"/>
-                </a:ext>
-              </a:extLst>
-            </p:cNvPr>
-            <p:cNvSpPr/>
-            <p:nvPr/>
-          </p:nvSpPr>
-          <p:spPr>
-            <a:xfrm>
-              <a:off x="12366849" y="1540888"/>
-              <a:ext cx="2219563" cy="4665233"/>
-            </a:xfrm>
-            <a:prstGeom prst="roundRect">
-              <a:avLst>
-                <a:gd name="adj" fmla="val 7693"/>
-              </a:avLst>
-            </a:prstGeom>
-            <a:solidFill>
-              <a:schemeClr val="bg1">
-                <a:lumMod val="95000"/>
-              </a:schemeClr>
-            </a:solidFill>
-            <a:ln w="28575">
               <a:solidFill>
                 <a:schemeClr val="tx1"/>
               </a:solidFill>
@@ -4922,916 +5762,19 @@
             <a:lstStyle/>
             <a:p>
               <a:pPr algn="ctr"/>
-              <a:endParaRPr lang="en-US" sz="1100">
+              <a:endParaRPr lang="en-US" sz="1400">
                 <a:latin typeface="Arial" panose="020B0604020202020204" pitchFamily="34" charset="0"/>
                 <a:cs typeface="Arial" panose="020B0604020202020204" pitchFamily="34" charset="0"/>
               </a:endParaRPr>
             </a:p>
           </p:txBody>
         </p:sp>
-        <p:grpSp>
-          <p:nvGrpSpPr>
-            <p:cNvPr id="1302" name="Group 1301">
+        <p:sp>
+          <p:nvSpPr>
+            <p:cNvPr id="1266" name="Rounded Rectangle 1265">
               <a:extLst>
                 <a:ext uri="{FF2B5EF4-FFF2-40B4-BE49-F238E27FC236}">
-                  <a16:creationId xmlns:a16="http://schemas.microsoft.com/office/drawing/2014/main" id="{C58D6B4E-091D-8BC4-7978-0ADAC6441E0D}"/>
-                </a:ext>
-              </a:extLst>
-            </p:cNvPr>
-            <p:cNvGrpSpPr/>
-            <p:nvPr/>
-          </p:nvGrpSpPr>
-          <p:grpSpPr>
-            <a:xfrm>
-              <a:off x="12464243" y="3623133"/>
-              <a:ext cx="1485625" cy="372042"/>
-              <a:chOff x="12433500" y="3597733"/>
-              <a:chExt cx="1485625" cy="372042"/>
-            </a:xfrm>
-          </p:grpSpPr>
-          <p:sp>
-            <p:nvSpPr>
-              <p:cNvPr id="1241" name="Oval 1240">
-                <a:extLst>
-                  <a:ext uri="{FF2B5EF4-FFF2-40B4-BE49-F238E27FC236}">
-                    <a16:creationId xmlns:a16="http://schemas.microsoft.com/office/drawing/2014/main" id="{1409839D-FB70-9F97-84DA-BE1ACEB4E29C}"/>
-                  </a:ext>
-                </a:extLst>
-              </p:cNvPr>
-              <p:cNvSpPr/>
-              <p:nvPr/>
-            </p:nvSpPr>
-            <p:spPr>
-              <a:xfrm>
-                <a:off x="12433500" y="3604015"/>
-                <a:ext cx="365760" cy="365760"/>
-              </a:xfrm>
-              <a:prstGeom prst="ellipse">
-                <a:avLst/>
-              </a:prstGeom>
-              <a:solidFill>
-                <a:srgbClr val="A6761D"/>
-              </a:solidFill>
-              <a:ln>
-                <a:noFill/>
-              </a:ln>
-            </p:spPr>
-            <p:style>
-              <a:lnRef idx="2">
-                <a:schemeClr val="accent1">
-                  <a:shade val="50000"/>
-                </a:schemeClr>
-              </a:lnRef>
-              <a:fillRef idx="1">
-                <a:schemeClr val="accent1"/>
-              </a:fillRef>
-              <a:effectRef idx="0">
-                <a:schemeClr val="accent1"/>
-              </a:effectRef>
-              <a:fontRef idx="minor">
-                <a:schemeClr val="lt1"/>
-              </a:fontRef>
-            </p:style>
-            <p:txBody>
-              <a:bodyPr rtlCol="0" anchor="ctr"/>
-              <a:lstStyle/>
-              <a:p>
-                <a:pPr algn="ctr"/>
-                <a:r>
-                  <a:rPr lang="en-US" sz="1600" b="1" dirty="0">
-                    <a:latin typeface="Arial" panose="020B0604020202020204" pitchFamily="34" charset="0"/>
-                    <a:cs typeface="Arial" panose="020B0604020202020204" pitchFamily="34" charset="0"/>
-                  </a:rPr>
-                  <a:t>F</a:t>
-                </a:r>
-              </a:p>
-            </p:txBody>
-          </p:sp>
-          <p:sp>
-            <p:nvSpPr>
-              <p:cNvPr id="1242" name="TextBox 1241">
-                <a:extLst>
-                  <a:ext uri="{FF2B5EF4-FFF2-40B4-BE49-F238E27FC236}">
-                    <a16:creationId xmlns:a16="http://schemas.microsoft.com/office/drawing/2014/main" id="{1C3CFCDA-F0D8-AD81-62C8-B85A202222CE}"/>
-                  </a:ext>
-                </a:extLst>
-              </p:cNvPr>
-              <p:cNvSpPr txBox="1"/>
-              <p:nvPr/>
-            </p:nvSpPr>
-            <p:spPr>
-              <a:xfrm>
-                <a:off x="12811539" y="3597733"/>
-                <a:ext cx="1107586" cy="338554"/>
-              </a:xfrm>
-              <a:prstGeom prst="rect">
-                <a:avLst/>
-              </a:prstGeom>
-              <a:noFill/>
-            </p:spPr>
-            <p:txBody>
-              <a:bodyPr wrap="square" rtlCol="0">
-                <a:spAutoFit/>
-              </a:bodyPr>
-              <a:lstStyle/>
-              <a:p>
-                <a:r>
-                  <a:rPr lang="en-US" sz="1600" dirty="0">
-                    <a:latin typeface="Arial" panose="020B0604020202020204" pitchFamily="34" charset="0"/>
-                    <a:cs typeface="Arial" panose="020B0604020202020204" pitchFamily="34" charset="0"/>
-                  </a:rPr>
-                  <a:t>Fecal</a:t>
-                </a:r>
-              </a:p>
-            </p:txBody>
-          </p:sp>
-        </p:grpSp>
-        <p:grpSp>
-          <p:nvGrpSpPr>
-            <p:cNvPr id="1300" name="Group 1299">
-              <a:extLst>
-                <a:ext uri="{FF2B5EF4-FFF2-40B4-BE49-F238E27FC236}">
-                  <a16:creationId xmlns:a16="http://schemas.microsoft.com/office/drawing/2014/main" id="{0A0BDC21-F750-56D4-304E-119033ED0555}"/>
-                </a:ext>
-              </a:extLst>
-            </p:cNvPr>
-            <p:cNvGrpSpPr/>
-            <p:nvPr/>
-          </p:nvGrpSpPr>
-          <p:grpSpPr>
-            <a:xfrm>
-              <a:off x="12464243" y="4412583"/>
-              <a:ext cx="2336290" cy="584775"/>
-              <a:chOff x="12444685" y="4298283"/>
-              <a:chExt cx="2336290" cy="584775"/>
-            </a:xfrm>
-          </p:grpSpPr>
-          <p:sp>
-            <p:nvSpPr>
-              <p:cNvPr id="1244" name="Oval 1243">
-                <a:extLst>
-                  <a:ext uri="{FF2B5EF4-FFF2-40B4-BE49-F238E27FC236}">
-                    <a16:creationId xmlns:a16="http://schemas.microsoft.com/office/drawing/2014/main" id="{DAFCA0D2-5E80-184D-3191-9B7FAE3048E4}"/>
-                  </a:ext>
-                </a:extLst>
-              </p:cNvPr>
-              <p:cNvSpPr/>
-              <p:nvPr/>
-            </p:nvSpPr>
-            <p:spPr>
-              <a:xfrm>
-                <a:off x="12444685" y="4427675"/>
-                <a:ext cx="365760" cy="365760"/>
-              </a:xfrm>
-              <a:prstGeom prst="ellipse">
-                <a:avLst/>
-              </a:prstGeom>
-              <a:solidFill>
-                <a:srgbClr val="E6AB02"/>
-              </a:solidFill>
-              <a:ln>
-                <a:noFill/>
-              </a:ln>
-            </p:spPr>
-            <p:style>
-              <a:lnRef idx="2">
-                <a:schemeClr val="accent1">
-                  <a:shade val="50000"/>
-                </a:schemeClr>
-              </a:lnRef>
-              <a:fillRef idx="1">
-                <a:schemeClr val="accent1"/>
-              </a:fillRef>
-              <a:effectRef idx="0">
-                <a:schemeClr val="accent1"/>
-              </a:effectRef>
-              <a:fontRef idx="minor">
-                <a:schemeClr val="lt1"/>
-              </a:fontRef>
-            </p:style>
-            <p:txBody>
-              <a:bodyPr rtlCol="0" anchor="ctr"/>
-              <a:lstStyle/>
-              <a:p>
-                <a:pPr algn="ctr"/>
-                <a:r>
-                  <a:rPr lang="en-US" sz="1600" b="1" dirty="0">
-                    <a:latin typeface="Arial" panose="020B0604020202020204" pitchFamily="34" charset="0"/>
-                    <a:cs typeface="Arial" panose="020B0604020202020204" pitchFamily="34" charset="0"/>
-                  </a:rPr>
-                  <a:t>H</a:t>
-                </a:r>
-              </a:p>
-            </p:txBody>
-          </p:sp>
-          <p:sp>
-            <p:nvSpPr>
-              <p:cNvPr id="1245" name="TextBox 1244">
-                <a:extLst>
-                  <a:ext uri="{FF2B5EF4-FFF2-40B4-BE49-F238E27FC236}">
-                    <a16:creationId xmlns:a16="http://schemas.microsoft.com/office/drawing/2014/main" id="{4D27BCE1-BEB4-1636-AF84-07048D0E8E37}"/>
-                  </a:ext>
-                </a:extLst>
-              </p:cNvPr>
-              <p:cNvSpPr txBox="1"/>
-              <p:nvPr/>
-            </p:nvSpPr>
-            <p:spPr>
-              <a:xfrm>
-                <a:off x="12822723" y="4298283"/>
-                <a:ext cx="1958252" cy="584775"/>
-              </a:xfrm>
-              <a:prstGeom prst="rect">
-                <a:avLst/>
-              </a:prstGeom>
-              <a:noFill/>
-            </p:spPr>
-            <p:txBody>
-              <a:bodyPr wrap="square" rtlCol="0">
-                <a:spAutoFit/>
-              </a:bodyPr>
-              <a:lstStyle/>
-              <a:p>
-                <a:r>
-                  <a:rPr lang="en-US" sz="1600" dirty="0">
-                    <a:latin typeface="Arial" panose="020B0604020202020204" pitchFamily="34" charset="0"/>
-                    <a:cs typeface="Arial" panose="020B0604020202020204" pitchFamily="34" charset="0"/>
-                  </a:rPr>
-                  <a:t>Histopathology</a:t>
-                </a:r>
-              </a:p>
-              <a:p>
-                <a:r>
-                  <a:rPr lang="en-US" sz="1600" dirty="0">
-                    <a:latin typeface="Arial" panose="020B0604020202020204" pitchFamily="34" charset="0"/>
-                    <a:cs typeface="Arial" panose="020B0604020202020204" pitchFamily="34" charset="0"/>
-                  </a:rPr>
-                  <a:t>check</a:t>
-                </a:r>
-              </a:p>
-            </p:txBody>
-          </p:sp>
-        </p:grpSp>
-        <p:grpSp>
-          <p:nvGrpSpPr>
-            <p:cNvPr id="1299" name="Group 1298">
-              <a:extLst>
-                <a:ext uri="{FF2B5EF4-FFF2-40B4-BE49-F238E27FC236}">
-                  <a16:creationId xmlns:a16="http://schemas.microsoft.com/office/drawing/2014/main" id="{CA7DBC4E-D3DD-19A5-4028-1BA440B71B49}"/>
-                </a:ext>
-              </a:extLst>
-            </p:cNvPr>
-            <p:cNvGrpSpPr/>
-            <p:nvPr/>
-          </p:nvGrpSpPr>
-          <p:grpSpPr>
-            <a:xfrm>
-              <a:off x="12464243" y="4045067"/>
-              <a:ext cx="1911029" cy="365760"/>
-              <a:chOff x="12426155" y="3981567"/>
-              <a:chExt cx="1911029" cy="365760"/>
-            </a:xfrm>
-          </p:grpSpPr>
-          <p:sp>
-            <p:nvSpPr>
-              <p:cNvPr id="1253" name="Oval 1252">
-                <a:extLst>
-                  <a:ext uri="{FF2B5EF4-FFF2-40B4-BE49-F238E27FC236}">
-                    <a16:creationId xmlns:a16="http://schemas.microsoft.com/office/drawing/2014/main" id="{9D5ED11F-D3B7-F367-D829-07CA719415CA}"/>
-                  </a:ext>
-                </a:extLst>
-              </p:cNvPr>
-              <p:cNvSpPr/>
-              <p:nvPr/>
-            </p:nvSpPr>
-            <p:spPr>
-              <a:xfrm>
-                <a:off x="12426155" y="3981567"/>
-                <a:ext cx="365760" cy="365760"/>
-              </a:xfrm>
-              <a:prstGeom prst="ellipse">
-                <a:avLst/>
-              </a:prstGeom>
-              <a:solidFill>
-                <a:srgbClr val="E7298A"/>
-              </a:solidFill>
-              <a:ln>
-                <a:noFill/>
-              </a:ln>
-            </p:spPr>
-            <p:style>
-              <a:lnRef idx="2">
-                <a:schemeClr val="accent1">
-                  <a:shade val="50000"/>
-                </a:schemeClr>
-              </a:lnRef>
-              <a:fillRef idx="1">
-                <a:schemeClr val="accent1"/>
-              </a:fillRef>
-              <a:effectRef idx="0">
-                <a:schemeClr val="accent1"/>
-              </a:effectRef>
-              <a:fontRef idx="minor">
-                <a:schemeClr val="lt1"/>
-              </a:fontRef>
-            </p:style>
-            <p:txBody>
-              <a:bodyPr rtlCol="0" anchor="ctr"/>
-              <a:lstStyle/>
-              <a:p>
-                <a:pPr algn="ctr"/>
-                <a:r>
-                  <a:rPr lang="en-US" sz="1600" b="1" dirty="0">
-                    <a:latin typeface="Arial" panose="020B0604020202020204" pitchFamily="34" charset="0"/>
-                    <a:cs typeface="Arial" panose="020B0604020202020204" pitchFamily="34" charset="0"/>
-                  </a:rPr>
-                  <a:t>P</a:t>
-                </a:r>
-              </a:p>
-            </p:txBody>
-          </p:sp>
-          <p:sp>
-            <p:nvSpPr>
-              <p:cNvPr id="1254" name="TextBox 1253">
-                <a:extLst>
-                  <a:ext uri="{FF2B5EF4-FFF2-40B4-BE49-F238E27FC236}">
-                    <a16:creationId xmlns:a16="http://schemas.microsoft.com/office/drawing/2014/main" id="{CFA21C14-5C10-FCC7-4700-DEA5710D8825}"/>
-                  </a:ext>
-                </a:extLst>
-              </p:cNvPr>
-              <p:cNvSpPr txBox="1"/>
-              <p:nvPr/>
-            </p:nvSpPr>
-            <p:spPr>
-              <a:xfrm>
-                <a:off x="12827905" y="3991744"/>
-                <a:ext cx="1509279" cy="338554"/>
-              </a:xfrm>
-              <a:prstGeom prst="rect">
-                <a:avLst/>
-              </a:prstGeom>
-              <a:noFill/>
-            </p:spPr>
-            <p:txBody>
-              <a:bodyPr wrap="square" rtlCol="0">
-                <a:spAutoFit/>
-              </a:bodyPr>
-              <a:lstStyle/>
-              <a:p>
-                <a:r>
-                  <a:rPr lang="en-US" sz="1600" dirty="0">
-                    <a:latin typeface="Arial" panose="020B0604020202020204" pitchFamily="34" charset="0"/>
-                    <a:cs typeface="Arial" panose="020B0604020202020204" pitchFamily="34" charset="0"/>
-                  </a:rPr>
-                  <a:t>Physiology</a:t>
-                </a:r>
-              </a:p>
-            </p:txBody>
-          </p:sp>
-        </p:grpSp>
-        <p:sp>
-          <p:nvSpPr>
-            <p:cNvPr id="1255" name="TextBox 1254">
-              <a:extLst>
-                <a:ext uri="{FF2B5EF4-FFF2-40B4-BE49-F238E27FC236}">
-                  <a16:creationId xmlns:a16="http://schemas.microsoft.com/office/drawing/2014/main" id="{97DC7822-8F52-ADD1-406D-41B34290C2BE}"/>
-                </a:ext>
-              </a:extLst>
-            </p:cNvPr>
-            <p:cNvSpPr txBox="1"/>
-            <p:nvPr/>
-          </p:nvSpPr>
-          <p:spPr>
-            <a:xfrm>
-              <a:off x="12366843" y="1587305"/>
-              <a:ext cx="2219560" cy="707886"/>
-            </a:xfrm>
-            <a:prstGeom prst="rect">
-              <a:avLst/>
-            </a:prstGeom>
-            <a:noFill/>
-          </p:spPr>
-          <p:txBody>
-            <a:bodyPr wrap="square" rtlCol="0">
-              <a:spAutoFit/>
-            </a:bodyPr>
-            <a:lstStyle/>
-            <a:p>
-              <a:pPr algn="ctr"/>
-              <a:r>
-                <a:rPr lang="en-US" sz="2000" b="1" dirty="0">
-                  <a:solidFill>
-                    <a:schemeClr val="tx1">
-                      <a:lumMod val="75000"/>
-                      <a:lumOff val="25000"/>
-                    </a:schemeClr>
-                  </a:solidFill>
-                  <a:latin typeface="Arial" panose="020B0604020202020204" pitchFamily="34" charset="0"/>
-                  <a:cs typeface="Arial" panose="020B0604020202020204" pitchFamily="34" charset="0"/>
-                </a:rPr>
-                <a:t>Sampling </a:t>
-              </a:r>
-            </a:p>
-            <a:p>
-              <a:pPr algn="ctr"/>
-              <a:r>
-                <a:rPr lang="en-US" sz="2000" b="1" dirty="0">
-                  <a:solidFill>
-                    <a:schemeClr val="tx1">
-                      <a:lumMod val="75000"/>
-                      <a:lumOff val="25000"/>
-                    </a:schemeClr>
-                  </a:solidFill>
-                  <a:latin typeface="Arial" panose="020B0604020202020204" pitchFamily="34" charset="0"/>
-                  <a:cs typeface="Arial" panose="020B0604020202020204" pitchFamily="34" charset="0"/>
-                </a:rPr>
-                <a:t>Endpoints</a:t>
-              </a:r>
-            </a:p>
-          </p:txBody>
-        </p:sp>
-        <p:grpSp>
-          <p:nvGrpSpPr>
-            <p:cNvPr id="1303" name="Group 1302">
-              <a:extLst>
-                <a:ext uri="{FF2B5EF4-FFF2-40B4-BE49-F238E27FC236}">
-                  <a16:creationId xmlns:a16="http://schemas.microsoft.com/office/drawing/2014/main" id="{8BCC9212-4E43-0C31-AA85-E0A9888F427E}"/>
-                </a:ext>
-              </a:extLst>
-            </p:cNvPr>
-            <p:cNvGrpSpPr/>
-            <p:nvPr/>
-          </p:nvGrpSpPr>
-          <p:grpSpPr>
-            <a:xfrm>
-              <a:off x="12443845" y="3210990"/>
-              <a:ext cx="1639363" cy="338554"/>
-              <a:chOff x="12443845" y="3210990"/>
-              <a:chExt cx="1639363" cy="338554"/>
-            </a:xfrm>
-          </p:grpSpPr>
-          <p:sp>
-            <p:nvSpPr>
-              <p:cNvPr id="1262" name="Rounded Rectangle 1261">
-                <a:extLst>
-                  <a:ext uri="{FF2B5EF4-FFF2-40B4-BE49-F238E27FC236}">
-                    <a16:creationId xmlns:a16="http://schemas.microsoft.com/office/drawing/2014/main" id="{07AA7538-9043-BBCE-1C13-D09C7F6CF766}"/>
-                  </a:ext>
-                </a:extLst>
-              </p:cNvPr>
-              <p:cNvSpPr/>
-              <p:nvPr/>
-            </p:nvSpPr>
-            <p:spPr>
-              <a:xfrm>
-                <a:off x="12443845" y="3232090"/>
-                <a:ext cx="358730" cy="296354"/>
-              </a:xfrm>
-              <a:prstGeom prst="roundRect">
-                <a:avLst/>
-              </a:prstGeom>
-              <a:solidFill>
-                <a:schemeClr val="bg1">
-                  <a:lumMod val="95000"/>
-                </a:schemeClr>
-              </a:solidFill>
-              <a:ln w="19050">
-                <a:solidFill>
-                  <a:schemeClr val="tx1"/>
-                </a:solidFill>
-              </a:ln>
-            </p:spPr>
-            <p:style>
-              <a:lnRef idx="2">
-                <a:schemeClr val="accent1">
-                  <a:shade val="50000"/>
-                </a:schemeClr>
-              </a:lnRef>
-              <a:fillRef idx="1">
-                <a:schemeClr val="accent1"/>
-              </a:fillRef>
-              <a:effectRef idx="0">
-                <a:schemeClr val="accent1"/>
-              </a:effectRef>
-              <a:fontRef idx="minor">
-                <a:schemeClr val="lt1"/>
-              </a:fontRef>
-            </p:style>
-            <p:txBody>
-              <a:bodyPr rtlCol="0" anchor="ctr"/>
-              <a:lstStyle/>
-              <a:p>
-                <a:pPr algn="ctr"/>
-                <a:r>
-                  <a:rPr lang="en-US" sz="1400" b="1" dirty="0">
-                    <a:solidFill>
-                      <a:sysClr val="windowText" lastClr="000000"/>
-                    </a:solidFill>
-                    <a:latin typeface="Arial" panose="020B0604020202020204" pitchFamily="34" charset="0"/>
-                    <a:cs typeface="Arial" panose="020B0604020202020204" pitchFamily="34" charset="0"/>
-                  </a:rPr>
-                  <a:t>#</a:t>
-                </a:r>
-              </a:p>
-            </p:txBody>
-          </p:sp>
-          <p:sp>
-            <p:nvSpPr>
-              <p:cNvPr id="1263" name="TextBox 1262">
-                <a:extLst>
-                  <a:ext uri="{FF2B5EF4-FFF2-40B4-BE49-F238E27FC236}">
-                    <a16:creationId xmlns:a16="http://schemas.microsoft.com/office/drawing/2014/main" id="{3A11E022-3113-3AA8-7C62-A09CB92554AD}"/>
-                  </a:ext>
-                </a:extLst>
-              </p:cNvPr>
-              <p:cNvSpPr txBox="1"/>
-              <p:nvPr/>
-            </p:nvSpPr>
-            <p:spPr>
-              <a:xfrm>
-                <a:off x="12827905" y="3210990"/>
-                <a:ext cx="1255303" cy="338554"/>
-              </a:xfrm>
-              <a:prstGeom prst="rect">
-                <a:avLst/>
-              </a:prstGeom>
-              <a:noFill/>
-            </p:spPr>
-            <p:txBody>
-              <a:bodyPr wrap="square" rtlCol="0">
-                <a:spAutoFit/>
-              </a:bodyPr>
-              <a:lstStyle/>
-              <a:p>
-                <a:r>
-                  <a:rPr lang="en-US" sz="1600" dirty="0">
-                    <a:latin typeface="Arial" panose="020B0604020202020204" pitchFamily="34" charset="0"/>
-                    <a:cs typeface="Arial" panose="020B0604020202020204" pitchFamily="34" charset="0"/>
-                  </a:rPr>
-                  <a:t>Days old</a:t>
-                </a:r>
-              </a:p>
-            </p:txBody>
-          </p:sp>
-        </p:grpSp>
-        <p:grpSp>
-          <p:nvGrpSpPr>
-            <p:cNvPr id="1304" name="Group 1303">
-              <a:extLst>
-                <a:ext uri="{FF2B5EF4-FFF2-40B4-BE49-F238E27FC236}">
-                  <a16:creationId xmlns:a16="http://schemas.microsoft.com/office/drawing/2014/main" id="{C49DB0DA-A34F-689D-CA28-42F89416D415}"/>
-                </a:ext>
-              </a:extLst>
-            </p:cNvPr>
-            <p:cNvGrpSpPr/>
-            <p:nvPr/>
-          </p:nvGrpSpPr>
-          <p:grpSpPr>
-            <a:xfrm>
-              <a:off x="12449121" y="2417343"/>
-              <a:ext cx="1639816" cy="366373"/>
-              <a:chOff x="12449121" y="2417343"/>
-              <a:chExt cx="1639816" cy="366373"/>
-            </a:xfrm>
-          </p:grpSpPr>
-          <p:grpSp>
-            <p:nvGrpSpPr>
-              <p:cNvPr id="1264" name="Group 1263">
-                <a:extLst>
-                  <a:ext uri="{FF2B5EF4-FFF2-40B4-BE49-F238E27FC236}">
-                    <a16:creationId xmlns:a16="http://schemas.microsoft.com/office/drawing/2014/main" id="{0B513FF4-0C55-DACE-D8E1-63856D0FF932}"/>
-                  </a:ext>
-                </a:extLst>
-              </p:cNvPr>
-              <p:cNvGrpSpPr/>
-              <p:nvPr/>
-            </p:nvGrpSpPr>
-            <p:grpSpPr>
-              <a:xfrm>
-                <a:off x="12449121" y="2417343"/>
-                <a:ext cx="358731" cy="366373"/>
-                <a:chOff x="140883" y="2924214"/>
-                <a:chExt cx="358731" cy="366373"/>
-              </a:xfrm>
-            </p:grpSpPr>
-            <p:sp>
-              <p:nvSpPr>
-                <p:cNvPr id="1265" name="Rounded Rectangle 1264">
-                  <a:extLst>
-                    <a:ext uri="{FF2B5EF4-FFF2-40B4-BE49-F238E27FC236}">
-                      <a16:creationId xmlns:a16="http://schemas.microsoft.com/office/drawing/2014/main" id="{D737EAD0-E461-E64A-8A96-D6235DE9866D}"/>
-                    </a:ext>
-                  </a:extLst>
-                </p:cNvPr>
-                <p:cNvSpPr/>
-                <p:nvPr/>
-              </p:nvSpPr>
-              <p:spPr>
-                <a:xfrm>
-                  <a:off x="140883" y="2924214"/>
-                  <a:ext cx="182880" cy="182880"/>
-                </a:xfrm>
-                <a:prstGeom prst="roundRect">
-                  <a:avLst/>
-                </a:prstGeom>
-                <a:solidFill>
-                  <a:srgbClr val="1B9E77"/>
-                </a:solidFill>
-                <a:ln>
-                  <a:noFill/>
-                </a:ln>
-              </p:spPr>
-              <p:style>
-                <a:lnRef idx="2">
-                  <a:schemeClr val="accent1">
-                    <a:shade val="50000"/>
-                  </a:schemeClr>
-                </a:lnRef>
-                <a:fillRef idx="1">
-                  <a:schemeClr val="accent1"/>
-                </a:fillRef>
-                <a:effectRef idx="0">
-                  <a:schemeClr val="accent1"/>
-                </a:effectRef>
-                <a:fontRef idx="minor">
-                  <a:schemeClr val="lt1"/>
-                </a:fontRef>
-              </p:style>
-              <p:txBody>
-                <a:bodyPr rtlCol="0" anchor="ctr"/>
-                <a:lstStyle/>
-                <a:p>
-                  <a:pPr algn="ctr"/>
-                  <a:endParaRPr lang="en-US" sz="1400">
-                    <a:latin typeface="Arial" panose="020B0604020202020204" pitchFamily="34" charset="0"/>
-                    <a:cs typeface="Arial" panose="020B0604020202020204" pitchFamily="34" charset="0"/>
-                  </a:endParaRPr>
-                </a:p>
-              </p:txBody>
-            </p:sp>
-            <p:sp>
-              <p:nvSpPr>
-                <p:cNvPr id="1266" name="Rounded Rectangle 1265">
-                  <a:extLst>
-                    <a:ext uri="{FF2B5EF4-FFF2-40B4-BE49-F238E27FC236}">
-                      <a16:creationId xmlns:a16="http://schemas.microsoft.com/office/drawing/2014/main" id="{DEA282D4-E039-0599-1F7C-04D0C66A6540}"/>
-                    </a:ext>
-                  </a:extLst>
-                </p:cNvPr>
-                <p:cNvSpPr/>
-                <p:nvPr/>
-              </p:nvSpPr>
-              <p:spPr>
-                <a:xfrm>
-                  <a:off x="316734" y="2924214"/>
-                  <a:ext cx="182880" cy="182880"/>
-                </a:xfrm>
-                <a:prstGeom prst="roundRect">
-                  <a:avLst/>
-                </a:prstGeom>
-                <a:solidFill>
-                  <a:srgbClr val="D95F02"/>
-                </a:solidFill>
-                <a:ln>
-                  <a:noFill/>
-                </a:ln>
-              </p:spPr>
-              <p:style>
-                <a:lnRef idx="2">
-                  <a:schemeClr val="accent1">
-                    <a:shade val="50000"/>
-                  </a:schemeClr>
-                </a:lnRef>
-                <a:fillRef idx="1">
-                  <a:schemeClr val="accent1"/>
-                </a:fillRef>
-                <a:effectRef idx="0">
-                  <a:schemeClr val="accent1"/>
-                </a:effectRef>
-                <a:fontRef idx="minor">
-                  <a:schemeClr val="lt1"/>
-                </a:fontRef>
-              </p:style>
-              <p:txBody>
-                <a:bodyPr rtlCol="0" anchor="ctr"/>
-                <a:lstStyle/>
-                <a:p>
-                  <a:pPr algn="ctr"/>
-                  <a:endParaRPr lang="en-US" sz="1400">
-                    <a:latin typeface="Arial" panose="020B0604020202020204" pitchFamily="34" charset="0"/>
-                    <a:cs typeface="Arial" panose="020B0604020202020204" pitchFamily="34" charset="0"/>
-                  </a:endParaRPr>
-                </a:p>
-              </p:txBody>
-            </p:sp>
-            <p:sp>
-              <p:nvSpPr>
-                <p:cNvPr id="1267" name="Rounded Rectangle 1266">
-                  <a:extLst>
-                    <a:ext uri="{FF2B5EF4-FFF2-40B4-BE49-F238E27FC236}">
-                      <a16:creationId xmlns:a16="http://schemas.microsoft.com/office/drawing/2014/main" id="{5F588940-17A0-0B82-C77B-B6BD7164CABE}"/>
-                    </a:ext>
-                  </a:extLst>
-                </p:cNvPr>
-                <p:cNvSpPr/>
-                <p:nvPr/>
-              </p:nvSpPr>
-              <p:spPr>
-                <a:xfrm>
-                  <a:off x="140883" y="3107707"/>
-                  <a:ext cx="182880" cy="182880"/>
-                </a:xfrm>
-                <a:prstGeom prst="roundRect">
-                  <a:avLst/>
-                </a:prstGeom>
-                <a:solidFill>
-                  <a:srgbClr val="7570B3"/>
-                </a:solidFill>
-                <a:ln>
-                  <a:noFill/>
-                </a:ln>
-              </p:spPr>
-              <p:style>
-                <a:lnRef idx="2">
-                  <a:schemeClr val="accent1">
-                    <a:shade val="50000"/>
-                  </a:schemeClr>
-                </a:lnRef>
-                <a:fillRef idx="1">
-                  <a:schemeClr val="accent1"/>
-                </a:fillRef>
-                <a:effectRef idx="0">
-                  <a:schemeClr val="accent1"/>
-                </a:effectRef>
-                <a:fontRef idx="minor">
-                  <a:schemeClr val="lt1"/>
-                </a:fontRef>
-              </p:style>
-              <p:txBody>
-                <a:bodyPr rtlCol="0" anchor="ctr"/>
-                <a:lstStyle/>
-                <a:p>
-                  <a:pPr algn="ctr"/>
-                  <a:endParaRPr lang="en-US" sz="1400">
-                    <a:latin typeface="Arial" panose="020B0604020202020204" pitchFamily="34" charset="0"/>
-                    <a:cs typeface="Arial" panose="020B0604020202020204" pitchFamily="34" charset="0"/>
-                  </a:endParaRPr>
-                </a:p>
-              </p:txBody>
-            </p:sp>
-            <p:sp>
-              <p:nvSpPr>
-                <p:cNvPr id="1268" name="Rounded Rectangle 1267">
-                  <a:extLst>
-                    <a:ext uri="{FF2B5EF4-FFF2-40B4-BE49-F238E27FC236}">
-                      <a16:creationId xmlns:a16="http://schemas.microsoft.com/office/drawing/2014/main" id="{6C2A6CA3-6182-F1A3-7912-A6462CC181C8}"/>
-                    </a:ext>
-                  </a:extLst>
-                </p:cNvPr>
-                <p:cNvSpPr/>
-                <p:nvPr/>
-              </p:nvSpPr>
-              <p:spPr>
-                <a:xfrm>
-                  <a:off x="330735" y="3109617"/>
-                  <a:ext cx="165279" cy="162919"/>
-                </a:xfrm>
-                <a:prstGeom prst="roundRect">
-                  <a:avLst/>
-                </a:prstGeom>
-                <a:solidFill>
-                  <a:schemeClr val="bg1">
-                    <a:lumMod val="95000"/>
-                  </a:schemeClr>
-                </a:solidFill>
-                <a:ln w="19050">
-                  <a:solidFill>
-                    <a:schemeClr val="tx1">
-                      <a:lumMod val="95000"/>
-                      <a:lumOff val="5000"/>
-                    </a:schemeClr>
-                  </a:solidFill>
-                </a:ln>
-              </p:spPr>
-              <p:style>
-                <a:lnRef idx="2">
-                  <a:schemeClr val="accent1">
-                    <a:shade val="50000"/>
-                  </a:schemeClr>
-                </a:lnRef>
-                <a:fillRef idx="1">
-                  <a:schemeClr val="accent1"/>
-                </a:fillRef>
-                <a:effectRef idx="0">
-                  <a:schemeClr val="accent1"/>
-                </a:effectRef>
-                <a:fontRef idx="minor">
-                  <a:schemeClr val="lt1"/>
-                </a:fontRef>
-              </p:style>
-              <p:txBody>
-                <a:bodyPr rtlCol="0" anchor="ctr"/>
-                <a:lstStyle/>
-                <a:p>
-                  <a:pPr algn="ctr"/>
-                  <a:endParaRPr lang="en-US" sz="1400">
-                    <a:latin typeface="Arial" panose="020B0604020202020204" pitchFamily="34" charset="0"/>
-                    <a:cs typeface="Arial" panose="020B0604020202020204" pitchFamily="34" charset="0"/>
-                  </a:endParaRPr>
-                </a:p>
-              </p:txBody>
-            </p:sp>
-          </p:grpSp>
-          <p:sp>
-            <p:nvSpPr>
-              <p:cNvPr id="1269" name="TextBox 1268">
-                <a:extLst>
-                  <a:ext uri="{FF2B5EF4-FFF2-40B4-BE49-F238E27FC236}">
-                    <a16:creationId xmlns:a16="http://schemas.microsoft.com/office/drawing/2014/main" id="{EEF27DFE-CB0C-522D-0693-00D4F781050B}"/>
-                  </a:ext>
-                </a:extLst>
-              </p:cNvPr>
-              <p:cNvSpPr txBox="1"/>
-              <p:nvPr/>
-            </p:nvSpPr>
-            <p:spPr>
-              <a:xfrm>
-                <a:off x="12833634" y="2431252"/>
-                <a:ext cx="1255303" cy="338554"/>
-              </a:xfrm>
-              <a:prstGeom prst="rect">
-                <a:avLst/>
-              </a:prstGeom>
-              <a:noFill/>
-            </p:spPr>
-            <p:txBody>
-              <a:bodyPr wrap="square" rtlCol="0">
-                <a:spAutoFit/>
-              </a:bodyPr>
-              <a:lstStyle/>
-              <a:p>
-                <a:r>
-                  <a:rPr lang="en-US" sz="1600" dirty="0">
-                    <a:latin typeface="Arial" panose="020B0604020202020204" pitchFamily="34" charset="0"/>
-                    <a:cs typeface="Arial" panose="020B0604020202020204" pitchFamily="34" charset="0"/>
-                  </a:rPr>
-                  <a:t>Treatment</a:t>
-                </a:r>
-              </a:p>
-            </p:txBody>
-          </p:sp>
-        </p:grpSp>
-        <p:sp>
-          <p:nvSpPr>
-            <p:cNvPr id="1270" name="TextBox 1269">
-              <a:extLst>
-                <a:ext uri="{FF2B5EF4-FFF2-40B4-BE49-F238E27FC236}">
-                  <a16:creationId xmlns:a16="http://schemas.microsoft.com/office/drawing/2014/main" id="{0A8FA942-28E1-9D72-7D44-42CB1EFE8D1F}"/>
-                </a:ext>
-              </a:extLst>
-            </p:cNvPr>
-            <p:cNvSpPr txBox="1"/>
-            <p:nvPr/>
-          </p:nvSpPr>
-          <p:spPr>
-            <a:xfrm>
-              <a:off x="12476307" y="2820387"/>
-              <a:ext cx="1958252" cy="338554"/>
-            </a:xfrm>
-            <a:prstGeom prst="rect">
-              <a:avLst/>
-            </a:prstGeom>
-            <a:noFill/>
-          </p:spPr>
-          <p:txBody>
-            <a:bodyPr wrap="square" rtlCol="0">
-              <a:spAutoFit/>
-            </a:bodyPr>
-            <a:lstStyle/>
-            <a:p>
-              <a:r>
-                <a:rPr lang="en-US" sz="1600" b="1" dirty="0">
-                  <a:latin typeface="Arial" panose="020B0604020202020204" pitchFamily="34" charset="0"/>
-                  <a:cs typeface="Arial" panose="020B0604020202020204" pitchFamily="34" charset="0"/>
-                </a:rPr>
-                <a:t>n</a:t>
-              </a:r>
-              <a:r>
-                <a:rPr lang="en-US" sz="1600" dirty="0">
-                  <a:latin typeface="Arial" panose="020B0604020202020204" pitchFamily="34" charset="0"/>
-                  <a:cs typeface="Arial" panose="020B0604020202020204" pitchFamily="34" charset="0"/>
-                </a:rPr>
-                <a:t>    # Fish Sampled</a:t>
-              </a:r>
-            </a:p>
-          </p:txBody>
-        </p:sp>
-        <p:sp>
-          <p:nvSpPr>
-            <p:cNvPr id="1273" name="Oval 1272">
-              <a:extLst>
-                <a:ext uri="{FF2B5EF4-FFF2-40B4-BE49-F238E27FC236}">
-                  <a16:creationId xmlns:a16="http://schemas.microsoft.com/office/drawing/2014/main" id="{A8AE295D-D236-75C5-AA29-B1E280754815}"/>
+                  <a16:creationId xmlns:a16="http://schemas.microsoft.com/office/drawing/2014/main" id="{DEA282D4-E039-0599-1F7C-04D0C66A6540}"/>
                 </a:ext>
               </a:extLst>
             </p:cNvPr>
@@ -5840,17 +5783,19 @@
           </p:nvSpPr>
           <p:spPr>
             <a:xfrm>
-              <a:off x="6367772" y="6685364"/>
-              <a:ext cx="493262" cy="493262"/>
+              <a:off x="360481" y="2901874"/>
+              <a:ext cx="182880" cy="182880"/>
             </a:xfrm>
-            <a:prstGeom prst="ellipse">
+            <a:prstGeom prst="roundRect">
               <a:avLst/>
             </a:prstGeom>
             <a:solidFill>
-              <a:srgbClr val="A6761D"/>
+              <a:srgbClr val="D95F02"/>
             </a:solidFill>
-            <a:ln>
-              <a:noFill/>
+            <a:ln w="19050">
+              <a:solidFill>
+                <a:schemeClr val="tx1"/>
+              </a:solidFill>
             </a:ln>
           </p:spPr>
           <p:style>
@@ -5874,22 +5819,19 @@
             <a:lstStyle/>
             <a:p>
               <a:pPr algn="ctr"/>
-              <a:r>
-                <a:rPr lang="en-US" sz="2400" b="1" dirty="0">
-                  <a:latin typeface="Arial" panose="020B0604020202020204" pitchFamily="34" charset="0"/>
-                  <a:cs typeface="Arial" panose="020B0604020202020204" pitchFamily="34" charset="0"/>
-                </a:rPr>
-                <a:t>F</a:t>
-              </a:r>
+              <a:endParaRPr lang="en-US" sz="1400">
+                <a:latin typeface="Arial" panose="020B0604020202020204" pitchFamily="34" charset="0"/>
+                <a:cs typeface="Arial" panose="020B0604020202020204" pitchFamily="34" charset="0"/>
+              </a:endParaRPr>
             </a:p>
           </p:txBody>
         </p:sp>
         <p:sp>
           <p:nvSpPr>
-            <p:cNvPr id="1274" name="Oval 1273">
+            <p:cNvPr id="1267" name="Rounded Rectangle 1266">
               <a:extLst>
                 <a:ext uri="{FF2B5EF4-FFF2-40B4-BE49-F238E27FC236}">
-                  <a16:creationId xmlns:a16="http://schemas.microsoft.com/office/drawing/2014/main" id="{49F9465B-8922-CA57-76C8-B4B29DE5C84D}"/>
+                  <a16:creationId xmlns:a16="http://schemas.microsoft.com/office/drawing/2014/main" id="{5F588940-17A0-0B82-C77B-B6BD7164CABE}"/>
                 </a:ext>
               </a:extLst>
             </p:cNvPr>
@@ -5898,17 +5840,19 @@
           </p:nvSpPr>
           <p:spPr>
             <a:xfrm>
-              <a:off x="11091982" y="6669222"/>
-              <a:ext cx="493262" cy="493262"/>
+              <a:off x="129946" y="3130051"/>
+              <a:ext cx="182880" cy="182880"/>
             </a:xfrm>
-            <a:prstGeom prst="ellipse">
+            <a:prstGeom prst="roundRect">
               <a:avLst/>
             </a:prstGeom>
             <a:solidFill>
-              <a:srgbClr val="A6761D"/>
+              <a:srgbClr val="7570B3"/>
             </a:solidFill>
-            <a:ln>
-              <a:noFill/>
+            <a:ln w="19050">
+              <a:solidFill>
+                <a:schemeClr val="tx1"/>
+              </a:solidFill>
             </a:ln>
           </p:spPr>
           <p:style>
@@ -5932,22 +5876,19 @@
             <a:lstStyle/>
             <a:p>
               <a:pPr algn="ctr"/>
-              <a:r>
-                <a:rPr lang="en-US" sz="2400" b="1" dirty="0">
-                  <a:latin typeface="Arial" panose="020B0604020202020204" pitchFamily="34" charset="0"/>
-                  <a:cs typeface="Arial" panose="020B0604020202020204" pitchFamily="34" charset="0"/>
-                </a:rPr>
-                <a:t>F</a:t>
-              </a:r>
+              <a:endParaRPr lang="en-US" sz="1400">
+                <a:latin typeface="Arial" panose="020B0604020202020204" pitchFamily="34" charset="0"/>
+                <a:cs typeface="Arial" panose="020B0604020202020204" pitchFamily="34" charset="0"/>
+              </a:endParaRPr>
             </a:p>
           </p:txBody>
         </p:sp>
         <p:sp>
           <p:nvSpPr>
-            <p:cNvPr id="1275" name="Oval 1274">
+            <p:cNvPr id="1268" name="Rounded Rectangle 1267">
               <a:extLst>
                 <a:ext uri="{FF2B5EF4-FFF2-40B4-BE49-F238E27FC236}">
-                  <a16:creationId xmlns:a16="http://schemas.microsoft.com/office/drawing/2014/main" id="{C25F6FEF-E4CD-D055-3816-AAF881A93FFD}"/>
+                  <a16:creationId xmlns:a16="http://schemas.microsoft.com/office/drawing/2014/main" id="{6C2A6CA3-6182-F1A3-7912-A6462CC181C8}"/>
                 </a:ext>
               </a:extLst>
             </p:cNvPr>
@@ -5956,17 +5897,19 @@
           </p:nvSpPr>
           <p:spPr>
             <a:xfrm>
-              <a:off x="6929062" y="6669222"/>
-              <a:ext cx="493262" cy="493262"/>
+              <a:off x="360481" y="3130047"/>
+              <a:ext cx="179366" cy="183187"/>
             </a:xfrm>
-            <a:prstGeom prst="ellipse">
+            <a:prstGeom prst="roundRect">
               <a:avLst/>
             </a:prstGeom>
             <a:solidFill>
-              <a:srgbClr val="E7298A"/>
+              <a:srgbClr val="E41A1C"/>
             </a:solidFill>
-            <a:ln>
-              <a:noFill/>
+            <a:ln w="19050">
+              <a:solidFill>
+                <a:schemeClr val="tx1"/>
+              </a:solidFill>
             </a:ln>
           </p:spPr>
           <p:style>
@@ -5990,22 +5933,745 @@
             <a:lstStyle/>
             <a:p>
               <a:pPr algn="ctr"/>
-              <a:r>
-                <a:rPr lang="en-US" sz="2400" b="1" dirty="0">
-                  <a:latin typeface="Arial" panose="020B0604020202020204" pitchFamily="34" charset="0"/>
-                  <a:cs typeface="Arial" panose="020B0604020202020204" pitchFamily="34" charset="0"/>
-                </a:rPr>
-                <a:t>P</a:t>
-              </a:r>
+              <a:endParaRPr lang="en-US" sz="1400">
+                <a:latin typeface="Arial" panose="020B0604020202020204" pitchFamily="34" charset="0"/>
+                <a:cs typeface="Arial" panose="020B0604020202020204" pitchFamily="34" charset="0"/>
+              </a:endParaRPr>
             </a:p>
           </p:txBody>
         </p:sp>
+      </p:grpSp>
+      <p:sp>
+        <p:nvSpPr>
+          <p:cNvPr id="1269" name="TextBox 1268">
+            <a:extLst>
+              <a:ext uri="{FF2B5EF4-FFF2-40B4-BE49-F238E27FC236}">
+                <a16:creationId xmlns:a16="http://schemas.microsoft.com/office/drawing/2014/main" id="{EEF27DFE-CB0C-522D-0693-00D4F781050B}"/>
+              </a:ext>
+            </a:extLst>
+          </p:cNvPr>
+          <p:cNvSpPr txBox="1"/>
+          <p:nvPr/>
+        </p:nvSpPr>
+        <p:spPr>
+          <a:xfrm>
+            <a:off x="12953971" y="1362332"/>
+            <a:ext cx="1255303" cy="338554"/>
+          </a:xfrm>
+          <a:prstGeom prst="rect">
+            <a:avLst/>
+          </a:prstGeom>
+          <a:noFill/>
+        </p:spPr>
+        <p:txBody>
+          <a:bodyPr wrap="square" rtlCol="0">
+            <a:spAutoFit/>
+          </a:bodyPr>
+          <a:lstStyle/>
+          <a:p>
+            <a:r>
+              <a:rPr lang="en-US" sz="1600" dirty="0">
+                <a:latin typeface="Arial" panose="020B0604020202020204" pitchFamily="34" charset="0"/>
+                <a:cs typeface="Arial" panose="020B0604020202020204" pitchFamily="34" charset="0"/>
+              </a:rPr>
+              <a:t>Treatment</a:t>
+            </a:r>
+          </a:p>
+        </p:txBody>
+      </p:sp>
+      <p:sp>
+        <p:nvSpPr>
+          <p:cNvPr id="1270" name="TextBox 1269">
+            <a:extLst>
+              <a:ext uri="{FF2B5EF4-FFF2-40B4-BE49-F238E27FC236}">
+                <a16:creationId xmlns:a16="http://schemas.microsoft.com/office/drawing/2014/main" id="{0A8FA942-28E1-9D72-7D44-42CB1EFE8D1F}"/>
+              </a:ext>
+            </a:extLst>
+          </p:cNvPr>
+          <p:cNvSpPr txBox="1"/>
+          <p:nvPr/>
+        </p:nvSpPr>
+        <p:spPr>
+          <a:xfrm>
+            <a:off x="12529408" y="2160344"/>
+            <a:ext cx="2836974" cy="892552"/>
+          </a:xfrm>
+          <a:prstGeom prst="rect">
+            <a:avLst/>
+          </a:prstGeom>
+          <a:noFill/>
+        </p:spPr>
+        <p:txBody>
+          <a:bodyPr wrap="square" rtlCol="0">
+            <a:spAutoFit/>
+          </a:bodyPr>
+          <a:lstStyle/>
+          <a:p>
+            <a:r>
+              <a:rPr lang="en-US" sz="2000" b="1" dirty="0">
+                <a:latin typeface="Arial" panose="020B0604020202020204" pitchFamily="34" charset="0"/>
+                <a:cs typeface="Arial" panose="020B0604020202020204" pitchFamily="34" charset="0"/>
+              </a:rPr>
+              <a:t>n</a:t>
+            </a:r>
+            <a:r>
+              <a:rPr lang="en-US" sz="2000" b="1" baseline="-25000" dirty="0">
+                <a:latin typeface="Arial" panose="020B0604020202020204" pitchFamily="34" charset="0"/>
+                <a:cs typeface="Arial" panose="020B0604020202020204" pitchFamily="34" charset="0"/>
+              </a:rPr>
+              <a:t>m</a:t>
+            </a:r>
+            <a:r>
+              <a:rPr lang="en-US" sz="1600" dirty="0">
+                <a:latin typeface="Arial" panose="020B0604020202020204" pitchFamily="34" charset="0"/>
+                <a:cs typeface="Arial" panose="020B0604020202020204" pitchFamily="34" charset="0"/>
+              </a:rPr>
+              <a:t> = # fish / treatment </a:t>
+            </a:r>
+          </a:p>
+          <a:p>
+            <a:r>
+              <a:rPr lang="en-US" sz="1600" dirty="0">
+                <a:latin typeface="Arial" panose="020B0604020202020204" pitchFamily="34" charset="0"/>
+                <a:cs typeface="Arial" panose="020B0604020202020204" pitchFamily="34" charset="0"/>
+              </a:rPr>
+              <a:t>         randomly sampled for </a:t>
+            </a:r>
+          </a:p>
+          <a:p>
+            <a:r>
+              <a:rPr lang="en-US" sz="1600" dirty="0">
+                <a:latin typeface="Arial" panose="020B0604020202020204" pitchFamily="34" charset="0"/>
+                <a:cs typeface="Arial" panose="020B0604020202020204" pitchFamily="34" charset="0"/>
+              </a:rPr>
+              <a:t>         microbiome analysis</a:t>
+            </a:r>
+          </a:p>
+        </p:txBody>
+      </p:sp>
+      <p:sp>
+        <p:nvSpPr>
+          <p:cNvPr id="1273" name="Oval 1272">
+            <a:extLst>
+              <a:ext uri="{FF2B5EF4-FFF2-40B4-BE49-F238E27FC236}">
+                <a16:creationId xmlns:a16="http://schemas.microsoft.com/office/drawing/2014/main" id="{A8AE295D-D236-75C5-AA29-B1E280754815}"/>
+              </a:ext>
+            </a:extLst>
+          </p:cNvPr>
+          <p:cNvSpPr/>
+          <p:nvPr/>
+        </p:nvSpPr>
+        <p:spPr>
+          <a:xfrm>
+            <a:off x="5760961" y="6302586"/>
+            <a:ext cx="493262" cy="493262"/>
+          </a:xfrm>
+          <a:prstGeom prst="ellipse">
+            <a:avLst/>
+          </a:prstGeom>
+          <a:solidFill>
+            <a:srgbClr val="A6761D"/>
+          </a:solidFill>
+          <a:ln>
+            <a:noFill/>
+          </a:ln>
+        </p:spPr>
+        <p:style>
+          <a:lnRef idx="2">
+            <a:schemeClr val="accent1">
+              <a:shade val="50000"/>
+            </a:schemeClr>
+          </a:lnRef>
+          <a:fillRef idx="1">
+            <a:schemeClr val="accent1"/>
+          </a:fillRef>
+          <a:effectRef idx="0">
+            <a:schemeClr val="accent1"/>
+          </a:effectRef>
+          <a:fontRef idx="minor">
+            <a:schemeClr val="lt1"/>
+          </a:fontRef>
+        </p:style>
+        <p:txBody>
+          <a:bodyPr rtlCol="0" anchor="ctr"/>
+          <a:lstStyle/>
+          <a:p>
+            <a:pPr algn="ctr"/>
+            <a:r>
+              <a:rPr lang="en-US" sz="2400" b="1" dirty="0">
+                <a:latin typeface="Arial" panose="020B0604020202020204" pitchFamily="34" charset="0"/>
+                <a:cs typeface="Arial" panose="020B0604020202020204" pitchFamily="34" charset="0"/>
+              </a:rPr>
+              <a:t>F</a:t>
+            </a:r>
+          </a:p>
+        </p:txBody>
+      </p:sp>
+      <p:sp>
+        <p:nvSpPr>
+          <p:cNvPr id="1275" name="Oval 1274">
+            <a:extLst>
+              <a:ext uri="{FF2B5EF4-FFF2-40B4-BE49-F238E27FC236}">
+                <a16:creationId xmlns:a16="http://schemas.microsoft.com/office/drawing/2014/main" id="{C25F6FEF-E4CD-D055-3816-AAF881A93FFD}"/>
+              </a:ext>
+            </a:extLst>
+          </p:cNvPr>
+          <p:cNvSpPr/>
+          <p:nvPr/>
+        </p:nvSpPr>
+        <p:spPr>
+          <a:xfrm>
+            <a:off x="6322251" y="6302586"/>
+            <a:ext cx="493262" cy="493262"/>
+          </a:xfrm>
+          <a:prstGeom prst="ellipse">
+            <a:avLst/>
+          </a:prstGeom>
+          <a:solidFill>
+            <a:srgbClr val="E7298A"/>
+          </a:solidFill>
+          <a:ln>
+            <a:noFill/>
+          </a:ln>
+        </p:spPr>
+        <p:style>
+          <a:lnRef idx="2">
+            <a:schemeClr val="accent1">
+              <a:shade val="50000"/>
+            </a:schemeClr>
+          </a:lnRef>
+          <a:fillRef idx="1">
+            <a:schemeClr val="accent1"/>
+          </a:fillRef>
+          <a:effectRef idx="0">
+            <a:schemeClr val="accent1"/>
+          </a:effectRef>
+          <a:fontRef idx="minor">
+            <a:schemeClr val="lt1"/>
+          </a:fontRef>
+        </p:style>
+        <p:txBody>
+          <a:bodyPr rtlCol="0" anchor="ctr"/>
+          <a:lstStyle/>
+          <a:p>
+            <a:pPr algn="ctr"/>
+            <a:r>
+              <a:rPr lang="en-US" sz="2400" b="1" dirty="0">
+                <a:latin typeface="Arial" panose="020B0604020202020204" pitchFamily="34" charset="0"/>
+                <a:cs typeface="Arial" panose="020B0604020202020204" pitchFamily="34" charset="0"/>
+              </a:rPr>
+              <a:t>B</a:t>
+            </a:r>
+          </a:p>
+        </p:txBody>
+      </p:sp>
+      <p:cxnSp>
+        <p:nvCxnSpPr>
+          <p:cNvPr id="236" name="Straight Connector 235">
+            <a:extLst>
+              <a:ext uri="{FF2B5EF4-FFF2-40B4-BE49-F238E27FC236}">
+                <a16:creationId xmlns:a16="http://schemas.microsoft.com/office/drawing/2014/main" id="{D8768F93-9031-CD26-0848-C03C9FC8C2C7}"/>
+              </a:ext>
+            </a:extLst>
+          </p:cNvPr>
+          <p:cNvCxnSpPr>
+            <a:cxnSpLocks/>
+          </p:cNvCxnSpPr>
+          <p:nvPr/>
+        </p:nvCxnSpPr>
+        <p:spPr>
+          <a:xfrm>
+            <a:off x="11719058" y="800276"/>
+            <a:ext cx="0" cy="5029200"/>
+          </a:xfrm>
+          <a:prstGeom prst="line">
+            <a:avLst/>
+          </a:prstGeom>
+          <a:ln w="76200">
+            <a:solidFill>
+              <a:schemeClr val="bg1">
+                <a:lumMod val="65000"/>
+              </a:schemeClr>
+            </a:solidFill>
+            <a:prstDash val="dash"/>
+          </a:ln>
+        </p:spPr>
+        <p:style>
+          <a:lnRef idx="1">
+            <a:schemeClr val="accent1"/>
+          </a:lnRef>
+          <a:fillRef idx="0">
+            <a:schemeClr val="accent1"/>
+          </a:fillRef>
+          <a:effectRef idx="0">
+            <a:schemeClr val="accent1"/>
+          </a:effectRef>
+          <a:fontRef idx="minor">
+            <a:schemeClr val="tx1"/>
+          </a:fontRef>
+        </p:style>
+      </p:cxnSp>
+      <p:sp>
+        <p:nvSpPr>
+          <p:cNvPr id="304" name="Oval 303">
+            <a:extLst>
+              <a:ext uri="{FF2B5EF4-FFF2-40B4-BE49-F238E27FC236}">
+                <a16:creationId xmlns:a16="http://schemas.microsoft.com/office/drawing/2014/main" id="{58106683-8AD5-C02D-3E8E-8C7C031B202A}"/>
+              </a:ext>
+            </a:extLst>
+          </p:cNvPr>
+          <p:cNvSpPr/>
+          <p:nvPr/>
+        </p:nvSpPr>
+        <p:spPr>
+          <a:xfrm>
+            <a:off x="11535977" y="483196"/>
+            <a:ext cx="384995" cy="384995"/>
+          </a:xfrm>
+          <a:prstGeom prst="ellipse">
+            <a:avLst/>
+          </a:prstGeom>
+          <a:solidFill>
+            <a:schemeClr val="bg1"/>
+          </a:solidFill>
+          <a:ln w="25400">
+            <a:solidFill>
+              <a:schemeClr val="tx1">
+                <a:lumMod val="85000"/>
+                <a:lumOff val="15000"/>
+              </a:schemeClr>
+            </a:solidFill>
+          </a:ln>
+        </p:spPr>
+        <p:style>
+          <a:lnRef idx="2">
+            <a:schemeClr val="accent1">
+              <a:shade val="50000"/>
+            </a:schemeClr>
+          </a:lnRef>
+          <a:fillRef idx="1">
+            <a:schemeClr val="accent1"/>
+          </a:fillRef>
+          <a:effectRef idx="0">
+            <a:schemeClr val="accent1"/>
+          </a:effectRef>
+          <a:fontRef idx="minor">
+            <a:schemeClr val="lt1"/>
+          </a:fontRef>
+        </p:style>
+        <p:txBody>
+          <a:bodyPr rtlCol="0" anchor="ctr"/>
+          <a:lstStyle/>
+          <a:p>
+            <a:pPr algn="ctr"/>
+            <a:r>
+              <a:rPr lang="en-US" sz="2400" b="1" dirty="0">
+                <a:solidFill>
+                  <a:schemeClr val="tx1"/>
+                </a:solidFill>
+                <a:latin typeface="Arial" panose="020B0604020202020204" pitchFamily="34" charset="0"/>
+                <a:cs typeface="Arial" panose="020B0604020202020204" pitchFamily="34" charset="0"/>
+              </a:rPr>
+              <a:t>5</a:t>
+            </a:r>
+          </a:p>
+        </p:txBody>
+      </p:sp>
+      <p:sp>
+        <p:nvSpPr>
+          <p:cNvPr id="1059" name="Rounded Rectangle 1058">
+            <a:extLst>
+              <a:ext uri="{FF2B5EF4-FFF2-40B4-BE49-F238E27FC236}">
+                <a16:creationId xmlns:a16="http://schemas.microsoft.com/office/drawing/2014/main" id="{AD3336FC-EA1C-51CF-768A-FD78DBD95A18}"/>
+              </a:ext>
+            </a:extLst>
+          </p:cNvPr>
+          <p:cNvSpPr/>
+          <p:nvPr/>
+        </p:nvSpPr>
+        <p:spPr>
+          <a:xfrm>
+            <a:off x="11292338" y="5748921"/>
+            <a:ext cx="777240" cy="457200"/>
+          </a:xfrm>
+          <a:prstGeom prst="roundRect">
+            <a:avLst/>
+          </a:prstGeom>
+          <a:solidFill>
+            <a:schemeClr val="bg1">
+              <a:lumMod val="95000"/>
+            </a:schemeClr>
+          </a:solidFill>
+          <a:ln w="19050">
+            <a:solidFill>
+              <a:schemeClr val="tx1">
+                <a:lumMod val="65000"/>
+                <a:lumOff val="35000"/>
+              </a:schemeClr>
+            </a:solidFill>
+          </a:ln>
+        </p:spPr>
+        <p:style>
+          <a:lnRef idx="2">
+            <a:schemeClr val="accent1">
+              <a:shade val="50000"/>
+            </a:schemeClr>
+          </a:lnRef>
+          <a:fillRef idx="1">
+            <a:schemeClr val="accent1"/>
+          </a:fillRef>
+          <a:effectRef idx="0">
+            <a:schemeClr val="accent1"/>
+          </a:effectRef>
+          <a:fontRef idx="minor">
+            <a:schemeClr val="lt1"/>
+          </a:fontRef>
+        </p:style>
+        <p:txBody>
+          <a:bodyPr rtlCol="0" anchor="ctr"/>
+          <a:lstStyle/>
+          <a:p>
+            <a:pPr algn="ctr"/>
+            <a:r>
+              <a:rPr lang="en-US" b="1" dirty="0">
+                <a:solidFill>
+                  <a:sysClr val="windowText" lastClr="000000"/>
+                </a:solidFill>
+                <a:latin typeface="Arial" panose="020B0604020202020204" pitchFamily="34" charset="0"/>
+                <a:cs typeface="Arial" panose="020B0604020202020204" pitchFamily="34" charset="0"/>
+              </a:rPr>
+              <a:t>214</a:t>
+            </a:r>
+            <a:endParaRPr lang="en-US" b="1" baseline="-25000" dirty="0">
+              <a:solidFill>
+                <a:sysClr val="windowText" lastClr="000000"/>
+              </a:solidFill>
+              <a:latin typeface="Arial" panose="020B0604020202020204" pitchFamily="34" charset="0"/>
+              <a:cs typeface="Arial" panose="020B0604020202020204" pitchFamily="34" charset="0"/>
+            </a:endParaRPr>
+          </a:p>
+        </p:txBody>
+      </p:sp>
+      <p:sp>
+        <p:nvSpPr>
+          <p:cNvPr id="1274" name="Oval 1273">
+            <a:extLst>
+              <a:ext uri="{FF2B5EF4-FFF2-40B4-BE49-F238E27FC236}">
+                <a16:creationId xmlns:a16="http://schemas.microsoft.com/office/drawing/2014/main" id="{49F9465B-8922-CA57-76C8-B4B29DE5C84D}"/>
+              </a:ext>
+            </a:extLst>
+          </p:cNvPr>
+          <p:cNvSpPr/>
+          <p:nvPr/>
+        </p:nvSpPr>
+        <p:spPr>
+          <a:xfrm>
+            <a:off x="11198847" y="6302586"/>
+            <a:ext cx="493262" cy="493262"/>
+          </a:xfrm>
+          <a:prstGeom prst="ellipse">
+            <a:avLst/>
+          </a:prstGeom>
+          <a:solidFill>
+            <a:srgbClr val="A6761D"/>
+          </a:solidFill>
+          <a:ln>
+            <a:noFill/>
+          </a:ln>
+        </p:spPr>
+        <p:style>
+          <a:lnRef idx="2">
+            <a:schemeClr val="accent1">
+              <a:shade val="50000"/>
+            </a:schemeClr>
+          </a:lnRef>
+          <a:fillRef idx="1">
+            <a:schemeClr val="accent1"/>
+          </a:fillRef>
+          <a:effectRef idx="0">
+            <a:schemeClr val="accent1"/>
+          </a:effectRef>
+          <a:fontRef idx="minor">
+            <a:schemeClr val="lt1"/>
+          </a:fontRef>
+        </p:style>
+        <p:txBody>
+          <a:bodyPr rtlCol="0" anchor="ctr"/>
+          <a:lstStyle/>
+          <a:p>
+            <a:pPr algn="ctr"/>
+            <a:r>
+              <a:rPr lang="en-US" sz="2400" b="1" dirty="0">
+                <a:latin typeface="Arial" panose="020B0604020202020204" pitchFamily="34" charset="0"/>
+                <a:cs typeface="Arial" panose="020B0604020202020204" pitchFamily="34" charset="0"/>
+              </a:rPr>
+              <a:t>F</a:t>
+            </a:r>
+          </a:p>
+        </p:txBody>
+      </p:sp>
+      <p:sp>
+        <p:nvSpPr>
+          <p:cNvPr id="1276" name="Oval 1275">
+            <a:extLst>
+              <a:ext uri="{FF2B5EF4-FFF2-40B4-BE49-F238E27FC236}">
+                <a16:creationId xmlns:a16="http://schemas.microsoft.com/office/drawing/2014/main" id="{D83AF912-5C4B-7C5F-B5A1-25266948FE51}"/>
+              </a:ext>
+            </a:extLst>
+          </p:cNvPr>
+          <p:cNvSpPr/>
+          <p:nvPr/>
+        </p:nvSpPr>
+        <p:spPr>
+          <a:xfrm>
+            <a:off x="11781997" y="6302586"/>
+            <a:ext cx="493262" cy="493262"/>
+          </a:xfrm>
+          <a:prstGeom prst="ellipse">
+            <a:avLst/>
+          </a:prstGeom>
+          <a:solidFill>
+            <a:srgbClr val="E7298A"/>
+          </a:solidFill>
+          <a:ln>
+            <a:noFill/>
+          </a:ln>
+        </p:spPr>
+        <p:style>
+          <a:lnRef idx="2">
+            <a:schemeClr val="accent1">
+              <a:shade val="50000"/>
+            </a:schemeClr>
+          </a:lnRef>
+          <a:fillRef idx="1">
+            <a:schemeClr val="accent1"/>
+          </a:fillRef>
+          <a:effectRef idx="0">
+            <a:schemeClr val="accent1"/>
+          </a:effectRef>
+          <a:fontRef idx="minor">
+            <a:schemeClr val="lt1"/>
+          </a:fontRef>
+        </p:style>
+        <p:txBody>
+          <a:bodyPr rtlCol="0" anchor="ctr"/>
+          <a:lstStyle/>
+          <a:p>
+            <a:pPr algn="ctr"/>
+            <a:r>
+              <a:rPr lang="en-US" sz="2400" b="1" dirty="0">
+                <a:latin typeface="Arial" panose="020B0604020202020204" pitchFamily="34" charset="0"/>
+                <a:cs typeface="Arial" panose="020B0604020202020204" pitchFamily="34" charset="0"/>
+              </a:rPr>
+              <a:t>B</a:t>
+            </a:r>
+          </a:p>
+        </p:txBody>
+      </p:sp>
+      <p:sp>
+        <p:nvSpPr>
+          <p:cNvPr id="1279" name="Oval 1278">
+            <a:extLst>
+              <a:ext uri="{FF2B5EF4-FFF2-40B4-BE49-F238E27FC236}">
+                <a16:creationId xmlns:a16="http://schemas.microsoft.com/office/drawing/2014/main" id="{6EC4B9CA-D940-4591-C772-CA30A1021D67}"/>
+              </a:ext>
+            </a:extLst>
+          </p:cNvPr>
+          <p:cNvSpPr/>
+          <p:nvPr/>
+        </p:nvSpPr>
+        <p:spPr>
+          <a:xfrm>
+            <a:off x="11198847" y="6874281"/>
+            <a:ext cx="493262" cy="493262"/>
+          </a:xfrm>
+          <a:prstGeom prst="ellipse">
+            <a:avLst/>
+          </a:prstGeom>
+          <a:solidFill>
+            <a:srgbClr val="E6AB02"/>
+          </a:solidFill>
+          <a:ln>
+            <a:noFill/>
+          </a:ln>
+        </p:spPr>
+        <p:style>
+          <a:lnRef idx="2">
+            <a:schemeClr val="accent1">
+              <a:shade val="50000"/>
+            </a:schemeClr>
+          </a:lnRef>
+          <a:fillRef idx="1">
+            <a:schemeClr val="accent1"/>
+          </a:fillRef>
+          <a:effectRef idx="0">
+            <a:schemeClr val="accent1"/>
+          </a:effectRef>
+          <a:fontRef idx="minor">
+            <a:schemeClr val="lt1"/>
+          </a:fontRef>
+        </p:style>
+        <p:txBody>
+          <a:bodyPr rtlCol="0" anchor="ctr"/>
+          <a:lstStyle/>
+          <a:p>
+            <a:pPr algn="ctr"/>
+            <a:r>
+              <a:rPr lang="en-US" sz="2400" b="1" dirty="0">
+                <a:latin typeface="Arial" panose="020B0604020202020204" pitchFamily="34" charset="0"/>
+                <a:cs typeface="Arial" panose="020B0604020202020204" pitchFamily="34" charset="0"/>
+              </a:rPr>
+              <a:t>H</a:t>
+            </a:r>
+          </a:p>
+        </p:txBody>
+      </p:sp>
+      <p:sp>
+        <p:nvSpPr>
+          <p:cNvPr id="1280" name="Diamond 1279">
+            <a:extLst>
+              <a:ext uri="{FF2B5EF4-FFF2-40B4-BE49-F238E27FC236}">
+                <a16:creationId xmlns:a16="http://schemas.microsoft.com/office/drawing/2014/main" id="{5FEA2E3A-C9C8-9F65-B9E6-46AA53741267}"/>
+              </a:ext>
+            </a:extLst>
+          </p:cNvPr>
+          <p:cNvSpPr/>
+          <p:nvPr/>
+        </p:nvSpPr>
+        <p:spPr>
+          <a:xfrm>
+            <a:off x="5760960" y="6874281"/>
+            <a:ext cx="493262" cy="493262"/>
+          </a:xfrm>
+          <a:prstGeom prst="diamond">
+            <a:avLst/>
+          </a:prstGeom>
+          <a:solidFill>
+            <a:srgbClr val="FF7F00"/>
+          </a:solidFill>
+          <a:ln>
+            <a:solidFill>
+              <a:srgbClr val="FF7F00"/>
+            </a:solidFill>
+          </a:ln>
+        </p:spPr>
+        <p:style>
+          <a:lnRef idx="2">
+            <a:schemeClr val="accent1">
+              <a:shade val="50000"/>
+            </a:schemeClr>
+          </a:lnRef>
+          <a:fillRef idx="1">
+            <a:schemeClr val="accent1"/>
+          </a:fillRef>
+          <a:effectRef idx="0">
+            <a:schemeClr val="accent1"/>
+          </a:effectRef>
+          <a:fontRef idx="minor">
+            <a:schemeClr val="lt1"/>
+          </a:fontRef>
+        </p:style>
+        <p:txBody>
+          <a:bodyPr rtlCol="0" anchor="ctr"/>
+          <a:lstStyle/>
+          <a:p>
+            <a:pPr algn="ctr"/>
+            <a:r>
+              <a:rPr lang="en-US" sz="2400" b="1" dirty="0">
+                <a:latin typeface="Arial" panose="020B0604020202020204" pitchFamily="34" charset="0"/>
+                <a:cs typeface="Arial" panose="020B0604020202020204" pitchFamily="34" charset="0"/>
+              </a:rPr>
+              <a:t>D</a:t>
+            </a:r>
+          </a:p>
+        </p:txBody>
+      </p:sp>
+      <p:sp>
+        <p:nvSpPr>
+          <p:cNvPr id="1282" name="Diamond 1281">
+            <a:extLst>
+              <a:ext uri="{FF2B5EF4-FFF2-40B4-BE49-F238E27FC236}">
+                <a16:creationId xmlns:a16="http://schemas.microsoft.com/office/drawing/2014/main" id="{3490774A-E545-EFE8-7FBB-CCFC347D1679}"/>
+              </a:ext>
+            </a:extLst>
+          </p:cNvPr>
+          <p:cNvSpPr/>
+          <p:nvPr/>
+        </p:nvSpPr>
+        <p:spPr>
+          <a:xfrm>
+            <a:off x="3955115" y="6302586"/>
+            <a:ext cx="493262" cy="493262"/>
+          </a:xfrm>
+          <a:prstGeom prst="diamond">
+            <a:avLst/>
+          </a:prstGeom>
+          <a:solidFill>
+            <a:srgbClr val="FF7F00"/>
+          </a:solidFill>
+          <a:ln>
+            <a:solidFill>
+              <a:srgbClr val="FF7F00"/>
+            </a:solidFill>
+          </a:ln>
+        </p:spPr>
+        <p:style>
+          <a:lnRef idx="2">
+            <a:schemeClr val="accent1">
+              <a:shade val="50000"/>
+            </a:schemeClr>
+          </a:lnRef>
+          <a:fillRef idx="1">
+            <a:schemeClr val="accent1"/>
+          </a:fillRef>
+          <a:effectRef idx="0">
+            <a:schemeClr val="accent1"/>
+          </a:effectRef>
+          <a:fontRef idx="minor">
+            <a:schemeClr val="lt1"/>
+          </a:fontRef>
+        </p:style>
+        <p:txBody>
+          <a:bodyPr rtlCol="0" anchor="ctr"/>
+          <a:lstStyle/>
+          <a:p>
+            <a:pPr algn="ctr"/>
+            <a:r>
+              <a:rPr lang="en-US" sz="2400" b="1" dirty="0">
+                <a:latin typeface="Arial" panose="020B0604020202020204" pitchFamily="34" charset="0"/>
+                <a:cs typeface="Arial" panose="020B0604020202020204" pitchFamily="34" charset="0"/>
+              </a:rPr>
+              <a:t>D</a:t>
+            </a:r>
+          </a:p>
+        </p:txBody>
+      </p:sp>
+      <p:grpSp>
+        <p:nvGrpSpPr>
+          <p:cNvPr id="1301" name="Group 1300">
+            <a:extLst>
+              <a:ext uri="{FF2B5EF4-FFF2-40B4-BE49-F238E27FC236}">
+                <a16:creationId xmlns:a16="http://schemas.microsoft.com/office/drawing/2014/main" id="{A76443AA-0197-C3C7-D4BB-708D4F79079E}"/>
+              </a:ext>
+            </a:extLst>
+          </p:cNvPr>
+          <p:cNvGrpSpPr/>
+          <p:nvPr/>
+        </p:nvGrpSpPr>
+        <p:grpSpPr>
+          <a:xfrm>
+            <a:off x="12573100" y="4880070"/>
+            <a:ext cx="2064338" cy="584775"/>
+            <a:chOff x="12413443" y="4876442"/>
+            <a:chExt cx="2064338" cy="584775"/>
+          </a:xfrm>
+        </p:grpSpPr>
         <p:sp>
           <p:nvSpPr>
-            <p:cNvPr id="1276" name="Oval 1275">
+            <p:cNvPr id="1284" name="Diamond 1283">
               <a:extLst>
                 <a:ext uri="{FF2B5EF4-FFF2-40B4-BE49-F238E27FC236}">
-                  <a16:creationId xmlns:a16="http://schemas.microsoft.com/office/drawing/2014/main" id="{D83AF912-5C4B-7C5F-B5A1-25266948FE51}"/>
+                  <a16:creationId xmlns:a16="http://schemas.microsoft.com/office/drawing/2014/main" id="{E1482359-1186-6B5C-82CB-27E7CADF3E36}"/>
                 </a:ext>
               </a:extLst>
             </p:cNvPr>
@@ -6014,163 +6680,8 @@
           </p:nvSpPr>
           <p:spPr>
             <a:xfrm>
-              <a:off x="11675132" y="6649441"/>
-              <a:ext cx="493262" cy="493262"/>
-            </a:xfrm>
-            <a:prstGeom prst="ellipse">
-              <a:avLst/>
-            </a:prstGeom>
-            <a:solidFill>
-              <a:srgbClr val="E7298A"/>
-            </a:solidFill>
-            <a:ln>
-              <a:noFill/>
-            </a:ln>
-          </p:spPr>
-          <p:style>
-            <a:lnRef idx="2">
-              <a:schemeClr val="accent1">
-                <a:shade val="50000"/>
-              </a:schemeClr>
-            </a:lnRef>
-            <a:fillRef idx="1">
-              <a:schemeClr val="accent1"/>
-            </a:fillRef>
-            <a:effectRef idx="0">
-              <a:schemeClr val="accent1"/>
-            </a:effectRef>
-            <a:fontRef idx="minor">
-              <a:schemeClr val="lt1"/>
-            </a:fontRef>
-          </p:style>
-          <p:txBody>
-            <a:bodyPr rtlCol="0" anchor="ctr"/>
-            <a:lstStyle/>
-            <a:p>
-              <a:pPr algn="ctr"/>
-              <a:r>
-                <a:rPr lang="en-US" sz="2400" b="1" dirty="0">
-                  <a:latin typeface="Arial" panose="020B0604020202020204" pitchFamily="34" charset="0"/>
-                  <a:cs typeface="Arial" panose="020B0604020202020204" pitchFamily="34" charset="0"/>
-                </a:rPr>
-                <a:t>P</a:t>
-              </a:r>
-            </a:p>
-          </p:txBody>
-        </p:sp>
-        <p:sp>
-          <p:nvSpPr>
-            <p:cNvPr id="1277" name="TextBox 1276">
-              <a:extLst>
-                <a:ext uri="{FF2B5EF4-FFF2-40B4-BE49-F238E27FC236}">
-                  <a16:creationId xmlns:a16="http://schemas.microsoft.com/office/drawing/2014/main" id="{F8E06E63-761B-DDAC-DC25-24F52E7DC885}"/>
-                </a:ext>
-              </a:extLst>
-            </p:cNvPr>
-            <p:cNvSpPr txBox="1"/>
-            <p:nvPr/>
-          </p:nvSpPr>
-          <p:spPr>
-            <a:xfrm>
-              <a:off x="11091983" y="6207901"/>
-              <a:ext cx="1076412" cy="461665"/>
-            </a:xfrm>
-            <a:prstGeom prst="rect">
-              <a:avLst/>
-            </a:prstGeom>
-            <a:noFill/>
-          </p:spPr>
-          <p:txBody>
-            <a:bodyPr wrap="square" rtlCol="0" anchor="ctr">
-              <a:spAutoFit/>
-            </a:bodyPr>
-            <a:lstStyle/>
-            <a:p>
-              <a:pPr algn="ctr"/>
-              <a:r>
-                <a:rPr lang="en-US" sz="2400" b="1" dirty="0">
-                  <a:latin typeface="Arial" panose="020B0604020202020204" pitchFamily="34" charset="0"/>
-                  <a:cs typeface="Arial" panose="020B0604020202020204" pitchFamily="34" charset="0"/>
-                </a:rPr>
-                <a:t>n = 87</a:t>
-              </a:r>
-            </a:p>
-          </p:txBody>
-        </p:sp>
-        <p:sp>
-          <p:nvSpPr>
-            <p:cNvPr id="1279" name="Oval 1278">
-              <a:extLst>
-                <a:ext uri="{FF2B5EF4-FFF2-40B4-BE49-F238E27FC236}">
-                  <a16:creationId xmlns:a16="http://schemas.microsoft.com/office/drawing/2014/main" id="{6EC4B9CA-D940-4591-C772-CA30A1021D67}"/>
-                </a:ext>
-              </a:extLst>
-            </p:cNvPr>
-            <p:cNvSpPr/>
-            <p:nvPr/>
-          </p:nvSpPr>
-          <p:spPr>
-            <a:xfrm>
-              <a:off x="11091982" y="7227760"/>
-              <a:ext cx="493262" cy="493262"/>
-            </a:xfrm>
-            <a:prstGeom prst="ellipse">
-              <a:avLst/>
-            </a:prstGeom>
-            <a:solidFill>
-              <a:srgbClr val="E6AB02"/>
-            </a:solidFill>
-            <a:ln>
-              <a:noFill/>
-            </a:ln>
-          </p:spPr>
-          <p:style>
-            <a:lnRef idx="2">
-              <a:schemeClr val="accent1">
-                <a:shade val="50000"/>
-              </a:schemeClr>
-            </a:lnRef>
-            <a:fillRef idx="1">
-              <a:schemeClr val="accent1"/>
-            </a:fillRef>
-            <a:effectRef idx="0">
-              <a:schemeClr val="accent1"/>
-            </a:effectRef>
-            <a:fontRef idx="minor">
-              <a:schemeClr val="lt1"/>
-            </a:fontRef>
-          </p:style>
-          <p:txBody>
-            <a:bodyPr rtlCol="0" anchor="ctr"/>
-            <a:lstStyle/>
-            <a:p>
-              <a:pPr algn="ctr"/>
-              <a:r>
-                <a:rPr lang="en-US" sz="2400" b="1" dirty="0">
-                  <a:latin typeface="Arial" panose="020B0604020202020204" pitchFamily="34" charset="0"/>
-                  <a:cs typeface="Arial" panose="020B0604020202020204" pitchFamily="34" charset="0"/>
-                </a:rPr>
-                <a:t>H</a:t>
-              </a:r>
-            </a:p>
-          </p:txBody>
-        </p:sp>
-        <p:sp>
-          <p:nvSpPr>
-            <p:cNvPr id="1280" name="Diamond 1279">
-              <a:extLst>
-                <a:ext uri="{FF2B5EF4-FFF2-40B4-BE49-F238E27FC236}">
-                  <a16:creationId xmlns:a16="http://schemas.microsoft.com/office/drawing/2014/main" id="{5FEA2E3A-C9C8-9F65-B9E6-46AA53741267}"/>
-                </a:ext>
-              </a:extLst>
-            </p:cNvPr>
-            <p:cNvSpPr/>
-            <p:nvPr/>
-          </p:nvSpPr>
-          <p:spPr>
-            <a:xfrm>
-              <a:off x="6367771" y="7256038"/>
-              <a:ext cx="493262" cy="493262"/>
+              <a:off x="12413443" y="4974298"/>
+              <a:ext cx="389062" cy="389062"/>
             </a:xfrm>
             <a:prstGeom prst="diamond">
               <a:avLst/>
@@ -6206,7 +6717,7 @@
             <a:p>
               <a:pPr algn="ctr"/>
               <a:r>
-                <a:rPr lang="en-US" sz="2400" b="1" dirty="0">
+                <a:rPr lang="en-US" sz="1600" b="1" dirty="0">
                   <a:latin typeface="Arial" panose="020B0604020202020204" pitchFamily="34" charset="0"/>
                   <a:cs typeface="Arial" panose="020B0604020202020204" pitchFamily="34" charset="0"/>
                 </a:rPr>
@@ -6217,10 +6728,303 @@
         </p:sp>
         <p:sp>
           <p:nvSpPr>
-            <p:cNvPr id="1282" name="Diamond 1281">
+            <p:cNvPr id="1285" name="TextBox 1284">
               <a:extLst>
                 <a:ext uri="{FF2B5EF4-FFF2-40B4-BE49-F238E27FC236}">
-                  <a16:creationId xmlns:a16="http://schemas.microsoft.com/office/drawing/2014/main" id="{3490774A-E545-EFE8-7FBB-CCFC347D1679}"/>
+                  <a16:creationId xmlns:a16="http://schemas.microsoft.com/office/drawing/2014/main" id="{4C30A174-B3E4-7614-FE8B-42ADFB049BBB}"/>
+                </a:ext>
+              </a:extLst>
+            </p:cNvPr>
+            <p:cNvSpPr txBox="1"/>
+            <p:nvPr/>
+          </p:nvSpPr>
+          <p:spPr>
+            <a:xfrm>
+              <a:off x="12833634" y="4876442"/>
+              <a:ext cx="1644147" cy="584775"/>
+            </a:xfrm>
+            <a:prstGeom prst="rect">
+              <a:avLst/>
+            </a:prstGeom>
+            <a:noFill/>
+          </p:spPr>
+          <p:txBody>
+            <a:bodyPr wrap="square" rtlCol="0">
+              <a:spAutoFit/>
+            </a:bodyPr>
+            <a:lstStyle/>
+            <a:p>
+              <a:r>
+                <a:rPr lang="en-US" sz="1600" dirty="0">
+                  <a:latin typeface="Arial" panose="020B0604020202020204" pitchFamily="34" charset="0"/>
+                  <a:cs typeface="Arial" panose="020B0604020202020204" pitchFamily="34" charset="0"/>
+                </a:rPr>
+                <a:t>Diet formulation change</a:t>
+              </a:r>
+            </a:p>
+          </p:txBody>
+        </p:sp>
+      </p:grpSp>
+      <p:sp>
+        <p:nvSpPr>
+          <p:cNvPr id="242" name="Rounded Rectangle 241">
+            <a:extLst>
+              <a:ext uri="{FF2B5EF4-FFF2-40B4-BE49-F238E27FC236}">
+                <a16:creationId xmlns:a16="http://schemas.microsoft.com/office/drawing/2014/main" id="{DF35E77A-CD04-84F2-3986-540EFF9F021B}"/>
+              </a:ext>
+            </a:extLst>
+          </p:cNvPr>
+          <p:cNvSpPr/>
+          <p:nvPr/>
+        </p:nvSpPr>
+        <p:spPr>
+          <a:xfrm>
+            <a:off x="1230073" y="2992098"/>
+            <a:ext cx="2575214" cy="1109850"/>
+          </a:xfrm>
+          <a:prstGeom prst="roundRect">
+            <a:avLst/>
+          </a:prstGeom>
+          <a:solidFill>
+            <a:schemeClr val="bg1"/>
+          </a:solidFill>
+          <a:ln w="19050">
+            <a:solidFill>
+              <a:schemeClr val="tx1"/>
+            </a:solidFill>
+          </a:ln>
+        </p:spPr>
+        <p:style>
+          <a:lnRef idx="2">
+            <a:schemeClr val="accent1">
+              <a:shade val="50000"/>
+            </a:schemeClr>
+          </a:lnRef>
+          <a:fillRef idx="1">
+            <a:schemeClr val="accent1"/>
+          </a:fillRef>
+          <a:effectRef idx="0">
+            <a:schemeClr val="accent1"/>
+          </a:effectRef>
+          <a:fontRef idx="minor">
+            <a:schemeClr val="lt1"/>
+          </a:fontRef>
+        </p:style>
+        <p:txBody>
+          <a:bodyPr rtlCol="0" anchor="ctr"/>
+          <a:lstStyle/>
+          <a:p>
+            <a:pPr algn="ctr"/>
+            <a:r>
+              <a:rPr lang="en-US" sz="2400" b="1" dirty="0">
+                <a:solidFill>
+                  <a:sysClr val="windowText" lastClr="000000"/>
+                </a:solidFill>
+                <a:latin typeface="Arial" panose="020B0604020202020204" pitchFamily="34" charset="0"/>
+                <a:cs typeface="Arial" panose="020B0604020202020204" pitchFamily="34" charset="0"/>
+              </a:rPr>
+              <a:t>Unassigned</a:t>
+            </a:r>
+          </a:p>
+          <a:p>
+            <a:pPr algn="ctr"/>
+            <a:r>
+              <a:rPr lang="en-US" sz="2000" dirty="0">
+                <a:solidFill>
+                  <a:sysClr val="windowText" lastClr="000000"/>
+                </a:solidFill>
+                <a:latin typeface="Arial" panose="020B0604020202020204" pitchFamily="34" charset="0"/>
+                <a:cs typeface="Arial" panose="020B0604020202020204" pitchFamily="34" charset="0"/>
+              </a:rPr>
+              <a:t>(</a:t>
+            </a:r>
+            <a:r>
+              <a:rPr lang="en-US" sz="2000" b="1" dirty="0" err="1">
+                <a:solidFill>
+                  <a:sysClr val="windowText" lastClr="000000"/>
+                </a:solidFill>
+                <a:latin typeface="Arial" panose="020B0604020202020204" pitchFamily="34" charset="0"/>
+                <a:cs typeface="Arial" panose="020B0604020202020204" pitchFamily="34" charset="0"/>
+              </a:rPr>
+              <a:t>n</a:t>
+            </a:r>
+            <a:r>
+              <a:rPr lang="en-US" sz="2000" b="1" baseline="-25000" dirty="0" err="1">
+                <a:solidFill>
+                  <a:sysClr val="windowText" lastClr="000000"/>
+                </a:solidFill>
+                <a:latin typeface="Arial" panose="020B0604020202020204" pitchFamily="34" charset="0"/>
+                <a:cs typeface="Arial" panose="020B0604020202020204" pitchFamily="34" charset="0"/>
+              </a:rPr>
+              <a:t>t</a:t>
+            </a:r>
+            <a:r>
+              <a:rPr lang="en-US" sz="2000" dirty="0">
+                <a:solidFill>
+                  <a:sysClr val="windowText" lastClr="000000"/>
+                </a:solidFill>
+                <a:latin typeface="Arial" panose="020B0604020202020204" pitchFamily="34" charset="0"/>
+                <a:cs typeface="Arial" panose="020B0604020202020204" pitchFamily="34" charset="0"/>
+              </a:rPr>
+              <a:t> = 270, </a:t>
+            </a:r>
+            <a:r>
+              <a:rPr lang="en-US" sz="2000" b="1" dirty="0">
+                <a:solidFill>
+                  <a:sysClr val="windowText" lastClr="000000"/>
+                </a:solidFill>
+                <a:latin typeface="Arial" panose="020B0604020202020204" pitchFamily="34" charset="0"/>
+                <a:cs typeface="Arial" panose="020B0604020202020204" pitchFamily="34" charset="0"/>
+              </a:rPr>
+              <a:t>n</a:t>
+            </a:r>
+            <a:r>
+              <a:rPr lang="en-US" sz="2000" b="1" baseline="-25000" dirty="0">
+                <a:solidFill>
+                  <a:sysClr val="windowText" lastClr="000000"/>
+                </a:solidFill>
+                <a:latin typeface="Arial" panose="020B0604020202020204" pitchFamily="34" charset="0"/>
+                <a:cs typeface="Arial" panose="020B0604020202020204" pitchFamily="34" charset="0"/>
+              </a:rPr>
+              <a:t>m</a:t>
+            </a:r>
+            <a:r>
+              <a:rPr lang="en-US" sz="2000" dirty="0">
+                <a:solidFill>
+                  <a:sysClr val="windowText" lastClr="000000"/>
+                </a:solidFill>
+                <a:latin typeface="Arial" panose="020B0604020202020204" pitchFamily="34" charset="0"/>
+                <a:cs typeface="Arial" panose="020B0604020202020204" pitchFamily="34" charset="0"/>
+              </a:rPr>
+              <a:t> = 179)</a:t>
+            </a:r>
+          </a:p>
+        </p:txBody>
+      </p:sp>
+      <p:cxnSp>
+        <p:nvCxnSpPr>
+          <p:cNvPr id="1289" name="Straight Connector 1288">
+            <a:extLst>
+              <a:ext uri="{FF2B5EF4-FFF2-40B4-BE49-F238E27FC236}">
+                <a16:creationId xmlns:a16="http://schemas.microsoft.com/office/drawing/2014/main" id="{1267CBA1-90AF-F621-5411-97AF4A86EE30}"/>
+              </a:ext>
+            </a:extLst>
+          </p:cNvPr>
+          <p:cNvCxnSpPr>
+            <a:cxnSpLocks/>
+            <a:stCxn id="292" idx="3"/>
+            <a:endCxn id="291" idx="1"/>
+          </p:cNvCxnSpPr>
+          <p:nvPr/>
+        </p:nvCxnSpPr>
+        <p:spPr>
+          <a:xfrm>
+            <a:off x="1267390" y="5977521"/>
+            <a:ext cx="2569372" cy="0"/>
+          </a:xfrm>
+          <a:prstGeom prst="line">
+            <a:avLst/>
+          </a:prstGeom>
+          <a:ln w="57150">
+            <a:solidFill>
+              <a:schemeClr val="bg1">
+                <a:lumMod val="50000"/>
+              </a:schemeClr>
+            </a:solidFill>
+            <a:prstDash val="solid"/>
+            <a:tailEnd type="triangle" w="lg" len="med"/>
+          </a:ln>
+        </p:spPr>
+        <p:style>
+          <a:lnRef idx="1">
+            <a:schemeClr val="accent1"/>
+          </a:lnRef>
+          <a:fillRef idx="0">
+            <a:schemeClr val="accent1"/>
+          </a:fillRef>
+          <a:effectRef idx="0">
+            <a:schemeClr val="accent1"/>
+          </a:effectRef>
+          <a:fontRef idx="minor">
+            <a:schemeClr val="tx1"/>
+          </a:fontRef>
+        </p:style>
+      </p:cxnSp>
+      <p:cxnSp>
+        <p:nvCxnSpPr>
+          <p:cNvPr id="1292" name="Straight Connector 1291">
+            <a:extLst>
+              <a:ext uri="{FF2B5EF4-FFF2-40B4-BE49-F238E27FC236}">
+                <a16:creationId xmlns:a16="http://schemas.microsoft.com/office/drawing/2014/main" id="{0AAE8CB0-222F-AC2D-F96E-3422E4784D0A}"/>
+              </a:ext>
+            </a:extLst>
+          </p:cNvPr>
+          <p:cNvCxnSpPr>
+            <a:cxnSpLocks/>
+            <a:stCxn id="291" idx="3"/>
+            <a:endCxn id="1217" idx="1"/>
+          </p:cNvCxnSpPr>
+          <p:nvPr/>
+        </p:nvCxnSpPr>
+        <p:spPr>
+          <a:xfrm>
+            <a:off x="4614002" y="5977521"/>
+            <a:ext cx="1282194" cy="0"/>
+          </a:xfrm>
+          <a:prstGeom prst="line">
+            <a:avLst/>
+          </a:prstGeom>
+          <a:ln w="57150">
+            <a:solidFill>
+              <a:schemeClr val="bg1">
+                <a:lumMod val="50000"/>
+              </a:schemeClr>
+            </a:solidFill>
+            <a:prstDash val="solid"/>
+            <a:tailEnd type="triangle" w="lg" len="med"/>
+          </a:ln>
+        </p:spPr>
+        <p:style>
+          <a:lnRef idx="1">
+            <a:schemeClr val="accent1"/>
+          </a:lnRef>
+          <a:fillRef idx="0">
+            <a:schemeClr val="accent1"/>
+          </a:fillRef>
+          <a:effectRef idx="0">
+            <a:schemeClr val="accent1"/>
+          </a:effectRef>
+          <a:fontRef idx="minor">
+            <a:schemeClr val="tx1"/>
+          </a:fontRef>
+        </p:style>
+      </p:cxnSp>
+      <p:grpSp>
+        <p:nvGrpSpPr>
+          <p:cNvPr id="5" name="Group 4">
+            <a:extLst>
+              <a:ext uri="{FF2B5EF4-FFF2-40B4-BE49-F238E27FC236}">
+                <a16:creationId xmlns:a16="http://schemas.microsoft.com/office/drawing/2014/main" id="{CDE5DAD8-6F96-64EB-7810-384EFC3DF4B1}"/>
+              </a:ext>
+            </a:extLst>
+          </p:cNvPr>
+          <p:cNvGrpSpPr/>
+          <p:nvPr/>
+        </p:nvGrpSpPr>
+        <p:grpSpPr>
+          <a:xfrm>
+            <a:off x="12573100" y="5456533"/>
+            <a:ext cx="2064338" cy="584775"/>
+            <a:chOff x="12464243" y="5456533"/>
+            <a:chExt cx="2064338" cy="584775"/>
+          </a:xfrm>
+        </p:grpSpPr>
+        <p:sp>
+          <p:nvSpPr>
+            <p:cNvPr id="2" name="Diamond 1">
+              <a:extLst>
+                <a:ext uri="{FF2B5EF4-FFF2-40B4-BE49-F238E27FC236}">
+                  <a16:creationId xmlns:a16="http://schemas.microsoft.com/office/drawing/2014/main" id="{CD1D55B4-AB9A-3573-1CF4-2FBE2851E81A}"/>
                 </a:ext>
               </a:extLst>
             </p:cNvPr>
@@ -6229,14 +7033,14 @@
           </p:nvSpPr>
           <p:spPr>
             <a:xfrm>
-              <a:off x="4561926" y="6340795"/>
-              <a:ext cx="493262" cy="493262"/>
+              <a:off x="12464243" y="5554389"/>
+              <a:ext cx="389062" cy="389062"/>
             </a:xfrm>
             <a:prstGeom prst="diamond">
               <a:avLst/>
             </a:prstGeom>
             <a:solidFill>
-              <a:srgbClr val="FF7F00"/>
+              <a:srgbClr val="E41A1C"/>
             </a:solidFill>
             <a:ln>
               <a:solidFill>
@@ -6266,466 +7070,7 @@
             <a:p>
               <a:pPr algn="ctr"/>
               <a:r>
-                <a:rPr lang="en-US" sz="2400" b="1" dirty="0">
-                  <a:latin typeface="Arial" panose="020B0604020202020204" pitchFamily="34" charset="0"/>
-                  <a:cs typeface="Arial" panose="020B0604020202020204" pitchFamily="34" charset="0"/>
-                </a:rPr>
-                <a:t>D</a:t>
-              </a:r>
-            </a:p>
-          </p:txBody>
-        </p:sp>
-        <p:grpSp>
-          <p:nvGrpSpPr>
-            <p:cNvPr id="1301" name="Group 1300">
-              <a:extLst>
-                <a:ext uri="{FF2B5EF4-FFF2-40B4-BE49-F238E27FC236}">
-                  <a16:creationId xmlns:a16="http://schemas.microsoft.com/office/drawing/2014/main" id="{A76443AA-0197-C3C7-D4BB-708D4F79079E}"/>
-                </a:ext>
-              </a:extLst>
-            </p:cNvPr>
-            <p:cNvGrpSpPr/>
-            <p:nvPr/>
-          </p:nvGrpSpPr>
-          <p:grpSpPr>
-            <a:xfrm>
-              <a:off x="12464243" y="4901842"/>
-              <a:ext cx="2064338" cy="584775"/>
-              <a:chOff x="12413443" y="4876442"/>
-              <a:chExt cx="2064338" cy="584775"/>
-            </a:xfrm>
-          </p:grpSpPr>
-          <p:sp>
-            <p:nvSpPr>
-              <p:cNvPr id="1284" name="Diamond 1283">
-                <a:extLst>
-                  <a:ext uri="{FF2B5EF4-FFF2-40B4-BE49-F238E27FC236}">
-                    <a16:creationId xmlns:a16="http://schemas.microsoft.com/office/drawing/2014/main" id="{E1482359-1186-6B5C-82CB-27E7CADF3E36}"/>
-                  </a:ext>
-                </a:extLst>
-              </p:cNvPr>
-              <p:cNvSpPr/>
-              <p:nvPr/>
-            </p:nvSpPr>
-            <p:spPr>
-              <a:xfrm>
-                <a:off x="12413443" y="4974298"/>
-                <a:ext cx="389062" cy="389062"/>
-              </a:xfrm>
-              <a:prstGeom prst="diamond">
-                <a:avLst/>
-              </a:prstGeom>
-              <a:solidFill>
-                <a:srgbClr val="FF7F00"/>
-              </a:solidFill>
-              <a:ln>
-                <a:solidFill>
-                  <a:srgbClr val="FF7F00"/>
-                </a:solidFill>
-              </a:ln>
-            </p:spPr>
-            <p:style>
-              <a:lnRef idx="2">
-                <a:schemeClr val="accent1">
-                  <a:shade val="50000"/>
-                </a:schemeClr>
-              </a:lnRef>
-              <a:fillRef idx="1">
-                <a:schemeClr val="accent1"/>
-              </a:fillRef>
-              <a:effectRef idx="0">
-                <a:schemeClr val="accent1"/>
-              </a:effectRef>
-              <a:fontRef idx="minor">
-                <a:schemeClr val="lt1"/>
-              </a:fontRef>
-            </p:style>
-            <p:txBody>
-              <a:bodyPr rtlCol="0" anchor="ctr"/>
-              <a:lstStyle/>
-              <a:p>
-                <a:pPr algn="ctr"/>
-                <a:r>
-                  <a:rPr lang="en-US" sz="1600" b="1" dirty="0">
-                    <a:latin typeface="Arial" panose="020B0604020202020204" pitchFamily="34" charset="0"/>
-                    <a:cs typeface="Arial" panose="020B0604020202020204" pitchFamily="34" charset="0"/>
-                  </a:rPr>
-                  <a:t>D</a:t>
-                </a:r>
-              </a:p>
-            </p:txBody>
-          </p:sp>
-          <p:sp>
-            <p:nvSpPr>
-              <p:cNvPr id="1285" name="TextBox 1284">
-                <a:extLst>
-                  <a:ext uri="{FF2B5EF4-FFF2-40B4-BE49-F238E27FC236}">
-                    <a16:creationId xmlns:a16="http://schemas.microsoft.com/office/drawing/2014/main" id="{4C30A174-B3E4-7614-FE8B-42ADFB049BBB}"/>
-                  </a:ext>
-                </a:extLst>
-              </p:cNvPr>
-              <p:cNvSpPr txBox="1"/>
-              <p:nvPr/>
-            </p:nvSpPr>
-            <p:spPr>
-              <a:xfrm>
-                <a:off x="12833634" y="4876442"/>
-                <a:ext cx="1644147" cy="584775"/>
-              </a:xfrm>
-              <a:prstGeom prst="rect">
-                <a:avLst/>
-              </a:prstGeom>
-              <a:noFill/>
-            </p:spPr>
-            <p:txBody>
-              <a:bodyPr wrap="square" rtlCol="0">
-                <a:spAutoFit/>
-              </a:bodyPr>
-              <a:lstStyle/>
-              <a:p>
-                <a:r>
-                  <a:rPr lang="en-US" sz="1600" dirty="0">
-                    <a:latin typeface="Arial" panose="020B0604020202020204" pitchFamily="34" charset="0"/>
-                    <a:cs typeface="Arial" panose="020B0604020202020204" pitchFamily="34" charset="0"/>
-                  </a:rPr>
-                  <a:t>Diet formulation change</a:t>
-                </a:r>
-              </a:p>
-            </p:txBody>
-          </p:sp>
-        </p:grpSp>
-        <p:sp>
-          <p:nvSpPr>
-            <p:cNvPr id="242" name="Rounded Rectangle 241">
-              <a:extLst>
-                <a:ext uri="{FF2B5EF4-FFF2-40B4-BE49-F238E27FC236}">
-                  <a16:creationId xmlns:a16="http://schemas.microsoft.com/office/drawing/2014/main" id="{DF35E77A-CD04-84F2-3986-540EFF9F021B}"/>
-                </a:ext>
-              </a:extLst>
-            </p:cNvPr>
-            <p:cNvSpPr/>
-            <p:nvPr/>
-          </p:nvSpPr>
-          <p:spPr>
-            <a:xfrm>
-              <a:off x="2091746" y="3213889"/>
-              <a:ext cx="2070740" cy="651918"/>
-            </a:xfrm>
-            <a:prstGeom prst="roundRect">
-              <a:avLst/>
-            </a:prstGeom>
-            <a:solidFill>
-              <a:schemeClr val="bg1"/>
-            </a:solidFill>
-            <a:ln w="19050">
-              <a:solidFill>
-                <a:schemeClr val="tx1"/>
-              </a:solidFill>
-            </a:ln>
-          </p:spPr>
-          <p:style>
-            <a:lnRef idx="2">
-              <a:schemeClr val="accent1">
-                <a:shade val="50000"/>
-              </a:schemeClr>
-            </a:lnRef>
-            <a:fillRef idx="1">
-              <a:schemeClr val="accent1"/>
-            </a:fillRef>
-            <a:effectRef idx="0">
-              <a:schemeClr val="accent1"/>
-            </a:effectRef>
-            <a:fontRef idx="minor">
-              <a:schemeClr val="lt1"/>
-            </a:fontRef>
-          </p:style>
-          <p:txBody>
-            <a:bodyPr rtlCol="0" anchor="ctr"/>
-            <a:lstStyle/>
-            <a:p>
-              <a:pPr algn="ctr"/>
-              <a:r>
-                <a:rPr lang="en-US" sz="2400" b="1" dirty="0">
-                  <a:solidFill>
-                    <a:sysClr val="windowText" lastClr="000000"/>
-                  </a:solidFill>
-                  <a:latin typeface="Arial" panose="020B0604020202020204" pitchFamily="34" charset="0"/>
-                  <a:cs typeface="Arial" panose="020B0604020202020204" pitchFamily="34" charset="0"/>
-                </a:rPr>
-                <a:t>Unassigned</a:t>
-              </a:r>
-            </a:p>
-          </p:txBody>
-        </p:sp>
-        <p:cxnSp>
-          <p:nvCxnSpPr>
-            <p:cNvPr id="1289" name="Straight Connector 1288">
-              <a:extLst>
-                <a:ext uri="{FF2B5EF4-FFF2-40B4-BE49-F238E27FC236}">
-                  <a16:creationId xmlns:a16="http://schemas.microsoft.com/office/drawing/2014/main" id="{1267CBA1-90AF-F621-5411-97AF4A86EE30}"/>
-                </a:ext>
-              </a:extLst>
-            </p:cNvPr>
-            <p:cNvCxnSpPr>
-              <a:cxnSpLocks/>
-              <a:stCxn id="292" idx="3"/>
-              <a:endCxn id="291" idx="1"/>
-            </p:cNvCxnSpPr>
-            <p:nvPr/>
-          </p:nvCxnSpPr>
-          <p:spPr>
-            <a:xfrm>
-              <a:off x="1847252" y="5977521"/>
-              <a:ext cx="2569372" cy="0"/>
-            </a:xfrm>
-            <a:prstGeom prst="line">
-              <a:avLst/>
-            </a:prstGeom>
-            <a:ln w="57150">
-              <a:solidFill>
-                <a:schemeClr val="bg1">
-                  <a:lumMod val="50000"/>
-                </a:schemeClr>
-              </a:solidFill>
-              <a:prstDash val="solid"/>
-              <a:tailEnd type="triangle" w="lg" len="med"/>
-            </a:ln>
-          </p:spPr>
-          <p:style>
-            <a:lnRef idx="1">
-              <a:schemeClr val="accent1"/>
-            </a:lnRef>
-            <a:fillRef idx="0">
-              <a:schemeClr val="accent1"/>
-            </a:fillRef>
-            <a:effectRef idx="0">
-              <a:schemeClr val="accent1"/>
-            </a:effectRef>
-            <a:fontRef idx="minor">
-              <a:schemeClr val="tx1"/>
-            </a:fontRef>
-          </p:style>
-        </p:cxnSp>
-        <p:cxnSp>
-          <p:nvCxnSpPr>
-            <p:cNvPr id="1292" name="Straight Connector 1291">
-              <a:extLst>
-                <a:ext uri="{FF2B5EF4-FFF2-40B4-BE49-F238E27FC236}">
-                  <a16:creationId xmlns:a16="http://schemas.microsoft.com/office/drawing/2014/main" id="{0AAE8CB0-222F-AC2D-F96E-3422E4784D0A}"/>
-                </a:ext>
-              </a:extLst>
-            </p:cNvPr>
-            <p:cNvCxnSpPr>
-              <a:cxnSpLocks/>
-              <a:stCxn id="291" idx="3"/>
-              <a:endCxn id="1217" idx="1"/>
-            </p:cNvCxnSpPr>
-            <p:nvPr/>
-          </p:nvCxnSpPr>
-          <p:spPr>
-            <a:xfrm>
-              <a:off x="5193864" y="5977521"/>
-              <a:ext cx="1282194" cy="0"/>
-            </a:xfrm>
-            <a:prstGeom prst="line">
-              <a:avLst/>
-            </a:prstGeom>
-            <a:ln w="57150">
-              <a:solidFill>
-                <a:schemeClr val="bg1">
-                  <a:lumMod val="50000"/>
-                </a:schemeClr>
-              </a:solidFill>
-              <a:prstDash val="solid"/>
-              <a:tailEnd type="triangle" w="lg" len="med"/>
-            </a:ln>
-          </p:spPr>
-          <p:style>
-            <a:lnRef idx="1">
-              <a:schemeClr val="accent1"/>
-            </a:lnRef>
-            <a:fillRef idx="0">
-              <a:schemeClr val="accent1"/>
-            </a:fillRef>
-            <a:effectRef idx="0">
-              <a:schemeClr val="accent1"/>
-            </a:effectRef>
-            <a:fontRef idx="minor">
-              <a:schemeClr val="tx1"/>
-            </a:fontRef>
-          </p:style>
-        </p:cxnSp>
-        <p:grpSp>
-          <p:nvGrpSpPr>
-            <p:cNvPr id="5" name="Group 4">
-              <a:extLst>
-                <a:ext uri="{FF2B5EF4-FFF2-40B4-BE49-F238E27FC236}">
-                  <a16:creationId xmlns:a16="http://schemas.microsoft.com/office/drawing/2014/main" id="{CDE5DAD8-6F96-64EB-7810-384EFC3DF4B1}"/>
-                </a:ext>
-              </a:extLst>
-            </p:cNvPr>
-            <p:cNvGrpSpPr/>
-            <p:nvPr/>
-          </p:nvGrpSpPr>
-          <p:grpSpPr>
-            <a:xfrm>
-              <a:off x="12464243" y="5456533"/>
-              <a:ext cx="2064338" cy="584775"/>
-              <a:chOff x="12464243" y="5456533"/>
-              <a:chExt cx="2064338" cy="584775"/>
-            </a:xfrm>
-          </p:grpSpPr>
-          <p:sp>
-            <p:nvSpPr>
-              <p:cNvPr id="2" name="Diamond 1">
-                <a:extLst>
-                  <a:ext uri="{FF2B5EF4-FFF2-40B4-BE49-F238E27FC236}">
-                    <a16:creationId xmlns:a16="http://schemas.microsoft.com/office/drawing/2014/main" id="{CD1D55B4-AB9A-3573-1CF4-2FBE2851E81A}"/>
-                  </a:ext>
-                </a:extLst>
-              </p:cNvPr>
-              <p:cNvSpPr/>
-              <p:nvPr/>
-            </p:nvSpPr>
-            <p:spPr>
-              <a:xfrm>
-                <a:off x="12464243" y="5554389"/>
-                <a:ext cx="389062" cy="389062"/>
-              </a:xfrm>
-              <a:prstGeom prst="diamond">
-                <a:avLst/>
-              </a:prstGeom>
-              <a:solidFill>
-                <a:srgbClr val="E41A1C"/>
-              </a:solidFill>
-              <a:ln>
-                <a:solidFill>
-                  <a:srgbClr val="FF7F00"/>
-                </a:solidFill>
-              </a:ln>
-            </p:spPr>
-            <p:style>
-              <a:lnRef idx="2">
-                <a:schemeClr val="accent1">
-                  <a:shade val="50000"/>
-                </a:schemeClr>
-              </a:lnRef>
-              <a:fillRef idx="1">
-                <a:schemeClr val="accent1"/>
-              </a:fillRef>
-              <a:effectRef idx="0">
-                <a:schemeClr val="accent1"/>
-              </a:effectRef>
-              <a:fontRef idx="minor">
-                <a:schemeClr val="lt1"/>
-              </a:fontRef>
-            </p:style>
-            <p:txBody>
-              <a:bodyPr rtlCol="0" anchor="ctr"/>
-              <a:lstStyle/>
-              <a:p>
-                <a:pPr algn="ctr"/>
-                <a:r>
-                  <a:rPr lang="en-US" sz="1600" b="1" dirty="0">
-                    <a:latin typeface="Arial" panose="020B0604020202020204" pitchFamily="34" charset="0"/>
-                    <a:cs typeface="Arial" panose="020B0604020202020204" pitchFamily="34" charset="0"/>
-                  </a:rPr>
-                  <a:t>E</a:t>
-                </a:r>
-              </a:p>
-            </p:txBody>
-          </p:sp>
-          <p:sp>
-            <p:nvSpPr>
-              <p:cNvPr id="3" name="TextBox 2">
-                <a:extLst>
-                  <a:ext uri="{FF2B5EF4-FFF2-40B4-BE49-F238E27FC236}">
-                    <a16:creationId xmlns:a16="http://schemas.microsoft.com/office/drawing/2014/main" id="{B0553002-72B4-924C-C17B-21958A50FFAB}"/>
-                  </a:ext>
-                </a:extLst>
-              </p:cNvPr>
-              <p:cNvSpPr txBox="1"/>
-              <p:nvPr/>
-            </p:nvSpPr>
-            <p:spPr>
-              <a:xfrm>
-                <a:off x="12884434" y="5456533"/>
-                <a:ext cx="1644147" cy="584775"/>
-              </a:xfrm>
-              <a:prstGeom prst="rect">
-                <a:avLst/>
-              </a:prstGeom>
-              <a:noFill/>
-            </p:spPr>
-            <p:txBody>
-              <a:bodyPr wrap="square" rtlCol="0">
-                <a:spAutoFit/>
-              </a:bodyPr>
-              <a:lstStyle/>
-              <a:p>
-                <a:r>
-                  <a:rPr lang="en-US" sz="1600" dirty="0">
-                    <a:latin typeface="Arial" panose="020B0604020202020204" pitchFamily="34" charset="0"/>
-                    <a:cs typeface="Arial" panose="020B0604020202020204" pitchFamily="34" charset="0"/>
-                  </a:rPr>
-                  <a:t>Pathogen exposure</a:t>
-                </a:r>
-              </a:p>
-            </p:txBody>
-          </p:sp>
-        </p:grpSp>
-        <p:sp>
-          <p:nvSpPr>
-            <p:cNvPr id="4" name="Diamond 3">
-              <a:extLst>
-                <a:ext uri="{FF2B5EF4-FFF2-40B4-BE49-F238E27FC236}">
-                  <a16:creationId xmlns:a16="http://schemas.microsoft.com/office/drawing/2014/main" id="{BB3D5CB5-5559-4927-1671-B69D2D20DD24}"/>
-                </a:ext>
-              </a:extLst>
-            </p:cNvPr>
-            <p:cNvSpPr/>
-            <p:nvPr/>
-          </p:nvSpPr>
-          <p:spPr>
-            <a:xfrm>
-              <a:off x="8563833" y="6340795"/>
-              <a:ext cx="493253" cy="493253"/>
-            </a:xfrm>
-            <a:prstGeom prst="diamond">
-              <a:avLst/>
-            </a:prstGeom>
-            <a:solidFill>
-              <a:srgbClr val="E41A1C"/>
-            </a:solidFill>
-            <a:ln>
-              <a:solidFill>
-                <a:srgbClr val="E41A1C"/>
-              </a:solidFill>
-            </a:ln>
-          </p:spPr>
-          <p:style>
-            <a:lnRef idx="2">
-              <a:schemeClr val="accent1">
-                <a:shade val="50000"/>
-              </a:schemeClr>
-            </a:lnRef>
-            <a:fillRef idx="1">
-              <a:schemeClr val="accent1"/>
-            </a:fillRef>
-            <a:effectRef idx="0">
-              <a:schemeClr val="accent1"/>
-            </a:effectRef>
-            <a:fontRef idx="minor">
-              <a:schemeClr val="lt1"/>
-            </a:fontRef>
-          </p:style>
-          <p:txBody>
-            <a:bodyPr rtlCol="0" anchor="ctr"/>
-            <a:lstStyle/>
-            <a:p>
-              <a:pPr algn="ctr"/>
-              <a:r>
-                <a:rPr lang="en-US" sz="2400" b="1" dirty="0">
+                <a:rPr lang="en-US" sz="1600" b="1" dirty="0">
                   <a:latin typeface="Arial" panose="020B0604020202020204" pitchFamily="34" charset="0"/>
                   <a:cs typeface="Arial" panose="020B0604020202020204" pitchFamily="34" charset="0"/>
                 </a:rPr>
@@ -6734,381 +7079,538 @@
             </a:p>
           </p:txBody>
         </p:sp>
-        <p:cxnSp>
-          <p:nvCxnSpPr>
-            <p:cNvPr id="1231" name="Straight Connector 1230">
+        <p:sp>
+          <p:nvSpPr>
+            <p:cNvPr id="3" name="TextBox 2">
               <a:extLst>
                 <a:ext uri="{FF2B5EF4-FFF2-40B4-BE49-F238E27FC236}">
-                  <a16:creationId xmlns:a16="http://schemas.microsoft.com/office/drawing/2014/main" id="{3EF679E6-EC17-5863-2442-A54D62C1A191}"/>
+                  <a16:creationId xmlns:a16="http://schemas.microsoft.com/office/drawing/2014/main" id="{B0553002-72B4-924C-C17B-21958A50FFAB}"/>
                 </a:ext>
               </a:extLst>
             </p:cNvPr>
-            <p:cNvCxnSpPr>
-              <a:cxnSpLocks/>
-            </p:cNvCxnSpPr>
-            <p:nvPr/>
-          </p:nvCxnSpPr>
-          <p:spPr>
-            <a:xfrm>
-              <a:off x="8810460" y="800276"/>
-              <a:ext cx="0" cy="5029200"/>
-            </a:xfrm>
-            <a:prstGeom prst="line">
-              <a:avLst/>
-            </a:prstGeom>
-            <a:ln w="76200">
-              <a:solidFill>
-                <a:schemeClr val="bg1">
-                  <a:lumMod val="65000"/>
-                </a:schemeClr>
-              </a:solidFill>
-              <a:prstDash val="dash"/>
-            </a:ln>
-          </p:spPr>
-          <p:style>
-            <a:lnRef idx="1">
-              <a:schemeClr val="accent1"/>
-            </a:lnRef>
-            <a:fillRef idx="0">
-              <a:schemeClr val="accent1"/>
-            </a:fillRef>
-            <a:effectRef idx="0">
-              <a:schemeClr val="accent1"/>
-            </a:effectRef>
-            <a:fontRef idx="minor">
-              <a:schemeClr val="tx1"/>
-            </a:fontRef>
-          </p:style>
-        </p:cxnSp>
-        <p:sp>
-          <p:nvSpPr>
-            <p:cNvPr id="303" name="Oval 302">
-              <a:extLst>
-                <a:ext uri="{FF2B5EF4-FFF2-40B4-BE49-F238E27FC236}">
-                  <a16:creationId xmlns:a16="http://schemas.microsoft.com/office/drawing/2014/main" id="{0E639048-61AA-5364-E6E9-547F7E64493E}"/>
-                </a:ext>
-              </a:extLst>
-            </p:cNvPr>
-            <p:cNvSpPr/>
+            <p:cNvSpPr txBox="1"/>
             <p:nvPr/>
           </p:nvSpPr>
           <p:spPr>
             <a:xfrm>
-              <a:off x="8625862" y="483196"/>
-              <a:ext cx="384995" cy="384995"/>
+              <a:off x="12884434" y="5456533"/>
+              <a:ext cx="1644147" cy="584775"/>
             </a:xfrm>
-            <a:prstGeom prst="ellipse">
+            <a:prstGeom prst="rect">
               <a:avLst/>
             </a:prstGeom>
-            <a:solidFill>
-              <a:schemeClr val="bg1"/>
-            </a:solidFill>
-            <a:ln w="25400">
-              <a:solidFill>
-                <a:schemeClr val="tx1">
-                  <a:lumMod val="85000"/>
-                  <a:lumOff val="15000"/>
-                </a:schemeClr>
-              </a:solidFill>
-            </a:ln>
+            <a:noFill/>
           </p:spPr>
-          <p:style>
-            <a:lnRef idx="2">
-              <a:schemeClr val="accent1">
-                <a:shade val="50000"/>
-              </a:schemeClr>
-            </a:lnRef>
-            <a:fillRef idx="1">
-              <a:schemeClr val="accent1"/>
-            </a:fillRef>
-            <a:effectRef idx="0">
-              <a:schemeClr val="accent1"/>
-            </a:effectRef>
-            <a:fontRef idx="minor">
-              <a:schemeClr val="lt1"/>
-            </a:fontRef>
-          </p:style>
           <p:txBody>
-            <a:bodyPr rtlCol="0" anchor="ctr"/>
+            <a:bodyPr wrap="square" rtlCol="0">
+              <a:spAutoFit/>
+            </a:bodyPr>
             <a:lstStyle/>
             <a:p>
-              <a:pPr algn="ctr"/>
               <a:r>
-                <a:rPr lang="en-US" sz="2400" b="1" dirty="0">
-                  <a:solidFill>
-                    <a:schemeClr val="tx1"/>
-                  </a:solidFill>
+                <a:rPr lang="en-US" sz="1600" dirty="0">
                   <a:latin typeface="Arial" panose="020B0604020202020204" pitchFamily="34" charset="0"/>
                   <a:cs typeface="Arial" panose="020B0604020202020204" pitchFamily="34" charset="0"/>
                 </a:rPr>
-                <a:t>4</a:t>
+                <a:t>Pathogen exposure</a:t>
               </a:r>
             </a:p>
           </p:txBody>
         </p:sp>
-        <p:sp>
-          <p:nvSpPr>
-            <p:cNvPr id="1057" name="Rounded Rectangle 1056">
-              <a:extLst>
-                <a:ext uri="{FF2B5EF4-FFF2-40B4-BE49-F238E27FC236}">
-                  <a16:creationId xmlns:a16="http://schemas.microsoft.com/office/drawing/2014/main" id="{4DEBA286-F914-4711-D1DE-769CF711B0D3}"/>
-                </a:ext>
-              </a:extLst>
-            </p:cNvPr>
-            <p:cNvSpPr/>
-            <p:nvPr/>
-          </p:nvSpPr>
-          <p:spPr>
-            <a:xfrm>
-              <a:off x="8409140" y="5748921"/>
-              <a:ext cx="777240" cy="457200"/>
-            </a:xfrm>
-            <a:prstGeom prst="roundRect">
-              <a:avLst/>
-            </a:prstGeom>
+      </p:grpSp>
+      <p:sp>
+        <p:nvSpPr>
+          <p:cNvPr id="4" name="Diamond 3">
+            <a:extLst>
+              <a:ext uri="{FF2B5EF4-FFF2-40B4-BE49-F238E27FC236}">
+                <a16:creationId xmlns:a16="http://schemas.microsoft.com/office/drawing/2014/main" id="{BB3D5CB5-5559-4927-1671-B69D2D20DD24}"/>
+              </a:ext>
+            </a:extLst>
+          </p:cNvPr>
+          <p:cNvSpPr/>
+          <p:nvPr/>
+        </p:nvSpPr>
+        <p:spPr>
+          <a:xfrm>
+            <a:off x="7482166" y="6302591"/>
+            <a:ext cx="493253" cy="493253"/>
+          </a:xfrm>
+          <a:prstGeom prst="diamond">
+            <a:avLst/>
+          </a:prstGeom>
+          <a:solidFill>
+            <a:srgbClr val="E41A1C"/>
+          </a:solidFill>
+          <a:ln>
+            <a:solidFill>
+              <a:srgbClr val="E41A1C"/>
+            </a:solidFill>
+          </a:ln>
+        </p:spPr>
+        <p:style>
+          <a:lnRef idx="2">
+            <a:schemeClr val="accent1">
+              <a:shade val="50000"/>
+            </a:schemeClr>
+          </a:lnRef>
+          <a:fillRef idx="1">
+            <a:schemeClr val="accent1"/>
+          </a:fillRef>
+          <a:effectRef idx="0">
+            <a:schemeClr val="accent1"/>
+          </a:effectRef>
+          <a:fontRef idx="minor">
+            <a:schemeClr val="lt1"/>
+          </a:fontRef>
+        </p:style>
+        <p:txBody>
+          <a:bodyPr rtlCol="0" anchor="ctr"/>
+          <a:lstStyle/>
+          <a:p>
+            <a:pPr algn="ctr"/>
+            <a:r>
+              <a:rPr lang="en-US" sz="2400" b="1" dirty="0">
+                <a:latin typeface="Arial" panose="020B0604020202020204" pitchFamily="34" charset="0"/>
+                <a:cs typeface="Arial" panose="020B0604020202020204" pitchFamily="34" charset="0"/>
+              </a:rPr>
+              <a:t>E</a:t>
+            </a:r>
+          </a:p>
+        </p:txBody>
+      </p:sp>
+      <p:cxnSp>
+        <p:nvCxnSpPr>
+          <p:cNvPr id="1231" name="Straight Connector 1230">
+            <a:extLst>
+              <a:ext uri="{FF2B5EF4-FFF2-40B4-BE49-F238E27FC236}">
+                <a16:creationId xmlns:a16="http://schemas.microsoft.com/office/drawing/2014/main" id="{3EF679E6-EC17-5863-2442-A54D62C1A191}"/>
+              </a:ext>
+            </a:extLst>
+          </p:cNvPr>
+          <p:cNvCxnSpPr>
+            <a:cxnSpLocks/>
+          </p:cNvCxnSpPr>
+          <p:nvPr/>
+        </p:nvCxnSpPr>
+        <p:spPr>
+          <a:xfrm>
+            <a:off x="7717642" y="800276"/>
+            <a:ext cx="0" cy="5029200"/>
+          </a:xfrm>
+          <a:prstGeom prst="line">
+            <a:avLst/>
+          </a:prstGeom>
+          <a:ln w="76200">
             <a:solidFill>
               <a:schemeClr val="bg1">
-                <a:lumMod val="95000"/>
+                <a:lumMod val="65000"/>
               </a:schemeClr>
             </a:solidFill>
-            <a:ln w="19050">
-              <a:solidFill>
-                <a:schemeClr val="tx1">
-                  <a:lumMod val="65000"/>
-                  <a:lumOff val="35000"/>
-                </a:schemeClr>
-              </a:solidFill>
-            </a:ln>
-          </p:spPr>
-          <p:style>
-            <a:lnRef idx="2">
-              <a:schemeClr val="accent1">
-                <a:shade val="50000"/>
+            <a:prstDash val="dash"/>
+          </a:ln>
+        </p:spPr>
+        <p:style>
+          <a:lnRef idx="1">
+            <a:schemeClr val="accent1"/>
+          </a:lnRef>
+          <a:fillRef idx="0">
+            <a:schemeClr val="accent1"/>
+          </a:fillRef>
+          <a:effectRef idx="0">
+            <a:schemeClr val="accent1"/>
+          </a:effectRef>
+          <a:fontRef idx="minor">
+            <a:schemeClr val="tx1"/>
+          </a:fontRef>
+        </p:style>
+      </p:cxnSp>
+      <p:sp>
+        <p:nvSpPr>
+          <p:cNvPr id="303" name="Oval 302">
+            <a:extLst>
+              <a:ext uri="{FF2B5EF4-FFF2-40B4-BE49-F238E27FC236}">
+                <a16:creationId xmlns:a16="http://schemas.microsoft.com/office/drawing/2014/main" id="{0E639048-61AA-5364-E6E9-547F7E64493E}"/>
+              </a:ext>
+            </a:extLst>
+          </p:cNvPr>
+          <p:cNvSpPr/>
+          <p:nvPr/>
+        </p:nvSpPr>
+        <p:spPr>
+          <a:xfrm>
+            <a:off x="7533044" y="483196"/>
+            <a:ext cx="384995" cy="384995"/>
+          </a:xfrm>
+          <a:prstGeom prst="ellipse">
+            <a:avLst/>
+          </a:prstGeom>
+          <a:solidFill>
+            <a:schemeClr val="bg1"/>
+          </a:solidFill>
+          <a:ln w="25400">
+            <a:solidFill>
+              <a:schemeClr val="tx1">
+                <a:lumMod val="85000"/>
+                <a:lumOff val="15000"/>
               </a:schemeClr>
-            </a:lnRef>
-            <a:fillRef idx="1">
-              <a:schemeClr val="accent1"/>
-            </a:fillRef>
-            <a:effectRef idx="0">
-              <a:schemeClr val="accent1"/>
-            </a:effectRef>
-            <a:fontRef idx="minor">
-              <a:schemeClr val="lt1"/>
-            </a:fontRef>
-          </p:style>
-          <p:txBody>
-            <a:bodyPr rtlCol="0" anchor="ctr"/>
-            <a:lstStyle/>
-            <a:p>
-              <a:pPr algn="ctr"/>
-              <a:r>
-                <a:rPr lang="en-US" b="1" dirty="0">
-                  <a:solidFill>
-                    <a:sysClr val="windowText" lastClr="000000"/>
-                  </a:solidFill>
-                  <a:latin typeface="Arial" panose="020B0604020202020204" pitchFamily="34" charset="0"/>
-                  <a:cs typeface="Arial" panose="020B0604020202020204" pitchFamily="34" charset="0"/>
-                </a:rPr>
-                <a:t>129</a:t>
-              </a:r>
-              <a:endParaRPr lang="en-US" b="1" baseline="-25000" dirty="0">
+            </a:solidFill>
+          </a:ln>
+        </p:spPr>
+        <p:style>
+          <a:lnRef idx="2">
+            <a:schemeClr val="accent1">
+              <a:shade val="50000"/>
+            </a:schemeClr>
+          </a:lnRef>
+          <a:fillRef idx="1">
+            <a:schemeClr val="accent1"/>
+          </a:fillRef>
+          <a:effectRef idx="0">
+            <a:schemeClr val="accent1"/>
+          </a:effectRef>
+          <a:fontRef idx="minor">
+            <a:schemeClr val="lt1"/>
+          </a:fontRef>
+        </p:style>
+        <p:txBody>
+          <a:bodyPr rtlCol="0" anchor="ctr"/>
+          <a:lstStyle/>
+          <a:p>
+            <a:pPr algn="ctr"/>
+            <a:r>
+              <a:rPr lang="en-US" sz="2400" b="1" dirty="0">
+                <a:solidFill>
+                  <a:schemeClr val="tx1"/>
+                </a:solidFill>
+                <a:latin typeface="Arial" panose="020B0604020202020204" pitchFamily="34" charset="0"/>
+                <a:cs typeface="Arial" panose="020B0604020202020204" pitchFamily="34" charset="0"/>
+              </a:rPr>
+              <a:t>4</a:t>
+            </a:r>
+          </a:p>
+        </p:txBody>
+      </p:sp>
+      <p:sp>
+        <p:nvSpPr>
+          <p:cNvPr id="1057" name="Rounded Rectangle 1056">
+            <a:extLst>
+              <a:ext uri="{FF2B5EF4-FFF2-40B4-BE49-F238E27FC236}">
+                <a16:creationId xmlns:a16="http://schemas.microsoft.com/office/drawing/2014/main" id="{4DEBA286-F914-4711-D1DE-769CF711B0D3}"/>
+              </a:ext>
+            </a:extLst>
+          </p:cNvPr>
+          <p:cNvSpPr/>
+          <p:nvPr/>
+        </p:nvSpPr>
+        <p:spPr>
+          <a:xfrm>
+            <a:off x="7316322" y="5748921"/>
+            <a:ext cx="777240" cy="457200"/>
+          </a:xfrm>
+          <a:prstGeom prst="roundRect">
+            <a:avLst/>
+          </a:prstGeom>
+          <a:solidFill>
+            <a:schemeClr val="bg1">
+              <a:lumMod val="95000"/>
+            </a:schemeClr>
+          </a:solidFill>
+          <a:ln w="19050">
+            <a:solidFill>
+              <a:schemeClr val="tx1">
+                <a:lumMod val="65000"/>
+                <a:lumOff val="35000"/>
+              </a:schemeClr>
+            </a:solidFill>
+          </a:ln>
+        </p:spPr>
+        <p:style>
+          <a:lnRef idx="2">
+            <a:schemeClr val="accent1">
+              <a:shade val="50000"/>
+            </a:schemeClr>
+          </a:lnRef>
+          <a:fillRef idx="1">
+            <a:schemeClr val="accent1"/>
+          </a:fillRef>
+          <a:effectRef idx="0">
+            <a:schemeClr val="accent1"/>
+          </a:effectRef>
+          <a:fontRef idx="minor">
+            <a:schemeClr val="lt1"/>
+          </a:fontRef>
+        </p:style>
+        <p:txBody>
+          <a:bodyPr rtlCol="0" anchor="ctr"/>
+          <a:lstStyle/>
+          <a:p>
+            <a:pPr algn="ctr"/>
+            <a:r>
+              <a:rPr lang="en-US" b="1" dirty="0">
                 <a:solidFill>
                   <a:sysClr val="windowText" lastClr="000000"/>
                 </a:solidFill>
                 <a:latin typeface="Arial" panose="020B0604020202020204" pitchFamily="34" charset="0"/>
                 <a:cs typeface="Arial" panose="020B0604020202020204" pitchFamily="34" charset="0"/>
-              </a:endParaRPr>
-            </a:p>
-          </p:txBody>
-        </p:sp>
-        <p:cxnSp>
-          <p:nvCxnSpPr>
-            <p:cNvPr id="1237" name="Straight Connector 1236">
-              <a:extLst>
-                <a:ext uri="{FF2B5EF4-FFF2-40B4-BE49-F238E27FC236}">
-                  <a16:creationId xmlns:a16="http://schemas.microsoft.com/office/drawing/2014/main" id="{BF8A5C4D-2A2F-9E33-C97D-158CF91654F3}"/>
-                </a:ext>
-              </a:extLst>
-            </p:cNvPr>
-            <p:cNvCxnSpPr>
-              <a:cxnSpLocks/>
-            </p:cNvCxnSpPr>
-            <p:nvPr/>
-          </p:nvCxnSpPr>
-          <p:spPr>
-            <a:xfrm>
-              <a:off x="4823891" y="1341806"/>
-              <a:ext cx="0" cy="4487670"/>
-            </a:xfrm>
-            <a:prstGeom prst="line">
-              <a:avLst/>
-            </a:prstGeom>
-            <a:ln w="76200">
+              </a:rPr>
+              <a:t>129</a:t>
+            </a:r>
+            <a:endParaRPr lang="en-US" b="1" baseline="-25000" dirty="0">
               <a:solidFill>
-                <a:schemeClr val="bg1">
-                  <a:lumMod val="65000"/>
-                </a:schemeClr>
+                <a:sysClr val="windowText" lastClr="000000"/>
               </a:solidFill>
-              <a:prstDash val="dash"/>
-            </a:ln>
-          </p:spPr>
-          <p:style>
-            <a:lnRef idx="1">
-              <a:schemeClr val="accent1"/>
-            </a:lnRef>
-            <a:fillRef idx="0">
-              <a:schemeClr val="accent1"/>
-            </a:fillRef>
-            <a:effectRef idx="0">
-              <a:schemeClr val="accent1"/>
-            </a:effectRef>
-            <a:fontRef idx="minor">
-              <a:schemeClr val="tx1"/>
-            </a:fontRef>
-          </p:style>
-        </p:cxnSp>
-        <p:sp>
-          <p:nvSpPr>
-            <p:cNvPr id="291" name="Rounded Rectangle 290">
-              <a:extLst>
-                <a:ext uri="{FF2B5EF4-FFF2-40B4-BE49-F238E27FC236}">
-                  <a16:creationId xmlns:a16="http://schemas.microsoft.com/office/drawing/2014/main" id="{677DFD68-75C5-C5AF-29BA-C4163EBAAFB6}"/>
-                </a:ext>
-              </a:extLst>
-            </p:cNvPr>
-            <p:cNvSpPr/>
-            <p:nvPr/>
-          </p:nvSpPr>
-          <p:spPr>
-            <a:xfrm>
-              <a:off x="4416624" y="5748921"/>
-              <a:ext cx="777240" cy="457200"/>
-            </a:xfrm>
-            <a:prstGeom prst="roundRect">
-              <a:avLst/>
-            </a:prstGeom>
+              <a:latin typeface="Arial" panose="020B0604020202020204" pitchFamily="34" charset="0"/>
+              <a:cs typeface="Arial" panose="020B0604020202020204" pitchFamily="34" charset="0"/>
+            </a:endParaRPr>
+          </a:p>
+        </p:txBody>
+      </p:sp>
+      <p:cxnSp>
+        <p:nvCxnSpPr>
+          <p:cNvPr id="1237" name="Straight Connector 1236">
+            <a:extLst>
+              <a:ext uri="{FF2B5EF4-FFF2-40B4-BE49-F238E27FC236}">
+                <a16:creationId xmlns:a16="http://schemas.microsoft.com/office/drawing/2014/main" id="{BF8A5C4D-2A2F-9E33-C97D-158CF91654F3}"/>
+              </a:ext>
+            </a:extLst>
+          </p:cNvPr>
+          <p:cNvCxnSpPr>
+            <a:cxnSpLocks/>
+          </p:cNvCxnSpPr>
+          <p:nvPr/>
+        </p:nvCxnSpPr>
+        <p:spPr>
+          <a:xfrm>
+            <a:off x="4244029" y="1341806"/>
+            <a:ext cx="0" cy="4487670"/>
+          </a:xfrm>
+          <a:prstGeom prst="line">
+            <a:avLst/>
+          </a:prstGeom>
+          <a:ln w="76200">
             <a:solidFill>
               <a:schemeClr val="bg1">
-                <a:lumMod val="95000"/>
+                <a:lumMod val="65000"/>
               </a:schemeClr>
             </a:solidFill>
-            <a:ln w="19050">
-              <a:solidFill>
-                <a:schemeClr val="tx1">
-                  <a:lumMod val="65000"/>
-                  <a:lumOff val="35000"/>
-                </a:schemeClr>
-              </a:solidFill>
-            </a:ln>
-          </p:spPr>
-          <p:style>
-            <a:lnRef idx="2">
-              <a:schemeClr val="accent1">
-                <a:shade val="50000"/>
+            <a:prstDash val="dash"/>
+          </a:ln>
+        </p:spPr>
+        <p:style>
+          <a:lnRef idx="1">
+            <a:schemeClr val="accent1"/>
+          </a:lnRef>
+          <a:fillRef idx="0">
+            <a:schemeClr val="accent1"/>
+          </a:fillRef>
+          <a:effectRef idx="0">
+            <a:schemeClr val="accent1"/>
+          </a:effectRef>
+          <a:fontRef idx="minor">
+            <a:schemeClr val="tx1"/>
+          </a:fontRef>
+        </p:style>
+      </p:cxnSp>
+      <p:sp>
+        <p:nvSpPr>
+          <p:cNvPr id="291" name="Rounded Rectangle 290">
+            <a:extLst>
+              <a:ext uri="{FF2B5EF4-FFF2-40B4-BE49-F238E27FC236}">
+                <a16:creationId xmlns:a16="http://schemas.microsoft.com/office/drawing/2014/main" id="{677DFD68-75C5-C5AF-29BA-C4163EBAAFB6}"/>
+              </a:ext>
+            </a:extLst>
+          </p:cNvPr>
+          <p:cNvSpPr/>
+          <p:nvPr/>
+        </p:nvSpPr>
+        <p:spPr>
+          <a:xfrm>
+            <a:off x="3836762" y="5748921"/>
+            <a:ext cx="777240" cy="457200"/>
+          </a:xfrm>
+          <a:prstGeom prst="roundRect">
+            <a:avLst/>
+          </a:prstGeom>
+          <a:solidFill>
+            <a:schemeClr val="bg1">
+              <a:lumMod val="95000"/>
+            </a:schemeClr>
+          </a:solidFill>
+          <a:ln w="19050">
+            <a:solidFill>
+              <a:schemeClr val="tx1">
+                <a:lumMod val="65000"/>
+                <a:lumOff val="35000"/>
               </a:schemeClr>
-            </a:lnRef>
-            <a:fillRef idx="1">
-              <a:schemeClr val="accent1"/>
-            </a:fillRef>
-            <a:effectRef idx="0">
-              <a:schemeClr val="accent1"/>
-            </a:effectRef>
-            <a:fontRef idx="minor">
-              <a:schemeClr val="lt1"/>
-            </a:fontRef>
-          </p:style>
-          <p:txBody>
-            <a:bodyPr rtlCol="0" anchor="ctr"/>
-            <a:lstStyle/>
-            <a:p>
-              <a:pPr algn="ctr"/>
-              <a:r>
-                <a:rPr lang="en-US" b="1" dirty="0">
-                  <a:solidFill>
-                    <a:sysClr val="windowText" lastClr="000000"/>
-                  </a:solidFill>
-                  <a:latin typeface="Arial" panose="020B0604020202020204" pitchFamily="34" charset="0"/>
-                  <a:cs typeface="Arial" panose="020B0604020202020204" pitchFamily="34" charset="0"/>
-                </a:rPr>
-                <a:t>30</a:t>
-              </a:r>
-              <a:endParaRPr lang="en-US" b="1" baseline="-25000" dirty="0">
+            </a:solidFill>
+          </a:ln>
+        </p:spPr>
+        <p:style>
+          <a:lnRef idx="2">
+            <a:schemeClr val="accent1">
+              <a:shade val="50000"/>
+            </a:schemeClr>
+          </a:lnRef>
+          <a:fillRef idx="1">
+            <a:schemeClr val="accent1"/>
+          </a:fillRef>
+          <a:effectRef idx="0">
+            <a:schemeClr val="accent1"/>
+          </a:effectRef>
+          <a:fontRef idx="minor">
+            <a:schemeClr val="lt1"/>
+          </a:fontRef>
+        </p:style>
+        <p:txBody>
+          <a:bodyPr rtlCol="0" anchor="ctr"/>
+          <a:lstStyle/>
+          <a:p>
+            <a:pPr algn="ctr"/>
+            <a:r>
+              <a:rPr lang="en-US" b="1" dirty="0">
                 <a:solidFill>
                   <a:sysClr val="windowText" lastClr="000000"/>
                 </a:solidFill>
                 <a:latin typeface="Arial" panose="020B0604020202020204" pitchFamily="34" charset="0"/>
                 <a:cs typeface="Arial" panose="020B0604020202020204" pitchFamily="34" charset="0"/>
-              </a:endParaRPr>
-            </a:p>
-          </p:txBody>
-        </p:sp>
-        <p:sp>
-          <p:nvSpPr>
-            <p:cNvPr id="301" name="Oval 300">
-              <a:extLst>
-                <a:ext uri="{FF2B5EF4-FFF2-40B4-BE49-F238E27FC236}">
-                  <a16:creationId xmlns:a16="http://schemas.microsoft.com/office/drawing/2014/main" id="{799418C2-243E-684D-8198-7CE4313B7359}"/>
-                </a:ext>
-              </a:extLst>
-            </p:cNvPr>
-            <p:cNvSpPr/>
-            <p:nvPr/>
-          </p:nvSpPr>
-          <p:spPr>
-            <a:xfrm>
-              <a:off x="4637146" y="1087403"/>
-              <a:ext cx="384995" cy="384995"/>
-            </a:xfrm>
-            <a:prstGeom prst="ellipse">
-              <a:avLst/>
-            </a:prstGeom>
+              </a:rPr>
+              <a:t>30</a:t>
+            </a:r>
+            <a:endParaRPr lang="en-US" b="1" baseline="-25000" dirty="0">
+              <a:solidFill>
+                <a:sysClr val="windowText" lastClr="000000"/>
+              </a:solidFill>
+              <a:latin typeface="Arial" panose="020B0604020202020204" pitchFamily="34" charset="0"/>
+              <a:cs typeface="Arial" panose="020B0604020202020204" pitchFamily="34" charset="0"/>
+            </a:endParaRPr>
+          </a:p>
+        </p:txBody>
+      </p:sp>
+      <p:sp>
+        <p:nvSpPr>
+          <p:cNvPr id="301" name="Oval 300">
+            <a:extLst>
+              <a:ext uri="{FF2B5EF4-FFF2-40B4-BE49-F238E27FC236}">
+                <a16:creationId xmlns:a16="http://schemas.microsoft.com/office/drawing/2014/main" id="{799418C2-243E-684D-8198-7CE4313B7359}"/>
+              </a:ext>
+            </a:extLst>
+          </p:cNvPr>
+          <p:cNvSpPr/>
+          <p:nvPr/>
+        </p:nvSpPr>
+        <p:spPr>
+          <a:xfrm>
+            <a:off x="4057284" y="1087403"/>
+            <a:ext cx="384995" cy="384995"/>
+          </a:xfrm>
+          <a:prstGeom prst="ellipse">
+            <a:avLst/>
+          </a:prstGeom>
+          <a:solidFill>
+            <a:schemeClr val="bg1"/>
+          </a:solidFill>
+          <a:ln w="25400">
             <a:solidFill>
-              <a:schemeClr val="bg1"/>
+              <a:schemeClr val="tx1">
+                <a:lumMod val="85000"/>
+                <a:lumOff val="15000"/>
+              </a:schemeClr>
             </a:solidFill>
-            <a:ln w="25400">
-              <a:solidFill>
-                <a:schemeClr val="tx1">
-                  <a:lumMod val="85000"/>
-                  <a:lumOff val="15000"/>
-                </a:schemeClr>
-              </a:solidFill>
-            </a:ln>
-          </p:spPr>
-          <p:style>
-            <a:lnRef idx="2">
-              <a:schemeClr val="accent1">
-                <a:shade val="50000"/>
-              </a:schemeClr>
-            </a:lnRef>
-            <a:fillRef idx="1">
-              <a:schemeClr val="accent1"/>
-            </a:fillRef>
-            <a:effectRef idx="0">
-              <a:schemeClr val="accent1"/>
-            </a:effectRef>
-            <a:fontRef idx="minor">
-              <a:schemeClr val="lt1"/>
-            </a:fontRef>
-          </p:style>
-          <p:txBody>
-            <a:bodyPr rtlCol="0" anchor="ctr"/>
-            <a:lstStyle/>
-            <a:p>
-              <a:pPr algn="ctr"/>
-              <a:r>
-                <a:rPr lang="en-US" sz="2400" b="1" dirty="0">
-                  <a:solidFill>
-                    <a:schemeClr val="tx1"/>
-                  </a:solidFill>
-                  <a:latin typeface="Arial" panose="020B0604020202020204" pitchFamily="34" charset="0"/>
-                  <a:cs typeface="Arial" panose="020B0604020202020204" pitchFamily="34" charset="0"/>
-                </a:rPr>
-                <a:t>2</a:t>
-              </a:r>
-            </a:p>
-          </p:txBody>
-        </p:sp>
-      </p:grpSp>
+          </a:ln>
+        </p:spPr>
+        <p:style>
+          <a:lnRef idx="2">
+            <a:schemeClr val="accent1">
+              <a:shade val="50000"/>
+            </a:schemeClr>
+          </a:lnRef>
+          <a:fillRef idx="1">
+            <a:schemeClr val="accent1"/>
+          </a:fillRef>
+          <a:effectRef idx="0">
+            <a:schemeClr val="accent1"/>
+          </a:effectRef>
+          <a:fontRef idx="minor">
+            <a:schemeClr val="lt1"/>
+          </a:fontRef>
+        </p:style>
+        <p:txBody>
+          <a:bodyPr rtlCol="0" anchor="ctr"/>
+          <a:lstStyle/>
+          <a:p>
+            <a:pPr algn="ctr"/>
+            <a:r>
+              <a:rPr lang="en-US" sz="2400" b="1" dirty="0">
+                <a:solidFill>
+                  <a:schemeClr val="tx1"/>
+                </a:solidFill>
+                <a:latin typeface="Arial" panose="020B0604020202020204" pitchFamily="34" charset="0"/>
+                <a:cs typeface="Arial" panose="020B0604020202020204" pitchFamily="34" charset="0"/>
+              </a:rPr>
+              <a:t>2</a:t>
+            </a:r>
+          </a:p>
+        </p:txBody>
+      </p:sp>
+      <p:sp>
+        <p:nvSpPr>
+          <p:cNvPr id="22" name="TextBox 21">
+            <a:extLst>
+              <a:ext uri="{FF2B5EF4-FFF2-40B4-BE49-F238E27FC236}">
+                <a16:creationId xmlns:a16="http://schemas.microsoft.com/office/drawing/2014/main" id="{5300315E-CE02-EB05-7A9F-377485D0F0F8}"/>
+              </a:ext>
+            </a:extLst>
+          </p:cNvPr>
+          <p:cNvSpPr txBox="1"/>
+          <p:nvPr/>
+        </p:nvSpPr>
+        <p:spPr>
+          <a:xfrm>
+            <a:off x="12536368" y="1755513"/>
+            <a:ext cx="2836974" cy="400110"/>
+          </a:xfrm>
+          <a:prstGeom prst="rect">
+            <a:avLst/>
+          </a:prstGeom>
+          <a:noFill/>
+        </p:spPr>
+        <p:txBody>
+          <a:bodyPr wrap="square" rtlCol="0">
+            <a:spAutoFit/>
+          </a:bodyPr>
+          <a:lstStyle/>
+          <a:p>
+            <a:r>
+              <a:rPr lang="en-US" sz="2000" b="1" dirty="0" err="1">
+                <a:latin typeface="Arial" panose="020B0604020202020204" pitchFamily="34" charset="0"/>
+                <a:cs typeface="Arial" panose="020B0604020202020204" pitchFamily="34" charset="0"/>
+              </a:rPr>
+              <a:t>n</a:t>
+            </a:r>
+            <a:r>
+              <a:rPr lang="en-US" sz="2000" b="1" baseline="-25000" dirty="0" err="1">
+                <a:latin typeface="Arial" panose="020B0604020202020204" pitchFamily="34" charset="0"/>
+                <a:cs typeface="Arial" panose="020B0604020202020204" pitchFamily="34" charset="0"/>
+              </a:rPr>
+              <a:t>t</a:t>
+            </a:r>
+            <a:r>
+              <a:rPr lang="en-US" sz="2000" dirty="0">
+                <a:latin typeface="Arial" panose="020B0604020202020204" pitchFamily="34" charset="0"/>
+                <a:cs typeface="Arial" panose="020B0604020202020204" pitchFamily="34" charset="0"/>
+              </a:rPr>
+              <a:t> </a:t>
+            </a:r>
+            <a:r>
+              <a:rPr lang="en-US" sz="1600" dirty="0">
+                <a:latin typeface="Arial" panose="020B0604020202020204" pitchFamily="34" charset="0"/>
+                <a:cs typeface="Arial" panose="020B0604020202020204" pitchFamily="34" charset="0"/>
+              </a:rPr>
+              <a:t>= Total fish reared</a:t>
+            </a:r>
+          </a:p>
+        </p:txBody>
+      </p:sp>
     </p:spTree>
     <p:extLst>
       <p:ext uri="{BB962C8B-B14F-4D97-AF65-F5344CB8AC3E}">
